--- a/Courses/Pakistan Studies and Global Perspective (PAK-103)/Assignments/Assignment No 01/PST Presentation.pptx
+++ b/Courses/Pakistan Studies and Global Perspective (PAK-103)/Assignments/Assignment No 01/PST Presentation.pptx
@@ -7,10 +7,12 @@
   <p:sldIdLst>
     <p:sldId id="256" r:id="rId2"/>
     <p:sldId id="257" r:id="rId3"/>
-    <p:sldId id="258" r:id="rId4"/>
-    <p:sldId id="259" r:id="rId5"/>
-    <p:sldId id="261" r:id="rId6"/>
-    <p:sldId id="260" r:id="rId7"/>
+    <p:sldId id="264" r:id="rId4"/>
+    <p:sldId id="267" r:id="rId5"/>
+    <p:sldId id="266" r:id="rId6"/>
+    <p:sldId id="259" r:id="rId7"/>
+    <p:sldId id="268" r:id="rId8"/>
+    <p:sldId id="261" r:id="rId9"/>
   </p:sldIdLst>
   <p:sldSz cx="12192000" cy="6858000"/>
   <p:notesSz cx="6858000" cy="9144000"/>
@@ -109,7 +111,2933 @@
       </a:defRPr>
     </a:lvl9pPr>
   </p:defaultTextStyle>
+  <p:extLst>
+    <p:ext uri="{EFAFB233-063F-42B5-8137-9DF3F51BA10A}">
+      <p15:sldGuideLst xmlns:p15="http://schemas.microsoft.com/office/powerpoint/2012/main"/>
+    </p:ext>
+  </p:extLst>
 </p:presentation>
+</file>
+
+<file path=ppt/diagrams/colors1.xml><?xml version="1.0" encoding="utf-8"?>
+<dgm:colorsDef xmlns:dgm="http://schemas.openxmlformats.org/drawingml/2006/diagram" xmlns:a="http://schemas.openxmlformats.org/drawingml/2006/main" uniqueId="urn:microsoft.com/office/officeart/2005/8/colors/colorful5">
+  <dgm:title val=""/>
+  <dgm:desc val=""/>
+  <dgm:catLst>
+    <dgm:cat type="colorful" pri="10500"/>
+  </dgm:catLst>
+  <dgm:styleLbl name="node0">
+    <dgm:fillClrLst meth="repeat">
+      <a:schemeClr val="accent4"/>
+    </dgm:fillClrLst>
+    <dgm:linClrLst meth="repeat">
+      <a:schemeClr val="lt1"/>
+    </dgm:linClrLst>
+    <dgm:effectClrLst/>
+    <dgm:txLinClrLst/>
+    <dgm:txFillClrLst/>
+    <dgm:txEffectClrLst/>
+  </dgm:styleLbl>
+  <dgm:styleLbl name="node1">
+    <dgm:fillClrLst>
+      <a:schemeClr val="accent5"/>
+      <a:schemeClr val="accent6"/>
+    </dgm:fillClrLst>
+    <dgm:linClrLst meth="repeat">
+      <a:schemeClr val="lt1"/>
+    </dgm:linClrLst>
+    <dgm:effectClrLst/>
+    <dgm:txLinClrLst/>
+    <dgm:txFillClrLst/>
+    <dgm:txEffectClrLst/>
+  </dgm:styleLbl>
+  <dgm:styleLbl name="alignNode1">
+    <dgm:fillClrLst>
+      <a:schemeClr val="accent5"/>
+      <a:schemeClr val="accent6"/>
+    </dgm:fillClrLst>
+    <dgm:linClrLst>
+      <a:schemeClr val="accent5"/>
+      <a:schemeClr val="accent6"/>
+    </dgm:linClrLst>
+    <dgm:effectClrLst/>
+    <dgm:txLinClrLst/>
+    <dgm:txFillClrLst/>
+    <dgm:txEffectClrLst/>
+  </dgm:styleLbl>
+  <dgm:styleLbl name="lnNode1">
+    <dgm:fillClrLst>
+      <a:schemeClr val="accent5"/>
+      <a:schemeClr val="accent6"/>
+    </dgm:fillClrLst>
+    <dgm:linClrLst meth="repeat">
+      <a:schemeClr val="lt1"/>
+    </dgm:linClrLst>
+    <dgm:effectClrLst/>
+    <dgm:txLinClrLst/>
+    <dgm:txFillClrLst/>
+    <dgm:txEffectClrLst/>
+  </dgm:styleLbl>
+  <dgm:styleLbl name="vennNode1">
+    <dgm:fillClrLst>
+      <a:schemeClr val="accent5">
+        <a:alpha val="50000"/>
+      </a:schemeClr>
+      <a:schemeClr val="accent6">
+        <a:alpha val="50000"/>
+      </a:schemeClr>
+    </dgm:fillClrLst>
+    <dgm:linClrLst meth="repeat">
+      <a:schemeClr val="lt1"/>
+    </dgm:linClrLst>
+    <dgm:effectClrLst/>
+    <dgm:txLinClrLst/>
+    <dgm:txFillClrLst/>
+    <dgm:txEffectClrLst/>
+  </dgm:styleLbl>
+  <dgm:styleLbl name="node2">
+    <dgm:fillClrLst>
+      <a:schemeClr val="accent6"/>
+    </dgm:fillClrLst>
+    <dgm:linClrLst meth="repeat">
+      <a:schemeClr val="lt1"/>
+    </dgm:linClrLst>
+    <dgm:effectClrLst/>
+    <dgm:txLinClrLst/>
+    <dgm:txFillClrLst/>
+    <dgm:txEffectClrLst/>
+  </dgm:styleLbl>
+  <dgm:styleLbl name="node3">
+    <dgm:fillClrLst>
+      <a:schemeClr val="accent1"/>
+    </dgm:fillClrLst>
+    <dgm:linClrLst meth="repeat">
+      <a:schemeClr val="lt1"/>
+    </dgm:linClrLst>
+    <dgm:effectClrLst/>
+    <dgm:txLinClrLst/>
+    <dgm:txFillClrLst/>
+    <dgm:txEffectClrLst/>
+  </dgm:styleLbl>
+  <dgm:styleLbl name="node4">
+    <dgm:fillClrLst>
+      <a:schemeClr val="accent2"/>
+    </dgm:fillClrLst>
+    <dgm:linClrLst meth="repeat">
+      <a:schemeClr val="lt1"/>
+    </dgm:linClrLst>
+    <dgm:effectClrLst/>
+    <dgm:txLinClrLst/>
+    <dgm:txFillClrLst/>
+    <dgm:txEffectClrLst/>
+  </dgm:styleLbl>
+  <dgm:styleLbl name="fgImgPlace1">
+    <dgm:fillClrLst>
+      <a:schemeClr val="accent5">
+        <a:tint val="50000"/>
+      </a:schemeClr>
+      <a:schemeClr val="accent6">
+        <a:tint val="50000"/>
+      </a:schemeClr>
+    </dgm:fillClrLst>
+    <dgm:linClrLst meth="repeat">
+      <a:schemeClr val="lt1"/>
+    </dgm:linClrLst>
+    <dgm:effectClrLst/>
+    <dgm:txLinClrLst/>
+    <dgm:txFillClrLst meth="repeat">
+      <a:schemeClr val="lt1"/>
+    </dgm:txFillClrLst>
+    <dgm:txEffectClrLst/>
+  </dgm:styleLbl>
+  <dgm:styleLbl name="alignImgPlace1">
+    <dgm:fillClrLst>
+      <a:schemeClr val="accent5">
+        <a:tint val="50000"/>
+      </a:schemeClr>
+      <a:schemeClr val="accent6">
+        <a:tint val="20000"/>
+      </a:schemeClr>
+    </dgm:fillClrLst>
+    <dgm:linClrLst meth="repeat">
+      <a:schemeClr val="lt1"/>
+    </dgm:linClrLst>
+    <dgm:effectClrLst/>
+    <dgm:txLinClrLst/>
+    <dgm:txFillClrLst meth="repeat">
+      <a:schemeClr val="lt1"/>
+    </dgm:txFillClrLst>
+    <dgm:txEffectClrLst/>
+  </dgm:styleLbl>
+  <dgm:styleLbl name="bgImgPlace1">
+    <dgm:fillClrLst>
+      <a:schemeClr val="accent5">
+        <a:tint val="50000"/>
+      </a:schemeClr>
+      <a:schemeClr val="accent6">
+        <a:tint val="20000"/>
+      </a:schemeClr>
+    </dgm:fillClrLst>
+    <dgm:linClrLst meth="repeat">
+      <a:schemeClr val="lt1"/>
+    </dgm:linClrLst>
+    <dgm:effectClrLst/>
+    <dgm:txLinClrLst/>
+    <dgm:txFillClrLst meth="repeat">
+      <a:schemeClr val="lt1"/>
+    </dgm:txFillClrLst>
+    <dgm:txEffectClrLst/>
+  </dgm:styleLbl>
+  <dgm:styleLbl name="sibTrans2D1">
+    <dgm:fillClrLst>
+      <a:schemeClr val="accent5"/>
+      <a:schemeClr val="accent6"/>
+    </dgm:fillClrLst>
+    <dgm:linClrLst meth="repeat">
+      <a:schemeClr val="lt1"/>
+    </dgm:linClrLst>
+    <dgm:effectClrLst/>
+    <dgm:txLinClrLst/>
+    <dgm:txFillClrLst/>
+    <dgm:txEffectClrLst/>
+  </dgm:styleLbl>
+  <dgm:styleLbl name="fgSibTrans2D1">
+    <dgm:fillClrLst>
+      <a:schemeClr val="accent5"/>
+      <a:schemeClr val="accent6"/>
+    </dgm:fillClrLst>
+    <dgm:linClrLst meth="repeat">
+      <a:schemeClr val="lt1"/>
+    </dgm:linClrLst>
+    <dgm:effectClrLst/>
+    <dgm:txLinClrLst/>
+    <dgm:txFillClrLst meth="repeat">
+      <a:schemeClr val="lt1"/>
+    </dgm:txFillClrLst>
+    <dgm:txEffectClrLst/>
+  </dgm:styleLbl>
+  <dgm:styleLbl name="bgSibTrans2D1">
+    <dgm:fillClrLst>
+      <a:schemeClr val="accent5"/>
+      <a:schemeClr val="accent6"/>
+    </dgm:fillClrLst>
+    <dgm:linClrLst meth="repeat">
+      <a:schemeClr val="lt1"/>
+    </dgm:linClrLst>
+    <dgm:effectClrLst/>
+    <dgm:txLinClrLst/>
+    <dgm:txFillClrLst meth="repeat">
+      <a:schemeClr val="lt1"/>
+    </dgm:txFillClrLst>
+    <dgm:txEffectClrLst/>
+  </dgm:styleLbl>
+  <dgm:styleLbl name="sibTrans1D1">
+    <dgm:fillClrLst/>
+    <dgm:linClrLst>
+      <a:schemeClr val="accent5"/>
+      <a:schemeClr val="accent6"/>
+    </dgm:linClrLst>
+    <dgm:effectClrLst/>
+    <dgm:txLinClrLst/>
+    <dgm:txFillClrLst meth="repeat">
+      <a:schemeClr val="tx1"/>
+    </dgm:txFillClrLst>
+    <dgm:txEffectClrLst/>
+  </dgm:styleLbl>
+  <dgm:styleLbl name="callout">
+    <dgm:fillClrLst meth="repeat">
+      <a:schemeClr val="accent5"/>
+    </dgm:fillClrLst>
+    <dgm:linClrLst meth="repeat">
+      <a:schemeClr val="accent5">
+        <a:tint val="50000"/>
+      </a:schemeClr>
+    </dgm:linClrLst>
+    <dgm:effectClrLst/>
+    <dgm:txLinClrLst/>
+    <dgm:txFillClrLst meth="repeat">
+      <a:schemeClr val="tx1"/>
+    </dgm:txFillClrLst>
+    <dgm:txEffectClrLst/>
+  </dgm:styleLbl>
+  <dgm:styleLbl name="asst0">
+    <dgm:fillClrLst meth="repeat">
+      <a:schemeClr val="accent5"/>
+    </dgm:fillClrLst>
+    <dgm:linClrLst meth="repeat">
+      <a:schemeClr val="lt1">
+        <a:shade val="80000"/>
+      </a:schemeClr>
+    </dgm:linClrLst>
+    <dgm:effectClrLst/>
+    <dgm:txLinClrLst/>
+    <dgm:txFillClrLst/>
+    <dgm:txEffectClrLst/>
+  </dgm:styleLbl>
+  <dgm:styleLbl name="asst1">
+    <dgm:fillClrLst meth="repeat">
+      <a:schemeClr val="accent6"/>
+    </dgm:fillClrLst>
+    <dgm:linClrLst meth="repeat">
+      <a:schemeClr val="lt1">
+        <a:shade val="80000"/>
+      </a:schemeClr>
+    </dgm:linClrLst>
+    <dgm:effectClrLst/>
+    <dgm:txLinClrLst/>
+    <dgm:txFillClrLst/>
+    <dgm:txEffectClrLst/>
+  </dgm:styleLbl>
+  <dgm:styleLbl name="asst2">
+    <dgm:fillClrLst>
+      <a:schemeClr val="accent1"/>
+    </dgm:fillClrLst>
+    <dgm:linClrLst meth="repeat">
+      <a:schemeClr val="lt1"/>
+    </dgm:linClrLst>
+    <dgm:effectClrLst/>
+    <dgm:txLinClrLst/>
+    <dgm:txFillClrLst/>
+    <dgm:txEffectClrLst/>
+  </dgm:styleLbl>
+  <dgm:styleLbl name="asst3">
+    <dgm:fillClrLst>
+      <a:schemeClr val="accent2"/>
+    </dgm:fillClrLst>
+    <dgm:linClrLst meth="repeat">
+      <a:schemeClr val="lt1"/>
+    </dgm:linClrLst>
+    <dgm:effectClrLst/>
+    <dgm:txLinClrLst/>
+    <dgm:txFillClrLst/>
+    <dgm:txEffectClrLst/>
+  </dgm:styleLbl>
+  <dgm:styleLbl name="asst4">
+    <dgm:fillClrLst>
+      <a:schemeClr val="accent3"/>
+    </dgm:fillClrLst>
+    <dgm:linClrLst meth="repeat">
+      <a:schemeClr val="lt1"/>
+    </dgm:linClrLst>
+    <dgm:effectClrLst/>
+    <dgm:txLinClrLst/>
+    <dgm:txFillClrLst/>
+    <dgm:txEffectClrLst/>
+  </dgm:styleLbl>
+  <dgm:styleLbl name="parChTrans2D1">
+    <dgm:fillClrLst meth="repeat">
+      <a:schemeClr val="accent5"/>
+    </dgm:fillClrLst>
+    <dgm:linClrLst meth="repeat">
+      <a:schemeClr val="lt1"/>
+    </dgm:linClrLst>
+    <dgm:effectClrLst/>
+    <dgm:txLinClrLst/>
+    <dgm:txFillClrLst meth="repeat">
+      <a:schemeClr val="lt1"/>
+    </dgm:txFillClrLst>
+    <dgm:txEffectClrLst/>
+  </dgm:styleLbl>
+  <dgm:styleLbl name="parChTrans2D2">
+    <dgm:fillClrLst meth="repeat">
+      <a:schemeClr val="accent6"/>
+    </dgm:fillClrLst>
+    <dgm:linClrLst meth="repeat">
+      <a:schemeClr val="lt1"/>
+    </dgm:linClrLst>
+    <dgm:effectClrLst/>
+    <dgm:txLinClrLst/>
+    <dgm:txFillClrLst/>
+    <dgm:txEffectClrLst/>
+  </dgm:styleLbl>
+  <dgm:styleLbl name="parChTrans2D3">
+    <dgm:fillClrLst meth="repeat">
+      <a:schemeClr val="accent6"/>
+    </dgm:fillClrLst>
+    <dgm:linClrLst meth="repeat">
+      <a:schemeClr val="lt1"/>
+    </dgm:linClrLst>
+    <dgm:effectClrLst/>
+    <dgm:txLinClrLst/>
+    <dgm:txFillClrLst/>
+    <dgm:txEffectClrLst/>
+  </dgm:styleLbl>
+  <dgm:styleLbl name="parChTrans2D4">
+    <dgm:fillClrLst meth="repeat">
+      <a:schemeClr val="accent1"/>
+    </dgm:fillClrLst>
+    <dgm:linClrLst meth="repeat">
+      <a:schemeClr val="lt1"/>
+    </dgm:linClrLst>
+    <dgm:effectClrLst/>
+    <dgm:txLinClrLst/>
+    <dgm:txFillClrLst meth="repeat">
+      <a:schemeClr val="lt1"/>
+    </dgm:txFillClrLst>
+    <dgm:txEffectClrLst/>
+  </dgm:styleLbl>
+  <dgm:styleLbl name="parChTrans1D1">
+    <dgm:fillClrLst meth="repeat">
+      <a:schemeClr val="accent5"/>
+    </dgm:fillClrLst>
+    <dgm:linClrLst meth="repeat">
+      <a:schemeClr val="accent5"/>
+    </dgm:linClrLst>
+    <dgm:effectClrLst/>
+    <dgm:txLinClrLst/>
+    <dgm:txFillClrLst meth="repeat">
+      <a:schemeClr val="tx1"/>
+    </dgm:txFillClrLst>
+    <dgm:txEffectClrLst/>
+  </dgm:styleLbl>
+  <dgm:styleLbl name="parChTrans1D2">
+    <dgm:fillClrLst meth="repeat">
+      <a:schemeClr val="accent6">
+        <a:tint val="90000"/>
+      </a:schemeClr>
+    </dgm:fillClrLst>
+    <dgm:linClrLst meth="repeat">
+      <a:schemeClr val="accent6"/>
+    </dgm:linClrLst>
+    <dgm:effectClrLst/>
+    <dgm:txLinClrLst/>
+    <dgm:txFillClrLst meth="repeat">
+      <a:schemeClr val="tx1"/>
+    </dgm:txFillClrLst>
+    <dgm:txEffectClrLst/>
+  </dgm:styleLbl>
+  <dgm:styleLbl name="parChTrans1D3">
+    <dgm:fillClrLst meth="repeat">
+      <a:schemeClr val="accent6">
+        <a:tint val="70000"/>
+      </a:schemeClr>
+    </dgm:fillClrLst>
+    <dgm:linClrLst meth="repeat">
+      <a:schemeClr val="accent1"/>
+    </dgm:linClrLst>
+    <dgm:effectClrLst/>
+    <dgm:txLinClrLst/>
+    <dgm:txFillClrLst meth="repeat">
+      <a:schemeClr val="tx1"/>
+    </dgm:txFillClrLst>
+    <dgm:txEffectClrLst/>
+  </dgm:styleLbl>
+  <dgm:styleLbl name="parChTrans1D4">
+    <dgm:fillClrLst meth="repeat">
+      <a:schemeClr val="accent6">
+        <a:tint val="50000"/>
+      </a:schemeClr>
+    </dgm:fillClrLst>
+    <dgm:linClrLst meth="repeat">
+      <a:schemeClr val="accent2"/>
+    </dgm:linClrLst>
+    <dgm:effectClrLst/>
+    <dgm:txLinClrLst/>
+    <dgm:txFillClrLst meth="repeat">
+      <a:schemeClr val="tx1"/>
+    </dgm:txFillClrLst>
+    <dgm:txEffectClrLst/>
+  </dgm:styleLbl>
+  <dgm:styleLbl name="fgAcc1">
+    <dgm:fillClrLst meth="repeat">
+      <a:schemeClr val="lt1">
+        <a:alpha val="90000"/>
+      </a:schemeClr>
+    </dgm:fillClrLst>
+    <dgm:linClrLst>
+      <a:schemeClr val="accent5"/>
+      <a:schemeClr val="accent6"/>
+    </dgm:linClrLst>
+    <dgm:effectClrLst/>
+    <dgm:txLinClrLst/>
+    <dgm:txFillClrLst meth="repeat">
+      <a:schemeClr val="dk1"/>
+    </dgm:txFillClrLst>
+    <dgm:txEffectClrLst/>
+  </dgm:styleLbl>
+  <dgm:styleLbl name="conFgAcc1">
+    <dgm:fillClrLst meth="repeat">
+      <a:schemeClr val="lt1">
+        <a:alpha val="90000"/>
+      </a:schemeClr>
+    </dgm:fillClrLst>
+    <dgm:linClrLst>
+      <a:schemeClr val="accent5"/>
+      <a:schemeClr val="accent6"/>
+    </dgm:linClrLst>
+    <dgm:effectClrLst/>
+    <dgm:txLinClrLst/>
+    <dgm:txFillClrLst meth="repeat">
+      <a:schemeClr val="dk1"/>
+    </dgm:txFillClrLst>
+    <dgm:txEffectClrLst/>
+  </dgm:styleLbl>
+  <dgm:styleLbl name="alignAcc1">
+    <dgm:fillClrLst meth="repeat">
+      <a:schemeClr val="lt1">
+        <a:alpha val="90000"/>
+      </a:schemeClr>
+    </dgm:fillClrLst>
+    <dgm:linClrLst>
+      <a:schemeClr val="accent5"/>
+      <a:schemeClr val="accent6"/>
+    </dgm:linClrLst>
+    <dgm:effectClrLst/>
+    <dgm:txLinClrLst/>
+    <dgm:txFillClrLst meth="repeat">
+      <a:schemeClr val="dk1"/>
+    </dgm:txFillClrLst>
+    <dgm:txEffectClrLst/>
+  </dgm:styleLbl>
+  <dgm:styleLbl name="trAlignAcc1">
+    <dgm:fillClrLst meth="repeat">
+      <a:schemeClr val="lt1">
+        <a:alpha val="40000"/>
+      </a:schemeClr>
+    </dgm:fillClrLst>
+    <dgm:linClrLst meth="repeat">
+      <a:schemeClr val="accent5"/>
+    </dgm:linClrLst>
+    <dgm:effectClrLst/>
+    <dgm:txLinClrLst/>
+    <dgm:txFillClrLst meth="repeat">
+      <a:schemeClr val="dk1"/>
+    </dgm:txFillClrLst>
+    <dgm:txEffectClrLst/>
+  </dgm:styleLbl>
+  <dgm:styleLbl name="bgAcc1">
+    <dgm:fillClrLst meth="repeat">
+      <a:schemeClr val="lt1">
+        <a:alpha val="90000"/>
+      </a:schemeClr>
+    </dgm:fillClrLst>
+    <dgm:linClrLst>
+      <a:schemeClr val="accent5"/>
+      <a:schemeClr val="accent6"/>
+    </dgm:linClrLst>
+    <dgm:effectClrLst/>
+    <dgm:txLinClrLst/>
+    <dgm:txFillClrLst meth="repeat">
+      <a:schemeClr val="dk1"/>
+    </dgm:txFillClrLst>
+    <dgm:txEffectClrLst/>
+  </dgm:styleLbl>
+  <dgm:styleLbl name="solidFgAcc1">
+    <dgm:fillClrLst meth="repeat">
+      <a:schemeClr val="lt1"/>
+    </dgm:fillClrLst>
+    <dgm:linClrLst>
+      <a:schemeClr val="accent5"/>
+      <a:schemeClr val="accent6"/>
+    </dgm:linClrLst>
+    <dgm:effectClrLst/>
+    <dgm:txLinClrLst/>
+    <dgm:txFillClrLst meth="repeat">
+      <a:schemeClr val="dk1"/>
+    </dgm:txFillClrLst>
+    <dgm:txEffectClrLst/>
+  </dgm:styleLbl>
+  <dgm:styleLbl name="solidAlignAcc1">
+    <dgm:fillClrLst meth="repeat">
+      <a:schemeClr val="lt1"/>
+    </dgm:fillClrLst>
+    <dgm:linClrLst>
+      <a:schemeClr val="accent5"/>
+      <a:schemeClr val="accent6"/>
+    </dgm:linClrLst>
+    <dgm:effectClrLst/>
+    <dgm:txLinClrLst/>
+    <dgm:txFillClrLst meth="repeat">
+      <a:schemeClr val="dk1"/>
+    </dgm:txFillClrLst>
+    <dgm:txEffectClrLst/>
+  </dgm:styleLbl>
+  <dgm:styleLbl name="solidBgAcc1">
+    <dgm:fillClrLst meth="repeat">
+      <a:schemeClr val="lt1"/>
+    </dgm:fillClrLst>
+    <dgm:linClrLst>
+      <a:schemeClr val="accent5"/>
+      <a:schemeClr val="accent6"/>
+    </dgm:linClrLst>
+    <dgm:effectClrLst/>
+    <dgm:txLinClrLst/>
+    <dgm:txFillClrLst meth="repeat">
+      <a:schemeClr val="dk1"/>
+    </dgm:txFillClrLst>
+    <dgm:txEffectClrLst/>
+  </dgm:styleLbl>
+  <dgm:styleLbl name="fgAccFollowNode1">
+    <dgm:fillClrLst>
+      <a:schemeClr val="accent5">
+        <a:tint val="40000"/>
+        <a:alpha val="90000"/>
+      </a:schemeClr>
+      <a:schemeClr val="accent6">
+        <a:tint val="40000"/>
+        <a:alpha val="90000"/>
+      </a:schemeClr>
+    </dgm:fillClrLst>
+    <dgm:linClrLst>
+      <a:schemeClr val="accent5">
+        <a:tint val="40000"/>
+        <a:alpha val="90000"/>
+      </a:schemeClr>
+      <a:schemeClr val="accent5">
+        <a:tint val="40000"/>
+        <a:alpha val="90000"/>
+      </a:schemeClr>
+    </dgm:linClrLst>
+    <dgm:effectClrLst/>
+    <dgm:txLinClrLst/>
+    <dgm:txFillClrLst meth="repeat">
+      <a:schemeClr val="dk1"/>
+    </dgm:txFillClrLst>
+    <dgm:txEffectClrLst/>
+  </dgm:styleLbl>
+  <dgm:styleLbl name="alignAccFollowNode1">
+    <dgm:fillClrLst>
+      <a:schemeClr val="accent5">
+        <a:tint val="40000"/>
+        <a:alpha val="90000"/>
+      </a:schemeClr>
+      <a:schemeClr val="accent6">
+        <a:tint val="40000"/>
+        <a:alpha val="90000"/>
+      </a:schemeClr>
+    </dgm:fillClrLst>
+    <dgm:linClrLst>
+      <a:schemeClr val="accent5">
+        <a:tint val="40000"/>
+        <a:alpha val="90000"/>
+      </a:schemeClr>
+      <a:schemeClr val="accent6">
+        <a:tint val="40000"/>
+        <a:alpha val="90000"/>
+      </a:schemeClr>
+    </dgm:linClrLst>
+    <dgm:effectClrLst/>
+    <dgm:txLinClrLst/>
+    <dgm:txFillClrLst meth="repeat">
+      <a:schemeClr val="dk1"/>
+    </dgm:txFillClrLst>
+    <dgm:txEffectClrLst/>
+  </dgm:styleLbl>
+  <dgm:styleLbl name="bgAccFollowNode1">
+    <dgm:fillClrLst>
+      <a:schemeClr val="accent5">
+        <a:tint val="40000"/>
+        <a:alpha val="90000"/>
+      </a:schemeClr>
+      <a:schemeClr val="accent6">
+        <a:tint val="40000"/>
+        <a:alpha val="90000"/>
+      </a:schemeClr>
+    </dgm:fillClrLst>
+    <dgm:linClrLst>
+      <a:schemeClr val="accent5">
+        <a:tint val="40000"/>
+        <a:alpha val="90000"/>
+      </a:schemeClr>
+      <a:schemeClr val="accent6">
+        <a:tint val="40000"/>
+        <a:alpha val="90000"/>
+      </a:schemeClr>
+    </dgm:linClrLst>
+    <dgm:effectClrLst/>
+    <dgm:txLinClrLst/>
+    <dgm:txFillClrLst meth="repeat">
+      <a:schemeClr val="dk1"/>
+    </dgm:txFillClrLst>
+    <dgm:txEffectClrLst/>
+  </dgm:styleLbl>
+  <dgm:styleLbl name="fgAcc0">
+    <dgm:fillClrLst meth="repeat">
+      <a:schemeClr val="lt1">
+        <a:alpha val="90000"/>
+      </a:schemeClr>
+    </dgm:fillClrLst>
+    <dgm:linClrLst>
+      <a:schemeClr val="accent4"/>
+    </dgm:linClrLst>
+    <dgm:effectClrLst/>
+    <dgm:txLinClrLst/>
+    <dgm:txFillClrLst meth="repeat">
+      <a:schemeClr val="dk1"/>
+    </dgm:txFillClrLst>
+    <dgm:txEffectClrLst/>
+  </dgm:styleLbl>
+  <dgm:styleLbl name="fgAcc2">
+    <dgm:fillClrLst meth="repeat">
+      <a:schemeClr val="lt1">
+        <a:alpha val="90000"/>
+      </a:schemeClr>
+    </dgm:fillClrLst>
+    <dgm:linClrLst>
+      <a:schemeClr val="accent6"/>
+    </dgm:linClrLst>
+    <dgm:effectClrLst/>
+    <dgm:txLinClrLst/>
+    <dgm:txFillClrLst meth="repeat">
+      <a:schemeClr val="dk1"/>
+    </dgm:txFillClrLst>
+    <dgm:txEffectClrLst/>
+  </dgm:styleLbl>
+  <dgm:styleLbl name="fgAcc3">
+    <dgm:fillClrLst meth="repeat">
+      <a:schemeClr val="lt1">
+        <a:alpha val="90000"/>
+      </a:schemeClr>
+    </dgm:fillClrLst>
+    <dgm:linClrLst>
+      <a:schemeClr val="accent1"/>
+    </dgm:linClrLst>
+    <dgm:effectClrLst/>
+    <dgm:txLinClrLst/>
+    <dgm:txFillClrLst meth="repeat">
+      <a:schemeClr val="dk1"/>
+    </dgm:txFillClrLst>
+    <dgm:txEffectClrLst/>
+  </dgm:styleLbl>
+  <dgm:styleLbl name="fgAcc4">
+    <dgm:fillClrLst meth="repeat">
+      <a:schemeClr val="lt1">
+        <a:alpha val="90000"/>
+      </a:schemeClr>
+    </dgm:fillClrLst>
+    <dgm:linClrLst>
+      <a:schemeClr val="accent2"/>
+    </dgm:linClrLst>
+    <dgm:effectClrLst/>
+    <dgm:txLinClrLst/>
+    <dgm:txFillClrLst meth="repeat">
+      <a:schemeClr val="dk1"/>
+    </dgm:txFillClrLst>
+    <dgm:txEffectClrLst/>
+  </dgm:styleLbl>
+  <dgm:styleLbl name="bgShp">
+    <dgm:fillClrLst meth="repeat">
+      <a:schemeClr val="accent5">
+        <a:tint val="40000"/>
+      </a:schemeClr>
+    </dgm:fillClrLst>
+    <dgm:linClrLst meth="repeat">
+      <a:schemeClr val="dk1"/>
+    </dgm:linClrLst>
+    <dgm:effectClrLst/>
+    <dgm:txLinClrLst/>
+    <dgm:txFillClrLst meth="repeat">
+      <a:schemeClr val="dk1"/>
+    </dgm:txFillClrLst>
+    <dgm:txEffectClrLst/>
+  </dgm:styleLbl>
+  <dgm:styleLbl name="dkBgShp">
+    <dgm:fillClrLst meth="repeat">
+      <a:schemeClr val="accent5">
+        <a:shade val="90000"/>
+      </a:schemeClr>
+    </dgm:fillClrLst>
+    <dgm:linClrLst meth="repeat">
+      <a:schemeClr val="dk1"/>
+    </dgm:linClrLst>
+    <dgm:effectClrLst/>
+    <dgm:txLinClrLst/>
+    <dgm:txFillClrLst meth="repeat">
+      <a:schemeClr val="lt1"/>
+    </dgm:txFillClrLst>
+    <dgm:txEffectClrLst/>
+  </dgm:styleLbl>
+  <dgm:styleLbl name="trBgShp">
+    <dgm:fillClrLst meth="repeat">
+      <a:schemeClr val="accent5">
+        <a:tint val="50000"/>
+        <a:alpha val="40000"/>
+      </a:schemeClr>
+    </dgm:fillClrLst>
+    <dgm:linClrLst meth="repeat">
+      <a:schemeClr val="accent5"/>
+    </dgm:linClrLst>
+    <dgm:effectClrLst/>
+    <dgm:txLinClrLst/>
+    <dgm:txFillClrLst meth="repeat">
+      <a:schemeClr val="lt1"/>
+    </dgm:txFillClrLst>
+    <dgm:txEffectClrLst/>
+  </dgm:styleLbl>
+  <dgm:styleLbl name="fgShp">
+    <dgm:fillClrLst meth="repeat">
+      <a:schemeClr val="accent5">
+        <a:tint val="40000"/>
+      </a:schemeClr>
+    </dgm:fillClrLst>
+    <dgm:linClrLst meth="repeat">
+      <a:schemeClr val="lt1"/>
+    </dgm:linClrLst>
+    <dgm:effectClrLst/>
+    <dgm:txLinClrLst/>
+    <dgm:txFillClrLst meth="repeat">
+      <a:schemeClr val="dk1"/>
+    </dgm:txFillClrLst>
+    <dgm:txEffectClrLst/>
+  </dgm:styleLbl>
+  <dgm:styleLbl name="revTx">
+    <dgm:fillClrLst meth="repeat">
+      <a:schemeClr val="lt1">
+        <a:alpha val="0"/>
+      </a:schemeClr>
+    </dgm:fillClrLst>
+    <dgm:linClrLst meth="repeat">
+      <a:schemeClr val="dk1">
+        <a:alpha val="0"/>
+      </a:schemeClr>
+    </dgm:linClrLst>
+    <dgm:effectClrLst/>
+    <dgm:txLinClrLst/>
+    <dgm:txFillClrLst meth="repeat">
+      <a:schemeClr val="tx1"/>
+    </dgm:txFillClrLst>
+    <dgm:txEffectClrLst/>
+  </dgm:styleLbl>
+</dgm:colorsDef>
+</file>
+
+<file path=ppt/diagrams/data1.xml><?xml version="1.0" encoding="utf-8"?>
+<dgm:dataModel xmlns:dgm="http://schemas.openxmlformats.org/drawingml/2006/diagram" xmlns:a="http://schemas.openxmlformats.org/drawingml/2006/main">
+  <dgm:ptLst>
+    <dgm:pt modelId="{1691608B-B9EF-4B7C-95AE-3D7721A9E0AC}" type="doc">
+      <dgm:prSet loTypeId="urn:microsoft.com/office/officeart/2008/layout/LinedList" loCatId="list" qsTypeId="urn:microsoft.com/office/officeart/2005/8/quickstyle/simple4" qsCatId="simple" csTypeId="urn:microsoft.com/office/officeart/2005/8/colors/colorful5" csCatId="colorful" phldr="1"/>
+      <dgm:spPr/>
+      <dgm:t>
+        <a:bodyPr/>
+        <a:lstStyle/>
+        <a:p>
+          <a:endParaRPr lang="en-US"/>
+        </a:p>
+      </dgm:t>
+    </dgm:pt>
+    <dgm:pt modelId="{24CA7AED-5545-4A8E-AE1A-0D6C86D0642B}">
+      <dgm:prSet/>
+      <dgm:spPr/>
+      <dgm:t>
+        <a:bodyPr/>
+        <a:lstStyle/>
+        <a:p>
+          <a:pPr algn="just"/>
+          <a:r>
+            <a:rPr lang="en-US" dirty="0"/>
+            <a:t>He faced poverty and hardship as a young migrant in Karachi after the partition of India. He also faced hostility and discrimination from some members of his own community who did not approve of his social work.</a:t>
+          </a:r>
+        </a:p>
+      </dgm:t>
+    </dgm:pt>
+    <dgm:pt modelId="{499EA6E7-F40E-4C65-BDAC-5371E54A62EC}" type="parTrans" cxnId="{268051AD-AD79-474A-BAC2-15FEA0BF866B}">
+      <dgm:prSet/>
+      <dgm:spPr/>
+      <dgm:t>
+        <a:bodyPr/>
+        <a:lstStyle/>
+        <a:p>
+          <a:endParaRPr lang="en-US"/>
+        </a:p>
+      </dgm:t>
+    </dgm:pt>
+    <dgm:pt modelId="{60C87E7F-8A40-4A7D-97A7-5AE7D5773D6D}" type="sibTrans" cxnId="{268051AD-AD79-474A-BAC2-15FEA0BF866B}">
+      <dgm:prSet/>
+      <dgm:spPr/>
+      <dgm:t>
+        <a:bodyPr/>
+        <a:lstStyle/>
+        <a:p>
+          <a:endParaRPr lang="en-US"/>
+        </a:p>
+      </dgm:t>
+    </dgm:pt>
+    <dgm:pt modelId="{F8381271-A90A-4522-8986-F65AF97E0127}">
+      <dgm:prSet/>
+      <dgm:spPr/>
+      <dgm:t>
+        <a:bodyPr/>
+        <a:lstStyle/>
+        <a:p>
+          <a:pPr algn="just"/>
+          <a:r>
+            <a:rPr lang="en-US" dirty="0"/>
+            <a:t>He faced challenges in maintaining and expanding his foundation's services due to the lack of government support, corruption, bureaucracy, and security issues. He often had to sell his personal belongings or borrow money to keep his foundation running.</a:t>
+          </a:r>
+        </a:p>
+      </dgm:t>
+    </dgm:pt>
+    <dgm:pt modelId="{3E6459DD-7211-41A3-BFB3-EC3037D3F44A}" type="parTrans" cxnId="{1CB81EE0-D72A-4A87-B70A-A163B867C1FF}">
+      <dgm:prSet/>
+      <dgm:spPr/>
+      <dgm:t>
+        <a:bodyPr/>
+        <a:lstStyle/>
+        <a:p>
+          <a:endParaRPr lang="en-US"/>
+        </a:p>
+      </dgm:t>
+    </dgm:pt>
+    <dgm:pt modelId="{126F9667-35D6-4B98-AE38-94CB987BC248}" type="sibTrans" cxnId="{1CB81EE0-D72A-4A87-B70A-A163B867C1FF}">
+      <dgm:prSet/>
+      <dgm:spPr/>
+      <dgm:t>
+        <a:bodyPr/>
+        <a:lstStyle/>
+        <a:p>
+          <a:endParaRPr lang="en-US"/>
+        </a:p>
+      </dgm:t>
+    </dgm:pt>
+    <dgm:pt modelId="{19B02E46-73B1-4D7B-B33F-7D37190A99A4}">
+      <dgm:prSet/>
+      <dgm:spPr/>
+      <dgm:t>
+        <a:bodyPr/>
+        <a:lstStyle/>
+        <a:p>
+          <a:pPr algn="just"/>
+          <a:r>
+            <a:rPr lang="en-US" dirty="0"/>
+            <a:t>He faced opposition and threats from some religious extremists and political groups who accused him of being a heretic, a spy, or a </a:t>
+          </a:r>
+          <a:r>
+            <a:rPr lang="en-US" dirty="0" err="1"/>
+            <a:t>traitor.He</a:t>
+          </a:r>
+          <a:r>
+            <a:rPr lang="en-US" dirty="0"/>
+            <a:t> was also attacked several times by armed men who tried to rob or kidnap him or his staff. He survived a bomb blast near his office in 2013 that killed three people.</a:t>
+          </a:r>
+        </a:p>
+      </dgm:t>
+    </dgm:pt>
+    <dgm:pt modelId="{A24EC015-313F-43D8-B42C-E9869BD25D69}" type="parTrans" cxnId="{EEAA2670-0BC6-4211-92C7-41ACE4441D9E}">
+      <dgm:prSet/>
+      <dgm:spPr/>
+      <dgm:t>
+        <a:bodyPr/>
+        <a:lstStyle/>
+        <a:p>
+          <a:endParaRPr lang="en-US"/>
+        </a:p>
+      </dgm:t>
+    </dgm:pt>
+    <dgm:pt modelId="{D3A7DFEB-5F5F-4793-86E3-444163C7BEC3}" type="sibTrans" cxnId="{EEAA2670-0BC6-4211-92C7-41ACE4441D9E}">
+      <dgm:prSet/>
+      <dgm:spPr/>
+      <dgm:t>
+        <a:bodyPr/>
+        <a:lstStyle/>
+        <a:p>
+          <a:endParaRPr lang="en-US"/>
+        </a:p>
+      </dgm:t>
+    </dgm:pt>
+    <dgm:pt modelId="{890C38F3-17D7-4666-B6E0-76D4EC0F7BE3}" type="pres">
+      <dgm:prSet presAssocID="{1691608B-B9EF-4B7C-95AE-3D7721A9E0AC}" presName="vert0" presStyleCnt="0">
+        <dgm:presLayoutVars>
+          <dgm:dir/>
+          <dgm:animOne val="branch"/>
+          <dgm:animLvl val="lvl"/>
+        </dgm:presLayoutVars>
+      </dgm:prSet>
+      <dgm:spPr/>
+    </dgm:pt>
+    <dgm:pt modelId="{583F82C0-2279-490D-9E90-763286F9D803}" type="pres">
+      <dgm:prSet presAssocID="{24CA7AED-5545-4A8E-AE1A-0D6C86D0642B}" presName="thickLine" presStyleLbl="alignNode1" presStyleIdx="0" presStyleCnt="3"/>
+      <dgm:spPr/>
+    </dgm:pt>
+    <dgm:pt modelId="{860D1D61-2060-4532-A2C0-BEDBFDDE42F9}" type="pres">
+      <dgm:prSet presAssocID="{24CA7AED-5545-4A8E-AE1A-0D6C86D0642B}" presName="horz1" presStyleCnt="0"/>
+      <dgm:spPr/>
+    </dgm:pt>
+    <dgm:pt modelId="{9B265D48-2454-4247-AAD1-CCED2E5D485A}" type="pres">
+      <dgm:prSet presAssocID="{24CA7AED-5545-4A8E-AE1A-0D6C86D0642B}" presName="tx1" presStyleLbl="revTx" presStyleIdx="0" presStyleCnt="3"/>
+      <dgm:spPr/>
+    </dgm:pt>
+    <dgm:pt modelId="{3C31FA5F-9312-42B1-B454-BA9DAA7673DA}" type="pres">
+      <dgm:prSet presAssocID="{24CA7AED-5545-4A8E-AE1A-0D6C86D0642B}" presName="vert1" presStyleCnt="0"/>
+      <dgm:spPr/>
+    </dgm:pt>
+    <dgm:pt modelId="{018B3A73-1D96-4846-A5E3-CB2556C8D49F}" type="pres">
+      <dgm:prSet presAssocID="{F8381271-A90A-4522-8986-F65AF97E0127}" presName="thickLine" presStyleLbl="alignNode1" presStyleIdx="1" presStyleCnt="3"/>
+      <dgm:spPr/>
+    </dgm:pt>
+    <dgm:pt modelId="{9AFEA385-42CD-463A-8D58-0475835ECAEF}" type="pres">
+      <dgm:prSet presAssocID="{F8381271-A90A-4522-8986-F65AF97E0127}" presName="horz1" presStyleCnt="0"/>
+      <dgm:spPr/>
+    </dgm:pt>
+    <dgm:pt modelId="{259E2A24-5461-4C54-9332-D5A607F50739}" type="pres">
+      <dgm:prSet presAssocID="{F8381271-A90A-4522-8986-F65AF97E0127}" presName="tx1" presStyleLbl="revTx" presStyleIdx="1" presStyleCnt="3"/>
+      <dgm:spPr/>
+    </dgm:pt>
+    <dgm:pt modelId="{DF19DDA3-3DB5-4187-9702-0A8373A3A994}" type="pres">
+      <dgm:prSet presAssocID="{F8381271-A90A-4522-8986-F65AF97E0127}" presName="vert1" presStyleCnt="0"/>
+      <dgm:spPr/>
+    </dgm:pt>
+    <dgm:pt modelId="{BE7015E2-BE4B-4E42-8E4A-222CF5F4A157}" type="pres">
+      <dgm:prSet presAssocID="{19B02E46-73B1-4D7B-B33F-7D37190A99A4}" presName="thickLine" presStyleLbl="alignNode1" presStyleIdx="2" presStyleCnt="3"/>
+      <dgm:spPr/>
+    </dgm:pt>
+    <dgm:pt modelId="{76DAF09C-5CCA-459A-B7B0-2A84D506426A}" type="pres">
+      <dgm:prSet presAssocID="{19B02E46-73B1-4D7B-B33F-7D37190A99A4}" presName="horz1" presStyleCnt="0"/>
+      <dgm:spPr/>
+    </dgm:pt>
+    <dgm:pt modelId="{608572DB-8D3B-4005-9FF9-714F0C2D89A3}" type="pres">
+      <dgm:prSet presAssocID="{19B02E46-73B1-4D7B-B33F-7D37190A99A4}" presName="tx1" presStyleLbl="revTx" presStyleIdx="2" presStyleCnt="3"/>
+      <dgm:spPr/>
+    </dgm:pt>
+    <dgm:pt modelId="{8CCA1CBE-CAD3-40F8-BAC5-2528FAE193BC}" type="pres">
+      <dgm:prSet presAssocID="{19B02E46-73B1-4D7B-B33F-7D37190A99A4}" presName="vert1" presStyleCnt="0"/>
+      <dgm:spPr/>
+    </dgm:pt>
+  </dgm:ptLst>
+  <dgm:cxnLst>
+    <dgm:cxn modelId="{C3B94117-7C8A-4BE7-AFFE-B25AAA5C624B}" type="presOf" srcId="{19B02E46-73B1-4D7B-B33F-7D37190A99A4}" destId="{608572DB-8D3B-4005-9FF9-714F0C2D89A3}" srcOrd="0" destOrd="0" presId="urn:microsoft.com/office/officeart/2008/layout/LinedList"/>
+    <dgm:cxn modelId="{B8623D48-4B54-4BB1-961D-C49EA558DC17}" type="presOf" srcId="{24CA7AED-5545-4A8E-AE1A-0D6C86D0642B}" destId="{9B265D48-2454-4247-AAD1-CCED2E5D485A}" srcOrd="0" destOrd="0" presId="urn:microsoft.com/office/officeart/2008/layout/LinedList"/>
+    <dgm:cxn modelId="{EEAA2670-0BC6-4211-92C7-41ACE4441D9E}" srcId="{1691608B-B9EF-4B7C-95AE-3D7721A9E0AC}" destId="{19B02E46-73B1-4D7B-B33F-7D37190A99A4}" srcOrd="2" destOrd="0" parTransId="{A24EC015-313F-43D8-B42C-E9869BD25D69}" sibTransId="{D3A7DFEB-5F5F-4793-86E3-444163C7BEC3}"/>
+    <dgm:cxn modelId="{A0EA1C9C-093C-4CB2-8FCF-AB81D333064D}" type="presOf" srcId="{1691608B-B9EF-4B7C-95AE-3D7721A9E0AC}" destId="{890C38F3-17D7-4666-B6E0-76D4EC0F7BE3}" srcOrd="0" destOrd="0" presId="urn:microsoft.com/office/officeart/2008/layout/LinedList"/>
+    <dgm:cxn modelId="{268051AD-AD79-474A-BAC2-15FEA0BF866B}" srcId="{1691608B-B9EF-4B7C-95AE-3D7721A9E0AC}" destId="{24CA7AED-5545-4A8E-AE1A-0D6C86D0642B}" srcOrd="0" destOrd="0" parTransId="{499EA6E7-F40E-4C65-BDAC-5371E54A62EC}" sibTransId="{60C87E7F-8A40-4A7D-97A7-5AE7D5773D6D}"/>
+    <dgm:cxn modelId="{610C01DB-5191-4CD0-84E3-5A5A0C2C28BF}" type="presOf" srcId="{F8381271-A90A-4522-8986-F65AF97E0127}" destId="{259E2A24-5461-4C54-9332-D5A607F50739}" srcOrd="0" destOrd="0" presId="urn:microsoft.com/office/officeart/2008/layout/LinedList"/>
+    <dgm:cxn modelId="{1CB81EE0-D72A-4A87-B70A-A163B867C1FF}" srcId="{1691608B-B9EF-4B7C-95AE-3D7721A9E0AC}" destId="{F8381271-A90A-4522-8986-F65AF97E0127}" srcOrd="1" destOrd="0" parTransId="{3E6459DD-7211-41A3-BFB3-EC3037D3F44A}" sibTransId="{126F9667-35D6-4B98-AE38-94CB987BC248}"/>
+    <dgm:cxn modelId="{1086BBA4-26A2-4760-9C6F-B90BD87025E6}" type="presParOf" srcId="{890C38F3-17D7-4666-B6E0-76D4EC0F7BE3}" destId="{583F82C0-2279-490D-9E90-763286F9D803}" srcOrd="0" destOrd="0" presId="urn:microsoft.com/office/officeart/2008/layout/LinedList"/>
+    <dgm:cxn modelId="{46592E29-5E66-4FA2-AE42-8164E1465A6C}" type="presParOf" srcId="{890C38F3-17D7-4666-B6E0-76D4EC0F7BE3}" destId="{860D1D61-2060-4532-A2C0-BEDBFDDE42F9}" srcOrd="1" destOrd="0" presId="urn:microsoft.com/office/officeart/2008/layout/LinedList"/>
+    <dgm:cxn modelId="{626E9F79-3CBD-4F86-882D-A05BF7082E0C}" type="presParOf" srcId="{860D1D61-2060-4532-A2C0-BEDBFDDE42F9}" destId="{9B265D48-2454-4247-AAD1-CCED2E5D485A}" srcOrd="0" destOrd="0" presId="urn:microsoft.com/office/officeart/2008/layout/LinedList"/>
+    <dgm:cxn modelId="{A88150E5-88AC-4E8F-8B05-E1F9CB356121}" type="presParOf" srcId="{860D1D61-2060-4532-A2C0-BEDBFDDE42F9}" destId="{3C31FA5F-9312-42B1-B454-BA9DAA7673DA}" srcOrd="1" destOrd="0" presId="urn:microsoft.com/office/officeart/2008/layout/LinedList"/>
+    <dgm:cxn modelId="{79D4A995-A3B8-47B0-98B2-7D966F201430}" type="presParOf" srcId="{890C38F3-17D7-4666-B6E0-76D4EC0F7BE3}" destId="{018B3A73-1D96-4846-A5E3-CB2556C8D49F}" srcOrd="2" destOrd="0" presId="urn:microsoft.com/office/officeart/2008/layout/LinedList"/>
+    <dgm:cxn modelId="{82A6AA66-89BC-4511-AFCD-F6F3C3EE0ED5}" type="presParOf" srcId="{890C38F3-17D7-4666-B6E0-76D4EC0F7BE3}" destId="{9AFEA385-42CD-463A-8D58-0475835ECAEF}" srcOrd="3" destOrd="0" presId="urn:microsoft.com/office/officeart/2008/layout/LinedList"/>
+    <dgm:cxn modelId="{9CA2E2D6-A042-4D4B-9318-948601988D56}" type="presParOf" srcId="{9AFEA385-42CD-463A-8D58-0475835ECAEF}" destId="{259E2A24-5461-4C54-9332-D5A607F50739}" srcOrd="0" destOrd="0" presId="urn:microsoft.com/office/officeart/2008/layout/LinedList"/>
+    <dgm:cxn modelId="{59228089-DE14-44C3-B51C-9F01CE77848F}" type="presParOf" srcId="{9AFEA385-42CD-463A-8D58-0475835ECAEF}" destId="{DF19DDA3-3DB5-4187-9702-0A8373A3A994}" srcOrd="1" destOrd="0" presId="urn:microsoft.com/office/officeart/2008/layout/LinedList"/>
+    <dgm:cxn modelId="{673EC995-8916-43FC-8A24-789341633920}" type="presParOf" srcId="{890C38F3-17D7-4666-B6E0-76D4EC0F7BE3}" destId="{BE7015E2-BE4B-4E42-8E4A-222CF5F4A157}" srcOrd="4" destOrd="0" presId="urn:microsoft.com/office/officeart/2008/layout/LinedList"/>
+    <dgm:cxn modelId="{6D225E61-98CE-4377-B851-2D50E2967DEF}" type="presParOf" srcId="{890C38F3-17D7-4666-B6E0-76D4EC0F7BE3}" destId="{76DAF09C-5CCA-459A-B7B0-2A84D506426A}" srcOrd="5" destOrd="0" presId="urn:microsoft.com/office/officeart/2008/layout/LinedList"/>
+    <dgm:cxn modelId="{003C4339-424F-481D-BC9D-205835398935}" type="presParOf" srcId="{76DAF09C-5CCA-459A-B7B0-2A84D506426A}" destId="{608572DB-8D3B-4005-9FF9-714F0C2D89A3}" srcOrd="0" destOrd="0" presId="urn:microsoft.com/office/officeart/2008/layout/LinedList"/>
+    <dgm:cxn modelId="{C05B6BB6-A382-4519-865E-4ED0562E06A3}" type="presParOf" srcId="{76DAF09C-5CCA-459A-B7B0-2A84D506426A}" destId="{8CCA1CBE-CAD3-40F8-BAC5-2528FAE193BC}" srcOrd="1" destOrd="0" presId="urn:microsoft.com/office/officeart/2008/layout/LinedList"/>
+  </dgm:cxnLst>
+  <dgm:bg/>
+  <dgm:whole/>
+  <dgm:extLst>
+    <a:ext uri="http://schemas.microsoft.com/office/drawing/2008/diagram">
+      <dsp:dataModelExt xmlns:dsp="http://schemas.microsoft.com/office/drawing/2008/diagram" relId="rId7" minVer="http://schemas.openxmlformats.org/drawingml/2006/diagram"/>
+    </a:ext>
+  </dgm:extLst>
+</dgm:dataModel>
+</file>
+
+<file path=ppt/diagrams/drawing1.xml><?xml version="1.0" encoding="utf-8"?>
+<dsp:drawing xmlns:dgm="http://schemas.openxmlformats.org/drawingml/2006/diagram" xmlns:dsp="http://schemas.microsoft.com/office/drawing/2008/diagram" xmlns:a="http://schemas.openxmlformats.org/drawingml/2006/main">
+  <dsp:spTree>
+    <dsp:nvGrpSpPr>
+      <dsp:cNvPr id="0" name=""/>
+      <dsp:cNvGrpSpPr/>
+    </dsp:nvGrpSpPr>
+    <dsp:grpSpPr/>
+    <dsp:sp modelId="{583F82C0-2279-490D-9E90-763286F9D803}">
+      <dsp:nvSpPr>
+        <dsp:cNvPr id="0" name=""/>
+        <dsp:cNvSpPr/>
+      </dsp:nvSpPr>
+      <dsp:spPr>
+        <a:xfrm>
+          <a:off x="0" y="1982"/>
+          <a:ext cx="10353675" cy="0"/>
+        </a:xfrm>
+        <a:prstGeom prst="line">
+          <a:avLst/>
+        </a:prstGeom>
+        <a:gradFill rotWithShape="0">
+          <a:gsLst>
+            <a:gs pos="0">
+              <a:schemeClr val="accent5">
+                <a:hueOff val="0"/>
+                <a:satOff val="0"/>
+                <a:lumOff val="0"/>
+                <a:alphaOff val="0"/>
+                <a:tint val="96000"/>
+                <a:lumMod val="104000"/>
+              </a:schemeClr>
+            </a:gs>
+            <a:gs pos="100000">
+              <a:schemeClr val="accent5">
+                <a:hueOff val="0"/>
+                <a:satOff val="0"/>
+                <a:lumOff val="0"/>
+                <a:alphaOff val="0"/>
+                <a:shade val="90000"/>
+                <a:lumMod val="90000"/>
+              </a:schemeClr>
+            </a:gs>
+          </a:gsLst>
+          <a:lin ang="5400000" scaled="0"/>
+        </a:gradFill>
+        <a:ln w="9525" cap="rnd" cmpd="sng" algn="ctr">
+          <a:solidFill>
+            <a:schemeClr val="accent5">
+              <a:hueOff val="0"/>
+              <a:satOff val="0"/>
+              <a:lumOff val="0"/>
+              <a:alphaOff val="0"/>
+            </a:schemeClr>
+          </a:solidFill>
+          <a:prstDash val="solid"/>
+        </a:ln>
+        <a:effectLst>
+          <a:outerShdw blurRad="63500" dist="25400" dir="5400000" rotWithShape="0">
+            <a:srgbClr val="000000">
+              <a:alpha val="60000"/>
+            </a:srgbClr>
+          </a:outerShdw>
+        </a:effectLst>
+      </dsp:spPr>
+      <dsp:style>
+        <a:lnRef idx="1">
+          <a:scrgbClr r="0" g="0" b="0"/>
+        </a:lnRef>
+        <a:fillRef idx="3">
+          <a:scrgbClr r="0" g="0" b="0"/>
+        </a:fillRef>
+        <a:effectRef idx="2">
+          <a:scrgbClr r="0" g="0" b="0"/>
+        </a:effectRef>
+        <a:fontRef idx="minor">
+          <a:schemeClr val="lt1"/>
+        </a:fontRef>
+      </dsp:style>
+    </dsp:sp>
+    <dsp:sp modelId="{9B265D48-2454-4247-AAD1-CCED2E5D485A}">
+      <dsp:nvSpPr>
+        <dsp:cNvPr id="0" name=""/>
+        <dsp:cNvSpPr/>
+      </dsp:nvSpPr>
+      <dsp:spPr>
+        <a:xfrm>
+          <a:off x="0" y="1982"/>
+          <a:ext cx="10353675" cy="1351757"/>
+        </a:xfrm>
+        <a:prstGeom prst="rect">
+          <a:avLst/>
+        </a:prstGeom>
+        <a:noFill/>
+        <a:ln>
+          <a:noFill/>
+        </a:ln>
+        <a:effectLst/>
+      </dsp:spPr>
+      <dsp:style>
+        <a:lnRef idx="0">
+          <a:scrgbClr r="0" g="0" b="0"/>
+        </a:lnRef>
+        <a:fillRef idx="0">
+          <a:scrgbClr r="0" g="0" b="0"/>
+        </a:fillRef>
+        <a:effectRef idx="0">
+          <a:scrgbClr r="0" g="0" b="0"/>
+        </a:effectRef>
+        <a:fontRef idx="minor"/>
+      </dsp:style>
+      <dsp:txBody>
+        <a:bodyPr spcFirstLastPara="0" vert="horz" wrap="square" lIns="83820" tIns="83820" rIns="83820" bIns="83820" numCol="1" spcCol="1270" anchor="t" anchorCtr="0">
+          <a:noAutofit/>
+        </a:bodyPr>
+        <a:lstStyle/>
+        <a:p>
+          <a:pPr marL="0" lvl="0" indent="0" algn="just" defTabSz="977900">
+            <a:lnSpc>
+              <a:spcPct val="90000"/>
+            </a:lnSpc>
+            <a:spcBef>
+              <a:spcPct val="0"/>
+            </a:spcBef>
+            <a:spcAft>
+              <a:spcPct val="35000"/>
+            </a:spcAft>
+            <a:buNone/>
+          </a:pPr>
+          <a:r>
+            <a:rPr lang="en-US" sz="2200" kern="1200" dirty="0"/>
+            <a:t>He faced poverty and hardship as a young migrant in Karachi after the partition of India. He also faced hostility and discrimination from some members of his own community who did not approve of his social work.</a:t>
+          </a:r>
+        </a:p>
+      </dsp:txBody>
+      <dsp:txXfrm>
+        <a:off x="0" y="1982"/>
+        <a:ext cx="10353675" cy="1351757"/>
+      </dsp:txXfrm>
+    </dsp:sp>
+    <dsp:sp modelId="{018B3A73-1D96-4846-A5E3-CB2556C8D49F}">
+      <dsp:nvSpPr>
+        <dsp:cNvPr id="0" name=""/>
+        <dsp:cNvSpPr/>
+      </dsp:nvSpPr>
+      <dsp:spPr>
+        <a:xfrm>
+          <a:off x="0" y="1353739"/>
+          <a:ext cx="10353675" cy="0"/>
+        </a:xfrm>
+        <a:prstGeom prst="line">
+          <a:avLst/>
+        </a:prstGeom>
+        <a:gradFill rotWithShape="0">
+          <a:gsLst>
+            <a:gs pos="0">
+              <a:schemeClr val="accent5">
+                <a:hueOff val="801524"/>
+                <a:satOff val="-9438"/>
+                <a:lumOff val="6274"/>
+                <a:alphaOff val="0"/>
+                <a:tint val="96000"/>
+                <a:lumMod val="104000"/>
+              </a:schemeClr>
+            </a:gs>
+            <a:gs pos="100000">
+              <a:schemeClr val="accent5">
+                <a:hueOff val="801524"/>
+                <a:satOff val="-9438"/>
+                <a:lumOff val="6274"/>
+                <a:alphaOff val="0"/>
+                <a:shade val="90000"/>
+                <a:lumMod val="90000"/>
+              </a:schemeClr>
+            </a:gs>
+          </a:gsLst>
+          <a:lin ang="5400000" scaled="0"/>
+        </a:gradFill>
+        <a:ln w="9525" cap="rnd" cmpd="sng" algn="ctr">
+          <a:solidFill>
+            <a:schemeClr val="accent5">
+              <a:hueOff val="801524"/>
+              <a:satOff val="-9438"/>
+              <a:lumOff val="6274"/>
+              <a:alphaOff val="0"/>
+            </a:schemeClr>
+          </a:solidFill>
+          <a:prstDash val="solid"/>
+        </a:ln>
+        <a:effectLst>
+          <a:outerShdw blurRad="63500" dist="25400" dir="5400000" rotWithShape="0">
+            <a:srgbClr val="000000">
+              <a:alpha val="60000"/>
+            </a:srgbClr>
+          </a:outerShdw>
+        </a:effectLst>
+      </dsp:spPr>
+      <dsp:style>
+        <a:lnRef idx="1">
+          <a:scrgbClr r="0" g="0" b="0"/>
+        </a:lnRef>
+        <a:fillRef idx="3">
+          <a:scrgbClr r="0" g="0" b="0"/>
+        </a:fillRef>
+        <a:effectRef idx="2">
+          <a:scrgbClr r="0" g="0" b="0"/>
+        </a:effectRef>
+        <a:fontRef idx="minor">
+          <a:schemeClr val="lt1"/>
+        </a:fontRef>
+      </dsp:style>
+    </dsp:sp>
+    <dsp:sp modelId="{259E2A24-5461-4C54-9332-D5A607F50739}">
+      <dsp:nvSpPr>
+        <dsp:cNvPr id="0" name=""/>
+        <dsp:cNvSpPr/>
+      </dsp:nvSpPr>
+      <dsp:spPr>
+        <a:xfrm>
+          <a:off x="0" y="1353739"/>
+          <a:ext cx="10353675" cy="1351757"/>
+        </a:xfrm>
+        <a:prstGeom prst="rect">
+          <a:avLst/>
+        </a:prstGeom>
+        <a:noFill/>
+        <a:ln>
+          <a:noFill/>
+        </a:ln>
+        <a:effectLst/>
+      </dsp:spPr>
+      <dsp:style>
+        <a:lnRef idx="0">
+          <a:scrgbClr r="0" g="0" b="0"/>
+        </a:lnRef>
+        <a:fillRef idx="0">
+          <a:scrgbClr r="0" g="0" b="0"/>
+        </a:fillRef>
+        <a:effectRef idx="0">
+          <a:scrgbClr r="0" g="0" b="0"/>
+        </a:effectRef>
+        <a:fontRef idx="minor"/>
+      </dsp:style>
+      <dsp:txBody>
+        <a:bodyPr spcFirstLastPara="0" vert="horz" wrap="square" lIns="83820" tIns="83820" rIns="83820" bIns="83820" numCol="1" spcCol="1270" anchor="t" anchorCtr="0">
+          <a:noAutofit/>
+        </a:bodyPr>
+        <a:lstStyle/>
+        <a:p>
+          <a:pPr marL="0" lvl="0" indent="0" algn="just" defTabSz="977900">
+            <a:lnSpc>
+              <a:spcPct val="90000"/>
+            </a:lnSpc>
+            <a:spcBef>
+              <a:spcPct val="0"/>
+            </a:spcBef>
+            <a:spcAft>
+              <a:spcPct val="35000"/>
+            </a:spcAft>
+            <a:buNone/>
+          </a:pPr>
+          <a:r>
+            <a:rPr lang="en-US" sz="2200" kern="1200" dirty="0"/>
+            <a:t>He faced challenges in maintaining and expanding his foundation's services due to the lack of government support, corruption, bureaucracy, and security issues. He often had to sell his personal belongings or borrow money to keep his foundation running.</a:t>
+          </a:r>
+        </a:p>
+      </dsp:txBody>
+      <dsp:txXfrm>
+        <a:off x="0" y="1353739"/>
+        <a:ext cx="10353675" cy="1351757"/>
+      </dsp:txXfrm>
+    </dsp:sp>
+    <dsp:sp modelId="{BE7015E2-BE4B-4E42-8E4A-222CF5F4A157}">
+      <dsp:nvSpPr>
+        <dsp:cNvPr id="0" name=""/>
+        <dsp:cNvSpPr/>
+      </dsp:nvSpPr>
+      <dsp:spPr>
+        <a:xfrm>
+          <a:off x="0" y="2705497"/>
+          <a:ext cx="10353675" cy="0"/>
+        </a:xfrm>
+        <a:prstGeom prst="line">
+          <a:avLst/>
+        </a:prstGeom>
+        <a:gradFill rotWithShape="0">
+          <a:gsLst>
+            <a:gs pos="0">
+              <a:schemeClr val="accent5">
+                <a:hueOff val="1603047"/>
+                <a:satOff val="-18876"/>
+                <a:lumOff val="12549"/>
+                <a:alphaOff val="0"/>
+                <a:tint val="96000"/>
+                <a:lumMod val="104000"/>
+              </a:schemeClr>
+            </a:gs>
+            <a:gs pos="100000">
+              <a:schemeClr val="accent5">
+                <a:hueOff val="1603047"/>
+                <a:satOff val="-18876"/>
+                <a:lumOff val="12549"/>
+                <a:alphaOff val="0"/>
+                <a:shade val="90000"/>
+                <a:lumMod val="90000"/>
+              </a:schemeClr>
+            </a:gs>
+          </a:gsLst>
+          <a:lin ang="5400000" scaled="0"/>
+        </a:gradFill>
+        <a:ln w="9525" cap="rnd" cmpd="sng" algn="ctr">
+          <a:solidFill>
+            <a:schemeClr val="accent5">
+              <a:hueOff val="1603047"/>
+              <a:satOff val="-18876"/>
+              <a:lumOff val="12549"/>
+              <a:alphaOff val="0"/>
+            </a:schemeClr>
+          </a:solidFill>
+          <a:prstDash val="solid"/>
+        </a:ln>
+        <a:effectLst>
+          <a:outerShdw blurRad="63500" dist="25400" dir="5400000" rotWithShape="0">
+            <a:srgbClr val="000000">
+              <a:alpha val="60000"/>
+            </a:srgbClr>
+          </a:outerShdw>
+        </a:effectLst>
+      </dsp:spPr>
+      <dsp:style>
+        <a:lnRef idx="1">
+          <a:scrgbClr r="0" g="0" b="0"/>
+        </a:lnRef>
+        <a:fillRef idx="3">
+          <a:scrgbClr r="0" g="0" b="0"/>
+        </a:fillRef>
+        <a:effectRef idx="2">
+          <a:scrgbClr r="0" g="0" b="0"/>
+        </a:effectRef>
+        <a:fontRef idx="minor">
+          <a:schemeClr val="lt1"/>
+        </a:fontRef>
+      </dsp:style>
+    </dsp:sp>
+    <dsp:sp modelId="{608572DB-8D3B-4005-9FF9-714F0C2D89A3}">
+      <dsp:nvSpPr>
+        <dsp:cNvPr id="0" name=""/>
+        <dsp:cNvSpPr/>
+      </dsp:nvSpPr>
+      <dsp:spPr>
+        <a:xfrm>
+          <a:off x="0" y="2705497"/>
+          <a:ext cx="10353675" cy="1351757"/>
+        </a:xfrm>
+        <a:prstGeom prst="rect">
+          <a:avLst/>
+        </a:prstGeom>
+        <a:noFill/>
+        <a:ln>
+          <a:noFill/>
+        </a:ln>
+        <a:effectLst/>
+      </dsp:spPr>
+      <dsp:style>
+        <a:lnRef idx="0">
+          <a:scrgbClr r="0" g="0" b="0"/>
+        </a:lnRef>
+        <a:fillRef idx="0">
+          <a:scrgbClr r="0" g="0" b="0"/>
+        </a:fillRef>
+        <a:effectRef idx="0">
+          <a:scrgbClr r="0" g="0" b="0"/>
+        </a:effectRef>
+        <a:fontRef idx="minor"/>
+      </dsp:style>
+      <dsp:txBody>
+        <a:bodyPr spcFirstLastPara="0" vert="horz" wrap="square" lIns="83820" tIns="83820" rIns="83820" bIns="83820" numCol="1" spcCol="1270" anchor="t" anchorCtr="0">
+          <a:noAutofit/>
+        </a:bodyPr>
+        <a:lstStyle/>
+        <a:p>
+          <a:pPr marL="0" lvl="0" indent="0" algn="just" defTabSz="977900">
+            <a:lnSpc>
+              <a:spcPct val="90000"/>
+            </a:lnSpc>
+            <a:spcBef>
+              <a:spcPct val="0"/>
+            </a:spcBef>
+            <a:spcAft>
+              <a:spcPct val="35000"/>
+            </a:spcAft>
+            <a:buNone/>
+          </a:pPr>
+          <a:r>
+            <a:rPr lang="en-US" sz="2200" kern="1200" dirty="0"/>
+            <a:t>He faced opposition and threats from some religious extremists and political groups who accused him of being a heretic, a spy, or a </a:t>
+          </a:r>
+          <a:r>
+            <a:rPr lang="en-US" sz="2200" kern="1200" dirty="0" err="1"/>
+            <a:t>traitor.He</a:t>
+          </a:r>
+          <a:r>
+            <a:rPr lang="en-US" sz="2200" kern="1200" dirty="0"/>
+            <a:t> was also attacked several times by armed men who tried to rob or kidnap him or his staff. He survived a bomb blast near his office in 2013 that killed three people.</a:t>
+          </a:r>
+        </a:p>
+      </dsp:txBody>
+      <dsp:txXfrm>
+        <a:off x="0" y="2705497"/>
+        <a:ext cx="10353675" cy="1351757"/>
+      </dsp:txXfrm>
+    </dsp:sp>
+  </dsp:spTree>
+</dsp:drawing>
+</file>
+
+<file path=ppt/diagrams/layout1.xml><?xml version="1.0" encoding="utf-8"?>
+<dgm:layoutDef xmlns:dgm="http://schemas.openxmlformats.org/drawingml/2006/diagram" xmlns:a="http://schemas.openxmlformats.org/drawingml/2006/main" uniqueId="urn:microsoft.com/office/officeart/2008/layout/LinedList">
+  <dgm:title val=""/>
+  <dgm:desc val=""/>
+  <dgm:catLst>
+    <dgm:cat type="hierarchy" pri="8000"/>
+    <dgm:cat type="list" pri="2500"/>
+  </dgm:catLst>
+  <dgm:sampData>
+    <dgm:dataModel>
+      <dgm:ptLst>
+        <dgm:pt modelId="0" type="doc"/>
+        <dgm:pt modelId="1">
+          <dgm:prSet phldr="1"/>
+        </dgm:pt>
+        <dgm:pt modelId="11">
+          <dgm:prSet phldr="1"/>
+        </dgm:pt>
+        <dgm:pt modelId="12">
+          <dgm:prSet phldr="1"/>
+        </dgm:pt>
+        <dgm:pt modelId="13">
+          <dgm:prSet phldr="1"/>
+        </dgm:pt>
+      </dgm:ptLst>
+      <dgm:cxnLst>
+        <dgm:cxn modelId="2" srcId="0" destId="1" srcOrd="0" destOrd="0"/>
+        <dgm:cxn modelId="3" srcId="1" destId="11" srcOrd="0" destOrd="0"/>
+        <dgm:cxn modelId="4" srcId="1" destId="12" srcOrd="1" destOrd="0"/>
+        <dgm:cxn modelId="5" srcId="1" destId="13" srcOrd="2" destOrd="0"/>
+      </dgm:cxnLst>
+      <dgm:bg/>
+      <dgm:whole/>
+    </dgm:dataModel>
+  </dgm:sampData>
+  <dgm:styleData>
+    <dgm:dataModel>
+      <dgm:ptLst>
+        <dgm:pt modelId="0" type="doc"/>
+        <dgm:pt modelId="1">
+          <dgm:prSet phldr="1"/>
+        </dgm:pt>
+        <dgm:pt modelId="11">
+          <dgm:prSet phldr="1"/>
+        </dgm:pt>
+        <dgm:pt modelId="12">
+          <dgm:prSet phldr="1"/>
+        </dgm:pt>
+      </dgm:ptLst>
+      <dgm:cxnLst>
+        <dgm:cxn modelId="2" srcId="0" destId="1" srcOrd="0" destOrd="0"/>
+        <dgm:cxn modelId="3" srcId="1" destId="11" srcOrd="0" destOrd="0"/>
+        <dgm:cxn modelId="4" srcId="1" destId="12" srcOrd="1" destOrd="0"/>
+      </dgm:cxnLst>
+      <dgm:bg/>
+      <dgm:whole/>
+    </dgm:dataModel>
+  </dgm:styleData>
+  <dgm:clrData>
+    <dgm:dataModel>
+      <dgm:ptLst>
+        <dgm:pt modelId="0" type="doc"/>
+        <dgm:pt modelId="1">
+          <dgm:prSet phldr="1"/>
+        </dgm:pt>
+        <dgm:pt modelId="11">
+          <dgm:prSet phldr="1"/>
+        </dgm:pt>
+        <dgm:pt modelId="12">
+          <dgm:prSet phldr="1"/>
+        </dgm:pt>
+      </dgm:ptLst>
+      <dgm:cxnLst>
+        <dgm:cxn modelId="2" srcId="0" destId="1" srcOrd="0" destOrd="0"/>
+        <dgm:cxn modelId="3" srcId="1" destId="11" srcOrd="0" destOrd="0"/>
+        <dgm:cxn modelId="4" srcId="1" destId="12" srcOrd="1" destOrd="0"/>
+      </dgm:cxnLst>
+      <dgm:bg/>
+      <dgm:whole/>
+    </dgm:dataModel>
+  </dgm:clrData>
+  <dgm:layoutNode name="vert0">
+    <dgm:varLst>
+      <dgm:dir/>
+      <dgm:animOne val="branch"/>
+      <dgm:animLvl val="lvl"/>
+    </dgm:varLst>
+    <dgm:choose name="Name0">
+      <dgm:if name="Name1" func="var" arg="dir" op="equ" val="norm">
+        <dgm:alg type="lin">
+          <dgm:param type="linDir" val="fromT"/>
+          <dgm:param type="nodeHorzAlign" val="l"/>
+        </dgm:alg>
+      </dgm:if>
+      <dgm:else name="Name2">
+        <dgm:alg type="lin">
+          <dgm:param type="linDir" val="fromT"/>
+          <dgm:param type="nodeHorzAlign" val="r"/>
+        </dgm:alg>
+      </dgm:else>
+    </dgm:choose>
+    <dgm:shape xmlns:r="http://schemas.openxmlformats.org/officeDocument/2006/relationships" r:blip="">
+      <dgm:adjLst/>
+    </dgm:shape>
+    <dgm:presOf/>
+    <dgm:constrLst>
+      <dgm:constr type="w" for="ch" forName="horz1" refType="w"/>
+      <dgm:constr type="h" for="ch" forName="horz1" refType="h"/>
+      <dgm:constr type="h" for="des" forName="vert1" refType="h"/>
+      <dgm:constr type="h" for="des" forName="tx1" refType="h"/>
+      <dgm:constr type="h" for="des" forName="horz2" refType="h"/>
+      <dgm:constr type="h" for="des" forName="vert2" refType="h"/>
+      <dgm:constr type="h" for="des" forName="horz3" refType="h"/>
+      <dgm:constr type="h" for="des" forName="vert3" refType="h"/>
+      <dgm:constr type="h" for="des" forName="horz4" refType="h"/>
+      <dgm:constr type="h" for="des" ptType="node" refType="h"/>
+      <dgm:constr type="primFontSz" for="des" forName="tx1" op="equ" val="65"/>
+      <dgm:constr type="primFontSz" for="des" forName="tx2" op="equ" val="65"/>
+      <dgm:constr type="primFontSz" for="des" forName="tx3" op="equ" val="65"/>
+      <dgm:constr type="primFontSz" for="des" forName="tx4" op="equ" val="65"/>
+      <dgm:constr type="w" for="des" forName="thickLine" refType="w"/>
+      <dgm:constr type="h" for="des" forName="thickLine"/>
+      <dgm:constr type="h" for="des" forName="thinLine1"/>
+      <dgm:constr type="h" for="des" forName="thinLine2b"/>
+      <dgm:constr type="h" for="des" forName="thinLine3"/>
+      <dgm:constr type="h" for="des" forName="vertSpace2a" refType="h" fact="0.05"/>
+      <dgm:constr type="h" for="des" forName="vertSpace2b" refType="h" refFor="des" refForName="vertSpace2a"/>
+    </dgm:constrLst>
+    <dgm:forEach name="Name3" axis="ch" ptType="node">
+      <dgm:layoutNode name="thickLine" styleLbl="alignNode1">
+        <dgm:alg type="sp"/>
+        <dgm:shape xmlns:r="http://schemas.openxmlformats.org/officeDocument/2006/relationships" type="line" r:blip="">
+          <dgm:adjLst/>
+        </dgm:shape>
+        <dgm:presOf/>
+      </dgm:layoutNode>
+      <dgm:layoutNode name="horz1">
+        <dgm:choose name="Name4">
+          <dgm:if name="Name5" func="var" arg="dir" op="equ" val="norm">
+            <dgm:alg type="lin">
+              <dgm:param type="linDir" val="fromL"/>
+              <dgm:param type="nodeVertAlign" val="t"/>
+            </dgm:alg>
+          </dgm:if>
+          <dgm:else name="Name6">
+            <dgm:alg type="lin">
+              <dgm:param type="linDir" val="fromR"/>
+              <dgm:param type="nodeVertAlign" val="t"/>
+            </dgm:alg>
+          </dgm:else>
+        </dgm:choose>
+        <dgm:shape xmlns:r="http://schemas.openxmlformats.org/officeDocument/2006/relationships" r:blip="">
+          <dgm:adjLst/>
+        </dgm:shape>
+        <dgm:presOf/>
+        <dgm:choose name="Name7">
+          <dgm:if name="Name8" axis="root des" func="maxDepth" op="equ" val="1">
+            <dgm:constrLst>
+              <dgm:constr type="w" for="ch" forName="tx1" refType="w"/>
+            </dgm:constrLst>
+          </dgm:if>
+          <dgm:if name="Name9" axis="root des" func="maxDepth" op="equ" val="2">
+            <dgm:constrLst>
+              <dgm:constr type="w" for="ch" forName="tx1" refType="w" fact="0.2"/>
+              <dgm:constr type="w" for="des" forName="tx2" refType="w" fact="0.785"/>
+              <dgm:constr type="w" for="des" forName="horzSpace2" refType="w" fact="0.015"/>
+              <dgm:constr type="w" for="des" forName="thinLine2b" refType="w" fact="0.8"/>
+            </dgm:constrLst>
+          </dgm:if>
+          <dgm:if name="Name10" axis="root des" func="maxDepth" op="equ" val="3">
+            <dgm:constrLst>
+              <dgm:constr type="w" for="ch" forName="tx1" refType="w" fact="0.2"/>
+              <dgm:constr type="w" for="des" forName="tx2" refType="w" fact="0.385"/>
+              <dgm:constr type="w" for="des" forName="tx3" refType="w" fact="0.385"/>
+              <dgm:constr type="w" for="des" forName="horzSpace2" refType="w" fact="0.015"/>
+              <dgm:constr type="w" for="des" forName="horzSpace3" refType="w" fact="0.015"/>
+              <dgm:constr type="w" for="des" forName="thinLine2b" refType="w" fact="0.8"/>
+              <dgm:constr type="w" for="des" forName="thinLine3" refType="w" fact="0.385"/>
+            </dgm:constrLst>
+          </dgm:if>
+          <dgm:if name="Name11" axis="root des" func="maxDepth" op="gte" val="4">
+            <dgm:constrLst>
+              <dgm:constr type="w" for="ch" forName="tx1" refType="w" fact="0.2"/>
+              <dgm:constr type="w" for="des" forName="tx2" refType="w" fact="0.2516"/>
+              <dgm:constr type="w" for="des" forName="tx3" refType="w" fact="0.2516"/>
+              <dgm:constr type="w" for="des" forName="tx4" refType="w" fact="0.2516"/>
+              <dgm:constr type="w" for="des" forName="horzSpace2" refType="w" fact="0.015"/>
+              <dgm:constr type="w" for="des" forName="horzSpace3" refType="w" fact="0.015"/>
+              <dgm:constr type="w" for="des" forName="horzSpace4" refType="w" fact="0.015"/>
+              <dgm:constr type="w" for="des" forName="thinLine2b" refType="w" fact="0.8"/>
+              <dgm:constr type="w" for="des" forName="thinLine3" refType="w" fact="0.5332"/>
+            </dgm:constrLst>
+          </dgm:if>
+          <dgm:else name="Name12"/>
+        </dgm:choose>
+        <dgm:layoutNode name="tx1" styleLbl="revTx">
+          <dgm:alg type="tx">
+            <dgm:param type="parTxLTRAlign" val="l"/>
+            <dgm:param type="parTxRTLAlign" val="r"/>
+            <dgm:param type="txAnchorVert" val="t"/>
+          </dgm:alg>
+          <dgm:shape xmlns:r="http://schemas.openxmlformats.org/officeDocument/2006/relationships" type="rect" r:blip="">
+            <dgm:adjLst/>
+          </dgm:shape>
+          <dgm:presOf axis="self"/>
+          <dgm:constrLst>
+            <dgm:constr type="tMarg" refType="primFontSz" fact="0.3"/>
+            <dgm:constr type="bMarg" refType="primFontSz" fact="0.3"/>
+            <dgm:constr type="lMarg" refType="primFontSz" fact="0.3"/>
+            <dgm:constr type="rMarg" refType="primFontSz" fact="0.3"/>
+          </dgm:constrLst>
+          <dgm:ruleLst>
+            <dgm:rule type="primFontSz" val="5" fact="NaN" max="NaN"/>
+          </dgm:ruleLst>
+        </dgm:layoutNode>
+        <dgm:layoutNode name="vert1">
+          <dgm:choose name="Name13">
+            <dgm:if name="Name14" func="var" arg="dir" op="equ" val="norm">
+              <dgm:alg type="lin">
+                <dgm:param type="linDir" val="fromT"/>
+                <dgm:param type="nodeHorzAlign" val="l"/>
+              </dgm:alg>
+            </dgm:if>
+            <dgm:else name="Name15">
+              <dgm:alg type="lin">
+                <dgm:param type="linDir" val="fromT"/>
+                <dgm:param type="nodeHorzAlign" val="r"/>
+              </dgm:alg>
+            </dgm:else>
+          </dgm:choose>
+          <dgm:shape xmlns:r="http://schemas.openxmlformats.org/officeDocument/2006/relationships" r:blip="">
+            <dgm:adjLst/>
+          </dgm:shape>
+          <dgm:presOf/>
+          <dgm:forEach name="Name16" axis="ch" ptType="node">
+            <dgm:choose name="Name17">
+              <dgm:if name="Name18" axis="self" ptType="node" func="pos" op="equ" val="1">
+                <dgm:layoutNode name="vertSpace2a">
+                  <dgm:alg type="sp"/>
+                  <dgm:shape xmlns:r="http://schemas.openxmlformats.org/officeDocument/2006/relationships" r:blip="">
+                    <dgm:adjLst/>
+                  </dgm:shape>
+                  <dgm:presOf/>
+                </dgm:layoutNode>
+              </dgm:if>
+              <dgm:else name="Name19"/>
+            </dgm:choose>
+            <dgm:layoutNode name="horz2">
+              <dgm:choose name="Name20">
+                <dgm:if name="Name21" func="var" arg="dir" op="equ" val="norm">
+                  <dgm:alg type="lin">
+                    <dgm:param type="linDir" val="fromL"/>
+                    <dgm:param type="nodeVertAlign" val="t"/>
+                  </dgm:alg>
+                </dgm:if>
+                <dgm:else name="Name22">
+                  <dgm:alg type="lin">
+                    <dgm:param type="linDir" val="fromR"/>
+                    <dgm:param type="nodeVertAlign" val="t"/>
+                  </dgm:alg>
+                </dgm:else>
+              </dgm:choose>
+              <dgm:shape xmlns:r="http://schemas.openxmlformats.org/officeDocument/2006/relationships" r:blip="">
+                <dgm:adjLst/>
+              </dgm:shape>
+              <dgm:presOf/>
+              <dgm:layoutNode name="horzSpace2">
+                <dgm:alg type="sp"/>
+                <dgm:shape xmlns:r="http://schemas.openxmlformats.org/officeDocument/2006/relationships" r:blip="">
+                  <dgm:adjLst/>
+                </dgm:shape>
+                <dgm:presOf/>
+              </dgm:layoutNode>
+              <dgm:layoutNode name="tx2" styleLbl="revTx">
+                <dgm:alg type="tx">
+                  <dgm:param type="parTxLTRAlign" val="l"/>
+                  <dgm:param type="parTxRTLAlign" val="r"/>
+                  <dgm:param type="txAnchorVert" val="t"/>
+                </dgm:alg>
+                <dgm:shape xmlns:r="http://schemas.openxmlformats.org/officeDocument/2006/relationships" type="rect" r:blip="">
+                  <dgm:adjLst/>
+                </dgm:shape>
+                <dgm:presOf axis="self"/>
+                <dgm:constrLst>
+                  <dgm:constr type="tMarg" refType="primFontSz" fact="0.3"/>
+                  <dgm:constr type="bMarg" refType="primFontSz" fact="0.3"/>
+                  <dgm:constr type="lMarg" refType="primFontSz" fact="0.3"/>
+                  <dgm:constr type="rMarg" refType="primFontSz" fact="0.3"/>
+                </dgm:constrLst>
+                <dgm:ruleLst>
+                  <dgm:rule type="primFontSz" val="5" fact="NaN" max="NaN"/>
+                </dgm:ruleLst>
+              </dgm:layoutNode>
+              <dgm:layoutNode name="vert2">
+                <dgm:choose name="Name23">
+                  <dgm:if name="Name24" func="var" arg="dir" op="equ" val="norm">
+                    <dgm:alg type="lin">
+                      <dgm:param type="linDir" val="fromT"/>
+                      <dgm:param type="nodeHorzAlign" val="l"/>
+                    </dgm:alg>
+                  </dgm:if>
+                  <dgm:else name="Name25">
+                    <dgm:alg type="lin">
+                      <dgm:param type="linDir" val="fromT"/>
+                      <dgm:param type="nodeHorzAlign" val="r"/>
+                    </dgm:alg>
+                  </dgm:else>
+                </dgm:choose>
+                <dgm:shape xmlns:r="http://schemas.openxmlformats.org/officeDocument/2006/relationships" r:blip="">
+                  <dgm:adjLst/>
+                </dgm:shape>
+                <dgm:presOf/>
+                <dgm:forEach name="Name26" axis="ch" ptType="node">
+                  <dgm:layoutNode name="horz3">
+                    <dgm:choose name="Name27">
+                      <dgm:if name="Name28" func="var" arg="dir" op="equ" val="norm">
+                        <dgm:alg type="lin">
+                          <dgm:param type="linDir" val="fromL"/>
+                          <dgm:param type="nodeVertAlign" val="t"/>
+                        </dgm:alg>
+                      </dgm:if>
+                      <dgm:else name="Name29">
+                        <dgm:alg type="lin">
+                          <dgm:param type="linDir" val="fromR"/>
+                          <dgm:param type="nodeVertAlign" val="t"/>
+                        </dgm:alg>
+                      </dgm:else>
+                    </dgm:choose>
+                    <dgm:shape xmlns:r="http://schemas.openxmlformats.org/officeDocument/2006/relationships" r:blip="">
+                      <dgm:adjLst/>
+                    </dgm:shape>
+                    <dgm:presOf/>
+                    <dgm:layoutNode name="horzSpace3">
+                      <dgm:alg type="sp"/>
+                      <dgm:shape xmlns:r="http://schemas.openxmlformats.org/officeDocument/2006/relationships" r:blip="">
+                        <dgm:adjLst/>
+                      </dgm:shape>
+                      <dgm:presOf/>
+                    </dgm:layoutNode>
+                    <dgm:layoutNode name="tx3" styleLbl="revTx">
+                      <dgm:alg type="tx">
+                        <dgm:param type="parTxLTRAlign" val="l"/>
+                        <dgm:param type="parTxRTLAlign" val="r"/>
+                        <dgm:param type="txAnchorVert" val="t"/>
+                      </dgm:alg>
+                      <dgm:shape xmlns:r="http://schemas.openxmlformats.org/officeDocument/2006/relationships" type="rect" r:blip="">
+                        <dgm:adjLst/>
+                      </dgm:shape>
+                      <dgm:presOf axis="self"/>
+                      <dgm:constrLst>
+                        <dgm:constr type="tMarg" refType="primFontSz" fact="0.3"/>
+                        <dgm:constr type="bMarg" refType="primFontSz" fact="0.3"/>
+                        <dgm:constr type="lMarg" refType="primFontSz" fact="0.3"/>
+                        <dgm:constr type="rMarg" refType="primFontSz" fact="0.3"/>
+                      </dgm:constrLst>
+                      <dgm:ruleLst>
+                        <dgm:rule type="primFontSz" val="5" fact="NaN" max="NaN"/>
+                      </dgm:ruleLst>
+                    </dgm:layoutNode>
+                    <dgm:layoutNode name="vert3">
+                      <dgm:choose name="Name30">
+                        <dgm:if name="Name31" func="var" arg="dir" op="equ" val="norm">
+                          <dgm:alg type="lin">
+                            <dgm:param type="linDir" val="fromT"/>
+                            <dgm:param type="nodeHorzAlign" val="l"/>
+                          </dgm:alg>
+                        </dgm:if>
+                        <dgm:else name="Name32">
+                          <dgm:alg type="lin">
+                            <dgm:param type="linDir" val="fromT"/>
+                            <dgm:param type="nodeHorzAlign" val="r"/>
+                          </dgm:alg>
+                        </dgm:else>
+                      </dgm:choose>
+                      <dgm:shape xmlns:r="http://schemas.openxmlformats.org/officeDocument/2006/relationships" r:blip="">
+                        <dgm:adjLst/>
+                      </dgm:shape>
+                      <dgm:presOf/>
+                      <dgm:forEach name="Name33" axis="ch" ptType="node">
+                        <dgm:layoutNode name="horz4">
+                          <dgm:choose name="Name34">
+                            <dgm:if name="Name35" func="var" arg="dir" op="equ" val="norm">
+                              <dgm:alg type="lin">
+                                <dgm:param type="linDir" val="fromL"/>
+                                <dgm:param type="nodeVertAlign" val="t"/>
+                              </dgm:alg>
+                            </dgm:if>
+                            <dgm:else name="Name36">
+                              <dgm:alg type="lin">
+                                <dgm:param type="linDir" val="fromR"/>
+                                <dgm:param type="nodeVertAlign" val="t"/>
+                              </dgm:alg>
+                            </dgm:else>
+                          </dgm:choose>
+                          <dgm:shape xmlns:r="http://schemas.openxmlformats.org/officeDocument/2006/relationships" r:blip="">
+                            <dgm:adjLst/>
+                          </dgm:shape>
+                          <dgm:presOf/>
+                          <dgm:layoutNode name="horzSpace4">
+                            <dgm:alg type="sp"/>
+                            <dgm:shape xmlns:r="http://schemas.openxmlformats.org/officeDocument/2006/relationships" r:blip="">
+                              <dgm:adjLst/>
+                            </dgm:shape>
+                            <dgm:presOf/>
+                          </dgm:layoutNode>
+                          <dgm:layoutNode name="tx4" styleLbl="revTx">
+                            <dgm:varLst>
+                              <dgm:bulletEnabled val="1"/>
+                            </dgm:varLst>
+                            <dgm:alg type="tx">
+                              <dgm:param type="parTxLTRAlign" val="l"/>
+                              <dgm:param type="parTxRTLAlign" val="r"/>
+                              <dgm:param type="txAnchorVert" val="t"/>
+                            </dgm:alg>
+                            <dgm:shape xmlns:r="http://schemas.openxmlformats.org/officeDocument/2006/relationships" type="rect" r:blip="">
+                              <dgm:adjLst/>
+                            </dgm:shape>
+                            <dgm:presOf axis="desOrSelf" ptType="node"/>
+                            <dgm:constrLst>
+                              <dgm:constr type="tMarg" refType="primFontSz" fact="0.3"/>
+                              <dgm:constr type="bMarg" refType="primFontSz" fact="0.3"/>
+                              <dgm:constr type="lMarg" refType="primFontSz" fact="0.3"/>
+                              <dgm:constr type="rMarg" refType="primFontSz" fact="0.3"/>
+                            </dgm:constrLst>
+                            <dgm:ruleLst>
+                              <dgm:rule type="primFontSz" val="5" fact="NaN" max="NaN"/>
+                            </dgm:ruleLst>
+                          </dgm:layoutNode>
+                        </dgm:layoutNode>
+                      </dgm:forEach>
+                    </dgm:layoutNode>
+                  </dgm:layoutNode>
+                  <dgm:forEach name="Name37" axis="followSib" ptType="sibTrans" cnt="1">
+                    <dgm:layoutNode name="thinLine3" styleLbl="callout">
+                      <dgm:alg type="sp"/>
+                      <dgm:shape xmlns:r="http://schemas.openxmlformats.org/officeDocument/2006/relationships" type="line" r:blip="">
+                        <dgm:adjLst/>
+                      </dgm:shape>
+                      <dgm:presOf/>
+                    </dgm:layoutNode>
+                  </dgm:forEach>
+                </dgm:forEach>
+              </dgm:layoutNode>
+            </dgm:layoutNode>
+            <dgm:layoutNode name="thinLine2b" styleLbl="callout">
+              <dgm:alg type="sp"/>
+              <dgm:shape xmlns:r="http://schemas.openxmlformats.org/officeDocument/2006/relationships" type="line" r:blip="">
+                <dgm:adjLst/>
+              </dgm:shape>
+              <dgm:presOf/>
+            </dgm:layoutNode>
+            <dgm:layoutNode name="vertSpace2b">
+              <dgm:alg type="sp"/>
+              <dgm:shape xmlns:r="http://schemas.openxmlformats.org/officeDocument/2006/relationships" r:blip="">
+                <dgm:adjLst/>
+              </dgm:shape>
+              <dgm:presOf/>
+            </dgm:layoutNode>
+          </dgm:forEach>
+        </dgm:layoutNode>
+      </dgm:layoutNode>
+    </dgm:forEach>
+  </dgm:layoutNode>
+</dgm:layoutDef>
+</file>
+
+<file path=ppt/diagrams/quickStyle1.xml><?xml version="1.0" encoding="utf-8"?>
+<dgm:styleDef xmlns:dgm="http://schemas.openxmlformats.org/drawingml/2006/diagram" xmlns:a="http://schemas.openxmlformats.org/drawingml/2006/main" uniqueId="urn:microsoft.com/office/officeart/2005/8/quickstyle/simple4">
+  <dgm:title val=""/>
+  <dgm:desc val=""/>
+  <dgm:catLst>
+    <dgm:cat type="simple" pri="10400"/>
+  </dgm:catLst>
+  <dgm:scene3d>
+    <a:camera prst="orthographicFront"/>
+    <a:lightRig rig="threePt" dir="t"/>
+  </dgm:scene3d>
+  <dgm:styleLbl name="node0">
+    <dgm:scene3d>
+      <a:camera prst="orthographicFront"/>
+      <a:lightRig rig="threePt" dir="t"/>
+    </dgm:scene3d>
+    <dgm:sp3d/>
+    <dgm:txPr/>
+    <dgm:style>
+      <a:lnRef idx="0">
+        <a:scrgbClr r="0" g="0" b="0"/>
+      </a:lnRef>
+      <a:fillRef idx="3">
+        <a:scrgbClr r="0" g="0" b="0"/>
+      </a:fillRef>
+      <a:effectRef idx="2">
+        <a:scrgbClr r="0" g="0" b="0"/>
+      </a:effectRef>
+      <a:fontRef idx="minor">
+        <a:schemeClr val="lt1"/>
+      </a:fontRef>
+    </dgm:style>
+  </dgm:styleLbl>
+  <dgm:styleLbl name="lnNode1">
+    <dgm:scene3d>
+      <a:camera prst="orthographicFront"/>
+      <a:lightRig rig="threePt" dir="t"/>
+    </dgm:scene3d>
+    <dgm:sp3d/>
+    <dgm:txPr/>
+    <dgm:style>
+      <a:lnRef idx="1">
+        <a:scrgbClr r="0" g="0" b="0"/>
+      </a:lnRef>
+      <a:fillRef idx="3">
+        <a:scrgbClr r="0" g="0" b="0"/>
+      </a:fillRef>
+      <a:effectRef idx="2">
+        <a:scrgbClr r="0" g="0" b="0"/>
+      </a:effectRef>
+      <a:fontRef idx="minor">
+        <a:schemeClr val="lt1"/>
+      </a:fontRef>
+    </dgm:style>
+  </dgm:styleLbl>
+  <dgm:styleLbl name="vennNode1">
+    <dgm:scene3d>
+      <a:camera prst="orthographicFront"/>
+      <a:lightRig rig="threePt" dir="t"/>
+    </dgm:scene3d>
+    <dgm:sp3d/>
+    <dgm:txPr/>
+    <dgm:style>
+      <a:lnRef idx="0">
+        <a:scrgbClr r="0" g="0" b="0"/>
+      </a:lnRef>
+      <a:fillRef idx="3">
+        <a:scrgbClr r="0" g="0" b="0"/>
+      </a:fillRef>
+      <a:effectRef idx="0">
+        <a:scrgbClr r="0" g="0" b="0"/>
+      </a:effectRef>
+      <a:fontRef idx="minor">
+        <a:schemeClr val="tx1"/>
+      </a:fontRef>
+    </dgm:style>
+  </dgm:styleLbl>
+  <dgm:styleLbl name="alignNode1">
+    <dgm:scene3d>
+      <a:camera prst="orthographicFront"/>
+      <a:lightRig rig="threePt" dir="t"/>
+    </dgm:scene3d>
+    <dgm:sp3d/>
+    <dgm:txPr/>
+    <dgm:style>
+      <a:lnRef idx="1">
+        <a:scrgbClr r="0" g="0" b="0"/>
+      </a:lnRef>
+      <a:fillRef idx="3">
+        <a:scrgbClr r="0" g="0" b="0"/>
+      </a:fillRef>
+      <a:effectRef idx="2">
+        <a:scrgbClr r="0" g="0" b="0"/>
+      </a:effectRef>
+      <a:fontRef idx="minor">
+        <a:schemeClr val="lt1"/>
+      </a:fontRef>
+    </dgm:style>
+  </dgm:styleLbl>
+  <dgm:styleLbl name="node1">
+    <dgm:scene3d>
+      <a:camera prst="orthographicFront"/>
+      <a:lightRig rig="threePt" dir="t"/>
+    </dgm:scene3d>
+    <dgm:sp3d/>
+    <dgm:txPr/>
+    <dgm:style>
+      <a:lnRef idx="0">
+        <a:scrgbClr r="0" g="0" b="0"/>
+      </a:lnRef>
+      <a:fillRef idx="3">
+        <a:scrgbClr r="0" g="0" b="0"/>
+      </a:fillRef>
+      <a:effectRef idx="2">
+        <a:scrgbClr r="0" g="0" b="0"/>
+      </a:effectRef>
+      <a:fontRef idx="minor">
+        <a:schemeClr val="lt1"/>
+      </a:fontRef>
+    </dgm:style>
+  </dgm:styleLbl>
+  <dgm:styleLbl name="node2">
+    <dgm:scene3d>
+      <a:camera prst="orthographicFront"/>
+      <a:lightRig rig="threePt" dir="t"/>
+    </dgm:scene3d>
+    <dgm:sp3d/>
+    <dgm:txPr/>
+    <dgm:style>
+      <a:lnRef idx="0">
+        <a:scrgbClr r="0" g="0" b="0"/>
+      </a:lnRef>
+      <a:fillRef idx="3">
+        <a:scrgbClr r="0" g="0" b="0"/>
+      </a:fillRef>
+      <a:effectRef idx="2">
+        <a:scrgbClr r="0" g="0" b="0"/>
+      </a:effectRef>
+      <a:fontRef idx="minor">
+        <a:schemeClr val="lt1"/>
+      </a:fontRef>
+    </dgm:style>
+  </dgm:styleLbl>
+  <dgm:styleLbl name="node3">
+    <dgm:scene3d>
+      <a:camera prst="orthographicFront"/>
+      <a:lightRig rig="threePt" dir="t"/>
+    </dgm:scene3d>
+    <dgm:sp3d/>
+    <dgm:txPr/>
+    <dgm:style>
+      <a:lnRef idx="0">
+        <a:scrgbClr r="0" g="0" b="0"/>
+      </a:lnRef>
+      <a:fillRef idx="3">
+        <a:scrgbClr r="0" g="0" b="0"/>
+      </a:fillRef>
+      <a:effectRef idx="2">
+        <a:scrgbClr r="0" g="0" b="0"/>
+      </a:effectRef>
+      <a:fontRef idx="minor">
+        <a:schemeClr val="lt1"/>
+      </a:fontRef>
+    </dgm:style>
+  </dgm:styleLbl>
+  <dgm:styleLbl name="node4">
+    <dgm:scene3d>
+      <a:camera prst="orthographicFront"/>
+      <a:lightRig rig="threePt" dir="t"/>
+    </dgm:scene3d>
+    <dgm:sp3d/>
+    <dgm:txPr/>
+    <dgm:style>
+      <a:lnRef idx="0">
+        <a:scrgbClr r="0" g="0" b="0"/>
+      </a:lnRef>
+      <a:fillRef idx="3">
+        <a:scrgbClr r="0" g="0" b="0"/>
+      </a:fillRef>
+      <a:effectRef idx="2">
+        <a:scrgbClr r="0" g="0" b="0"/>
+      </a:effectRef>
+      <a:fontRef idx="minor">
+        <a:schemeClr val="lt1"/>
+      </a:fontRef>
+    </dgm:style>
+  </dgm:styleLbl>
+  <dgm:styleLbl name="fgImgPlace1">
+    <dgm:scene3d>
+      <a:camera prst="orthographicFront"/>
+      <a:lightRig rig="threePt" dir="t"/>
+    </dgm:scene3d>
+    <dgm:sp3d/>
+    <dgm:txPr/>
+    <dgm:style>
+      <a:lnRef idx="0">
+        <a:scrgbClr r="0" g="0" b="0"/>
+      </a:lnRef>
+      <a:fillRef idx="1">
+        <a:scrgbClr r="0" g="0" b="0"/>
+      </a:fillRef>
+      <a:effectRef idx="2">
+        <a:scrgbClr r="0" g="0" b="0"/>
+      </a:effectRef>
+      <a:fontRef idx="minor"/>
+    </dgm:style>
+  </dgm:styleLbl>
+  <dgm:styleLbl name="alignImgPlace1">
+    <dgm:scene3d>
+      <a:camera prst="orthographicFront"/>
+      <a:lightRig rig="threePt" dir="t"/>
+    </dgm:scene3d>
+    <dgm:sp3d/>
+    <dgm:txPr/>
+    <dgm:style>
+      <a:lnRef idx="0">
+        <a:scrgbClr r="0" g="0" b="0"/>
+      </a:lnRef>
+      <a:fillRef idx="1">
+        <a:scrgbClr r="0" g="0" b="0"/>
+      </a:fillRef>
+      <a:effectRef idx="2">
+        <a:scrgbClr r="0" g="0" b="0"/>
+      </a:effectRef>
+      <a:fontRef idx="minor"/>
+    </dgm:style>
+  </dgm:styleLbl>
+  <dgm:styleLbl name="bgImgPlace1">
+    <dgm:scene3d>
+      <a:camera prst="orthographicFront"/>
+      <a:lightRig rig="threePt" dir="t"/>
+    </dgm:scene3d>
+    <dgm:sp3d/>
+    <dgm:txPr/>
+    <dgm:style>
+      <a:lnRef idx="0">
+        <a:scrgbClr r="0" g="0" b="0"/>
+      </a:lnRef>
+      <a:fillRef idx="1">
+        <a:scrgbClr r="0" g="0" b="0"/>
+      </a:fillRef>
+      <a:effectRef idx="2">
+        <a:scrgbClr r="0" g="0" b="0"/>
+      </a:effectRef>
+      <a:fontRef idx="minor"/>
+    </dgm:style>
+  </dgm:styleLbl>
+  <dgm:styleLbl name="sibTrans2D1">
+    <dgm:scene3d>
+      <a:camera prst="orthographicFront"/>
+      <a:lightRig rig="threePt" dir="t"/>
+    </dgm:scene3d>
+    <dgm:sp3d/>
+    <dgm:txPr/>
+    <dgm:style>
+      <a:lnRef idx="0">
+        <a:scrgbClr r="0" g="0" b="0"/>
+      </a:lnRef>
+      <a:fillRef idx="3">
+        <a:scrgbClr r="0" g="0" b="0"/>
+      </a:fillRef>
+      <a:effectRef idx="2">
+        <a:scrgbClr r="0" g="0" b="0"/>
+      </a:effectRef>
+      <a:fontRef idx="minor">
+        <a:schemeClr val="lt1"/>
+      </a:fontRef>
+    </dgm:style>
+  </dgm:styleLbl>
+  <dgm:styleLbl name="fgSibTrans2D1">
+    <dgm:scene3d>
+      <a:camera prst="orthographicFront"/>
+      <a:lightRig rig="threePt" dir="t"/>
+    </dgm:scene3d>
+    <dgm:sp3d/>
+    <dgm:txPr/>
+    <dgm:style>
+      <a:lnRef idx="0">
+        <a:scrgbClr r="0" g="0" b="0"/>
+      </a:lnRef>
+      <a:fillRef idx="3">
+        <a:scrgbClr r="0" g="0" b="0"/>
+      </a:fillRef>
+      <a:effectRef idx="2">
+        <a:scrgbClr r="0" g="0" b="0"/>
+      </a:effectRef>
+      <a:fontRef idx="minor">
+        <a:schemeClr val="lt1"/>
+      </a:fontRef>
+    </dgm:style>
+  </dgm:styleLbl>
+  <dgm:styleLbl name="bgSibTrans2D1">
+    <dgm:scene3d>
+      <a:camera prst="orthographicFront"/>
+      <a:lightRig rig="threePt" dir="t"/>
+    </dgm:scene3d>
+    <dgm:sp3d/>
+    <dgm:txPr/>
+    <dgm:style>
+      <a:lnRef idx="0">
+        <a:scrgbClr r="0" g="0" b="0"/>
+      </a:lnRef>
+      <a:fillRef idx="3">
+        <a:scrgbClr r="0" g="0" b="0"/>
+      </a:fillRef>
+      <a:effectRef idx="2">
+        <a:scrgbClr r="0" g="0" b="0"/>
+      </a:effectRef>
+      <a:fontRef idx="minor">
+        <a:schemeClr val="lt1"/>
+      </a:fontRef>
+    </dgm:style>
+  </dgm:styleLbl>
+  <dgm:styleLbl name="sibTrans1D1">
+    <dgm:scene3d>
+      <a:camera prst="orthographicFront"/>
+      <a:lightRig rig="threePt" dir="t"/>
+    </dgm:scene3d>
+    <dgm:sp3d/>
+    <dgm:txPr/>
+    <dgm:style>
+      <a:lnRef idx="1">
+        <a:scrgbClr r="0" g="0" b="0"/>
+      </a:lnRef>
+      <a:fillRef idx="0">
+        <a:scrgbClr r="0" g="0" b="0"/>
+      </a:fillRef>
+      <a:effectRef idx="0">
+        <a:scrgbClr r="0" g="0" b="0"/>
+      </a:effectRef>
+      <a:fontRef idx="minor"/>
+    </dgm:style>
+  </dgm:styleLbl>
+  <dgm:styleLbl name="callout">
+    <dgm:scene3d>
+      <a:camera prst="orthographicFront"/>
+      <a:lightRig rig="threePt" dir="t"/>
+    </dgm:scene3d>
+    <dgm:sp3d/>
+    <dgm:txPr/>
+    <dgm:style>
+      <a:lnRef idx="2">
+        <a:scrgbClr r="0" g="0" b="0"/>
+      </a:lnRef>
+      <a:fillRef idx="1">
+        <a:scrgbClr r="0" g="0" b="0"/>
+      </a:fillRef>
+      <a:effectRef idx="1">
+        <a:scrgbClr r="0" g="0" b="0"/>
+      </a:effectRef>
+      <a:fontRef idx="minor"/>
+    </dgm:style>
+  </dgm:styleLbl>
+  <dgm:styleLbl name="asst0">
+    <dgm:scene3d>
+      <a:camera prst="orthographicFront"/>
+      <a:lightRig rig="threePt" dir="t"/>
+    </dgm:scene3d>
+    <dgm:sp3d/>
+    <dgm:txPr/>
+    <dgm:style>
+      <a:lnRef idx="0">
+        <a:scrgbClr r="0" g="0" b="0"/>
+      </a:lnRef>
+      <a:fillRef idx="3">
+        <a:scrgbClr r="0" g="0" b="0"/>
+      </a:fillRef>
+      <a:effectRef idx="2">
+        <a:scrgbClr r="0" g="0" b="0"/>
+      </a:effectRef>
+      <a:fontRef idx="minor">
+        <a:schemeClr val="lt1"/>
+      </a:fontRef>
+    </dgm:style>
+  </dgm:styleLbl>
+  <dgm:styleLbl name="asst1">
+    <dgm:scene3d>
+      <a:camera prst="orthographicFront"/>
+      <a:lightRig rig="threePt" dir="t"/>
+    </dgm:scene3d>
+    <dgm:sp3d/>
+    <dgm:txPr/>
+    <dgm:style>
+      <a:lnRef idx="0">
+        <a:scrgbClr r="0" g="0" b="0"/>
+      </a:lnRef>
+      <a:fillRef idx="3">
+        <a:scrgbClr r="0" g="0" b="0"/>
+      </a:fillRef>
+      <a:effectRef idx="2">
+        <a:scrgbClr r="0" g="0" b="0"/>
+      </a:effectRef>
+      <a:fontRef idx="minor">
+        <a:schemeClr val="lt1"/>
+      </a:fontRef>
+    </dgm:style>
+  </dgm:styleLbl>
+  <dgm:styleLbl name="asst2">
+    <dgm:scene3d>
+      <a:camera prst="orthographicFront"/>
+      <a:lightRig rig="threePt" dir="t"/>
+    </dgm:scene3d>
+    <dgm:sp3d/>
+    <dgm:txPr/>
+    <dgm:style>
+      <a:lnRef idx="0">
+        <a:scrgbClr r="0" g="0" b="0"/>
+      </a:lnRef>
+      <a:fillRef idx="3">
+        <a:scrgbClr r="0" g="0" b="0"/>
+      </a:fillRef>
+      <a:effectRef idx="2">
+        <a:scrgbClr r="0" g="0" b="0"/>
+      </a:effectRef>
+      <a:fontRef idx="minor">
+        <a:schemeClr val="lt1"/>
+      </a:fontRef>
+    </dgm:style>
+  </dgm:styleLbl>
+  <dgm:styleLbl name="asst3">
+    <dgm:scene3d>
+      <a:camera prst="orthographicFront"/>
+      <a:lightRig rig="threePt" dir="t"/>
+    </dgm:scene3d>
+    <dgm:sp3d/>
+    <dgm:txPr/>
+    <dgm:style>
+      <a:lnRef idx="0">
+        <a:scrgbClr r="0" g="0" b="0"/>
+      </a:lnRef>
+      <a:fillRef idx="3">
+        <a:scrgbClr r="0" g="0" b="0"/>
+      </a:fillRef>
+      <a:effectRef idx="2">
+        <a:scrgbClr r="0" g="0" b="0"/>
+      </a:effectRef>
+      <a:fontRef idx="minor">
+        <a:schemeClr val="lt1"/>
+      </a:fontRef>
+    </dgm:style>
+  </dgm:styleLbl>
+  <dgm:styleLbl name="asst4">
+    <dgm:scene3d>
+      <a:camera prst="orthographicFront"/>
+      <a:lightRig rig="threePt" dir="t"/>
+    </dgm:scene3d>
+    <dgm:sp3d/>
+    <dgm:txPr/>
+    <dgm:style>
+      <a:lnRef idx="0">
+        <a:scrgbClr r="0" g="0" b="0"/>
+      </a:lnRef>
+      <a:fillRef idx="3">
+        <a:scrgbClr r="0" g="0" b="0"/>
+      </a:fillRef>
+      <a:effectRef idx="2">
+        <a:scrgbClr r="0" g="0" b="0"/>
+      </a:effectRef>
+      <a:fontRef idx="minor">
+        <a:schemeClr val="lt1"/>
+      </a:fontRef>
+    </dgm:style>
+  </dgm:styleLbl>
+  <dgm:styleLbl name="parChTrans2D1">
+    <dgm:scene3d>
+      <a:camera prst="orthographicFront"/>
+      <a:lightRig rig="threePt" dir="t"/>
+    </dgm:scene3d>
+    <dgm:sp3d/>
+    <dgm:txPr/>
+    <dgm:style>
+      <a:lnRef idx="0">
+        <a:scrgbClr r="0" g="0" b="0"/>
+      </a:lnRef>
+      <a:fillRef idx="3">
+        <a:scrgbClr r="0" g="0" b="0"/>
+      </a:fillRef>
+      <a:effectRef idx="2">
+        <a:scrgbClr r="0" g="0" b="0"/>
+      </a:effectRef>
+      <a:fontRef idx="minor">
+        <a:schemeClr val="lt1"/>
+      </a:fontRef>
+    </dgm:style>
+  </dgm:styleLbl>
+  <dgm:styleLbl name="parChTrans2D2">
+    <dgm:scene3d>
+      <a:camera prst="orthographicFront"/>
+      <a:lightRig rig="threePt" dir="t"/>
+    </dgm:scene3d>
+    <dgm:sp3d/>
+    <dgm:txPr/>
+    <dgm:style>
+      <a:lnRef idx="0">
+        <a:scrgbClr r="0" g="0" b="0"/>
+      </a:lnRef>
+      <a:fillRef idx="3">
+        <a:scrgbClr r="0" g="0" b="0"/>
+      </a:fillRef>
+      <a:effectRef idx="2">
+        <a:scrgbClr r="0" g="0" b="0"/>
+      </a:effectRef>
+      <a:fontRef idx="minor">
+        <a:schemeClr val="lt1"/>
+      </a:fontRef>
+    </dgm:style>
+  </dgm:styleLbl>
+  <dgm:styleLbl name="parChTrans2D3">
+    <dgm:scene3d>
+      <a:camera prst="orthographicFront"/>
+      <a:lightRig rig="threePt" dir="t"/>
+    </dgm:scene3d>
+    <dgm:sp3d/>
+    <dgm:txPr/>
+    <dgm:style>
+      <a:lnRef idx="1">
+        <a:scrgbClr r="0" g="0" b="0"/>
+      </a:lnRef>
+      <a:fillRef idx="3">
+        <a:scrgbClr r="0" g="0" b="0"/>
+      </a:fillRef>
+      <a:effectRef idx="2">
+        <a:scrgbClr r="0" g="0" b="0"/>
+      </a:effectRef>
+      <a:fontRef idx="minor">
+        <a:schemeClr val="lt1"/>
+      </a:fontRef>
+    </dgm:style>
+  </dgm:styleLbl>
+  <dgm:styleLbl name="parChTrans2D4">
+    <dgm:scene3d>
+      <a:camera prst="orthographicFront"/>
+      <a:lightRig rig="threePt" dir="t"/>
+    </dgm:scene3d>
+    <dgm:sp3d/>
+    <dgm:txPr/>
+    <dgm:style>
+      <a:lnRef idx="1">
+        <a:scrgbClr r="0" g="0" b="0"/>
+      </a:lnRef>
+      <a:fillRef idx="3">
+        <a:scrgbClr r="0" g="0" b="0"/>
+      </a:fillRef>
+      <a:effectRef idx="2">
+        <a:scrgbClr r="0" g="0" b="0"/>
+      </a:effectRef>
+      <a:fontRef idx="minor">
+        <a:schemeClr val="lt1"/>
+      </a:fontRef>
+    </dgm:style>
+  </dgm:styleLbl>
+  <dgm:styleLbl name="parChTrans1D1">
+    <dgm:scene3d>
+      <a:camera prst="orthographicFront"/>
+      <a:lightRig rig="threePt" dir="t"/>
+    </dgm:scene3d>
+    <dgm:sp3d/>
+    <dgm:txPr/>
+    <dgm:style>
+      <a:lnRef idx="1">
+        <a:scrgbClr r="0" g="0" b="0"/>
+      </a:lnRef>
+      <a:fillRef idx="0">
+        <a:scrgbClr r="0" g="0" b="0"/>
+      </a:fillRef>
+      <a:effectRef idx="0">
+        <a:scrgbClr r="0" g="0" b="0"/>
+      </a:effectRef>
+      <a:fontRef idx="minor"/>
+    </dgm:style>
+  </dgm:styleLbl>
+  <dgm:styleLbl name="parChTrans1D2">
+    <dgm:scene3d>
+      <a:camera prst="orthographicFront"/>
+      <a:lightRig rig="threePt" dir="t"/>
+    </dgm:scene3d>
+    <dgm:sp3d/>
+    <dgm:txPr/>
+    <dgm:style>
+      <a:lnRef idx="1">
+        <a:scrgbClr r="0" g="0" b="0"/>
+      </a:lnRef>
+      <a:fillRef idx="0">
+        <a:scrgbClr r="0" g="0" b="0"/>
+      </a:fillRef>
+      <a:effectRef idx="0">
+        <a:scrgbClr r="0" g="0" b="0"/>
+      </a:effectRef>
+      <a:fontRef idx="minor"/>
+    </dgm:style>
+  </dgm:styleLbl>
+  <dgm:styleLbl name="parChTrans1D3">
+    <dgm:scene3d>
+      <a:camera prst="orthographicFront"/>
+      <a:lightRig rig="threePt" dir="t"/>
+    </dgm:scene3d>
+    <dgm:sp3d/>
+    <dgm:txPr/>
+    <dgm:style>
+      <a:lnRef idx="1">
+        <a:scrgbClr r="0" g="0" b="0"/>
+      </a:lnRef>
+      <a:fillRef idx="0">
+        <a:scrgbClr r="0" g="0" b="0"/>
+      </a:fillRef>
+      <a:effectRef idx="0">
+        <a:scrgbClr r="0" g="0" b="0"/>
+      </a:effectRef>
+      <a:fontRef idx="minor"/>
+    </dgm:style>
+  </dgm:styleLbl>
+  <dgm:styleLbl name="parChTrans1D4">
+    <dgm:scene3d>
+      <a:camera prst="orthographicFront"/>
+      <a:lightRig rig="threePt" dir="t"/>
+    </dgm:scene3d>
+    <dgm:sp3d/>
+    <dgm:txPr/>
+    <dgm:style>
+      <a:lnRef idx="1">
+        <a:scrgbClr r="0" g="0" b="0"/>
+      </a:lnRef>
+      <a:fillRef idx="0">
+        <a:scrgbClr r="0" g="0" b="0"/>
+      </a:fillRef>
+      <a:effectRef idx="0">
+        <a:scrgbClr r="0" g="0" b="0"/>
+      </a:effectRef>
+      <a:fontRef idx="minor"/>
+    </dgm:style>
+  </dgm:styleLbl>
+  <dgm:styleLbl name="fgAcc1">
+    <dgm:scene3d>
+      <a:camera prst="orthographicFront"/>
+      <a:lightRig rig="threePt" dir="t"/>
+    </dgm:scene3d>
+    <dgm:sp3d/>
+    <dgm:txPr/>
+    <dgm:style>
+      <a:lnRef idx="1">
+        <a:scrgbClr r="0" g="0" b="0"/>
+      </a:lnRef>
+      <a:fillRef idx="1">
+        <a:scrgbClr r="0" g="0" b="0"/>
+      </a:fillRef>
+      <a:effectRef idx="0">
+        <a:scrgbClr r="0" g="0" b="0"/>
+      </a:effectRef>
+      <a:fontRef idx="minor"/>
+    </dgm:style>
+  </dgm:styleLbl>
+  <dgm:styleLbl name="conFgAcc1">
+    <dgm:scene3d>
+      <a:camera prst="orthographicFront"/>
+      <a:lightRig rig="threePt" dir="t"/>
+    </dgm:scene3d>
+    <dgm:sp3d/>
+    <dgm:txPr/>
+    <dgm:style>
+      <a:lnRef idx="1">
+        <a:scrgbClr r="0" g="0" b="0"/>
+      </a:lnRef>
+      <a:fillRef idx="1">
+        <a:scrgbClr r="0" g="0" b="0"/>
+      </a:fillRef>
+      <a:effectRef idx="0">
+        <a:scrgbClr r="0" g="0" b="0"/>
+      </a:effectRef>
+      <a:fontRef idx="minor"/>
+    </dgm:style>
+  </dgm:styleLbl>
+  <dgm:styleLbl name="alignAcc1">
+    <dgm:scene3d>
+      <a:camera prst="orthographicFront"/>
+      <a:lightRig rig="threePt" dir="t"/>
+    </dgm:scene3d>
+    <dgm:sp3d/>
+    <dgm:txPr/>
+    <dgm:style>
+      <a:lnRef idx="1">
+        <a:scrgbClr r="0" g="0" b="0"/>
+      </a:lnRef>
+      <a:fillRef idx="1">
+        <a:scrgbClr r="0" g="0" b="0"/>
+      </a:fillRef>
+      <a:effectRef idx="0">
+        <a:scrgbClr r="0" g="0" b="0"/>
+      </a:effectRef>
+      <a:fontRef idx="minor"/>
+    </dgm:style>
+  </dgm:styleLbl>
+  <dgm:styleLbl name="trAlignAcc1">
+    <dgm:scene3d>
+      <a:camera prst="orthographicFront"/>
+      <a:lightRig rig="threePt" dir="t"/>
+    </dgm:scene3d>
+    <dgm:sp3d/>
+    <dgm:txPr/>
+    <dgm:style>
+      <a:lnRef idx="1">
+        <a:scrgbClr r="0" g="0" b="0"/>
+      </a:lnRef>
+      <a:fillRef idx="1">
+        <a:scrgbClr r="0" g="0" b="0"/>
+      </a:fillRef>
+      <a:effectRef idx="0">
+        <a:scrgbClr r="0" g="0" b="0"/>
+      </a:effectRef>
+      <a:fontRef idx="minor"/>
+    </dgm:style>
+  </dgm:styleLbl>
+  <dgm:styleLbl name="bgAcc1">
+    <dgm:scene3d>
+      <a:camera prst="orthographicFront"/>
+      <a:lightRig rig="threePt" dir="t"/>
+    </dgm:scene3d>
+    <dgm:sp3d/>
+    <dgm:txPr/>
+    <dgm:style>
+      <a:lnRef idx="1">
+        <a:scrgbClr r="0" g="0" b="0"/>
+      </a:lnRef>
+      <a:fillRef idx="1">
+        <a:scrgbClr r="0" g="0" b="0"/>
+      </a:fillRef>
+      <a:effectRef idx="0">
+        <a:scrgbClr r="0" g="0" b="0"/>
+      </a:effectRef>
+      <a:fontRef idx="minor"/>
+    </dgm:style>
+  </dgm:styleLbl>
+  <dgm:styleLbl name="solidFgAcc1">
+    <dgm:scene3d>
+      <a:camera prst="orthographicFront"/>
+      <a:lightRig rig="threePt" dir="t"/>
+    </dgm:scene3d>
+    <dgm:sp3d/>
+    <dgm:txPr/>
+    <dgm:style>
+      <a:lnRef idx="1">
+        <a:scrgbClr r="0" g="0" b="0"/>
+      </a:lnRef>
+      <a:fillRef idx="1">
+        <a:scrgbClr r="0" g="0" b="0"/>
+      </a:fillRef>
+      <a:effectRef idx="0">
+        <a:scrgbClr r="0" g="0" b="0"/>
+      </a:effectRef>
+      <a:fontRef idx="minor"/>
+    </dgm:style>
+  </dgm:styleLbl>
+  <dgm:styleLbl name="solidAlignAcc1">
+    <dgm:scene3d>
+      <a:camera prst="orthographicFront"/>
+      <a:lightRig rig="threePt" dir="t"/>
+    </dgm:scene3d>
+    <dgm:sp3d/>
+    <dgm:txPr/>
+    <dgm:style>
+      <a:lnRef idx="1">
+        <a:scrgbClr r="0" g="0" b="0"/>
+      </a:lnRef>
+      <a:fillRef idx="1">
+        <a:scrgbClr r="0" g="0" b="0"/>
+      </a:fillRef>
+      <a:effectRef idx="0">
+        <a:scrgbClr r="0" g="0" b="0"/>
+      </a:effectRef>
+      <a:fontRef idx="minor"/>
+    </dgm:style>
+  </dgm:styleLbl>
+  <dgm:styleLbl name="solidBgAcc1">
+    <dgm:scene3d>
+      <a:camera prst="orthographicFront"/>
+      <a:lightRig rig="threePt" dir="t"/>
+    </dgm:scene3d>
+    <dgm:sp3d/>
+    <dgm:txPr/>
+    <dgm:style>
+      <a:lnRef idx="1">
+        <a:scrgbClr r="0" g="0" b="0"/>
+      </a:lnRef>
+      <a:fillRef idx="1">
+        <a:scrgbClr r="0" g="0" b="0"/>
+      </a:fillRef>
+      <a:effectRef idx="0">
+        <a:scrgbClr r="0" g="0" b="0"/>
+      </a:effectRef>
+      <a:fontRef idx="minor"/>
+    </dgm:style>
+  </dgm:styleLbl>
+  <dgm:styleLbl name="fgAccFollowNode1">
+    <dgm:scene3d>
+      <a:camera prst="orthographicFront"/>
+      <a:lightRig rig="threePt" dir="t"/>
+    </dgm:scene3d>
+    <dgm:sp3d/>
+    <dgm:txPr/>
+    <dgm:style>
+      <a:lnRef idx="1">
+        <a:scrgbClr r="0" g="0" b="0"/>
+      </a:lnRef>
+      <a:fillRef idx="1">
+        <a:scrgbClr r="0" g="0" b="0"/>
+      </a:fillRef>
+      <a:effectRef idx="0">
+        <a:scrgbClr r="0" g="0" b="0"/>
+      </a:effectRef>
+      <a:fontRef idx="minor"/>
+    </dgm:style>
+  </dgm:styleLbl>
+  <dgm:styleLbl name="alignAccFollowNode1">
+    <dgm:scene3d>
+      <a:camera prst="orthographicFront"/>
+      <a:lightRig rig="threePt" dir="t"/>
+    </dgm:scene3d>
+    <dgm:sp3d/>
+    <dgm:txPr/>
+    <dgm:style>
+      <a:lnRef idx="1">
+        <a:scrgbClr r="0" g="0" b="0"/>
+      </a:lnRef>
+      <a:fillRef idx="1">
+        <a:scrgbClr r="0" g="0" b="0"/>
+      </a:fillRef>
+      <a:effectRef idx="0">
+        <a:scrgbClr r="0" g="0" b="0"/>
+      </a:effectRef>
+      <a:fontRef idx="minor"/>
+    </dgm:style>
+  </dgm:styleLbl>
+  <dgm:styleLbl name="bgAccFollowNode1">
+    <dgm:scene3d>
+      <a:camera prst="orthographicFront"/>
+      <a:lightRig rig="threePt" dir="t"/>
+    </dgm:scene3d>
+    <dgm:sp3d/>
+    <dgm:txPr/>
+    <dgm:style>
+      <a:lnRef idx="1">
+        <a:scrgbClr r="0" g="0" b="0"/>
+      </a:lnRef>
+      <a:fillRef idx="1">
+        <a:scrgbClr r="0" g="0" b="0"/>
+      </a:fillRef>
+      <a:effectRef idx="0">
+        <a:scrgbClr r="0" g="0" b="0"/>
+      </a:effectRef>
+      <a:fontRef idx="minor"/>
+    </dgm:style>
+  </dgm:styleLbl>
+  <dgm:styleLbl name="fgAcc0">
+    <dgm:scene3d>
+      <a:camera prst="orthographicFront"/>
+      <a:lightRig rig="threePt" dir="t"/>
+    </dgm:scene3d>
+    <dgm:sp3d/>
+    <dgm:txPr/>
+    <dgm:style>
+      <a:lnRef idx="1">
+        <a:scrgbClr r="0" g="0" b="0"/>
+      </a:lnRef>
+      <a:fillRef idx="1">
+        <a:scrgbClr r="0" g="0" b="0"/>
+      </a:fillRef>
+      <a:effectRef idx="0">
+        <a:scrgbClr r="0" g="0" b="0"/>
+      </a:effectRef>
+      <a:fontRef idx="minor"/>
+    </dgm:style>
+  </dgm:styleLbl>
+  <dgm:styleLbl name="fgAcc2">
+    <dgm:scene3d>
+      <a:camera prst="orthographicFront"/>
+      <a:lightRig rig="threePt" dir="t"/>
+    </dgm:scene3d>
+    <dgm:sp3d/>
+    <dgm:txPr/>
+    <dgm:style>
+      <a:lnRef idx="1">
+        <a:scrgbClr r="0" g="0" b="0"/>
+      </a:lnRef>
+      <a:fillRef idx="1">
+        <a:scrgbClr r="0" g="0" b="0"/>
+      </a:fillRef>
+      <a:effectRef idx="0">
+        <a:scrgbClr r="0" g="0" b="0"/>
+      </a:effectRef>
+      <a:fontRef idx="minor"/>
+    </dgm:style>
+  </dgm:styleLbl>
+  <dgm:styleLbl name="fgAcc3">
+    <dgm:scene3d>
+      <a:camera prst="orthographicFront"/>
+      <a:lightRig rig="threePt" dir="t"/>
+    </dgm:scene3d>
+    <dgm:sp3d/>
+    <dgm:txPr/>
+    <dgm:style>
+      <a:lnRef idx="1">
+        <a:scrgbClr r="0" g="0" b="0"/>
+      </a:lnRef>
+      <a:fillRef idx="1">
+        <a:scrgbClr r="0" g="0" b="0"/>
+      </a:fillRef>
+      <a:effectRef idx="0">
+        <a:scrgbClr r="0" g="0" b="0"/>
+      </a:effectRef>
+      <a:fontRef idx="minor"/>
+    </dgm:style>
+  </dgm:styleLbl>
+  <dgm:styleLbl name="fgAcc4">
+    <dgm:scene3d>
+      <a:camera prst="orthographicFront"/>
+      <a:lightRig rig="threePt" dir="t"/>
+    </dgm:scene3d>
+    <dgm:sp3d/>
+    <dgm:txPr/>
+    <dgm:style>
+      <a:lnRef idx="1">
+        <a:scrgbClr r="0" g="0" b="0"/>
+      </a:lnRef>
+      <a:fillRef idx="1">
+        <a:scrgbClr r="0" g="0" b="0"/>
+      </a:fillRef>
+      <a:effectRef idx="0">
+        <a:scrgbClr r="0" g="0" b="0"/>
+      </a:effectRef>
+      <a:fontRef idx="minor"/>
+    </dgm:style>
+  </dgm:styleLbl>
+  <dgm:styleLbl name="bgShp">
+    <dgm:scene3d>
+      <a:camera prst="orthographicFront"/>
+      <a:lightRig rig="threePt" dir="t"/>
+    </dgm:scene3d>
+    <dgm:sp3d/>
+    <dgm:txPr/>
+    <dgm:style>
+      <a:lnRef idx="0">
+        <a:scrgbClr r="0" g="0" b="0"/>
+      </a:lnRef>
+      <a:fillRef idx="1">
+        <a:scrgbClr r="0" g="0" b="0"/>
+      </a:fillRef>
+      <a:effectRef idx="2">
+        <a:scrgbClr r="0" g="0" b="0"/>
+      </a:effectRef>
+      <a:fontRef idx="minor"/>
+    </dgm:style>
+  </dgm:styleLbl>
+  <dgm:styleLbl name="dkBgShp">
+    <dgm:scene3d>
+      <a:camera prst="orthographicFront"/>
+      <a:lightRig rig="threePt" dir="t"/>
+    </dgm:scene3d>
+    <dgm:sp3d/>
+    <dgm:txPr/>
+    <dgm:style>
+      <a:lnRef idx="0">
+        <a:scrgbClr r="0" g="0" b="0"/>
+      </a:lnRef>
+      <a:fillRef idx="1">
+        <a:scrgbClr r="0" g="0" b="0"/>
+      </a:fillRef>
+      <a:effectRef idx="2">
+        <a:scrgbClr r="0" g="0" b="0"/>
+      </a:effectRef>
+      <a:fontRef idx="minor"/>
+    </dgm:style>
+  </dgm:styleLbl>
+  <dgm:styleLbl name="trBgShp">
+    <dgm:scene3d>
+      <a:camera prst="orthographicFront"/>
+      <a:lightRig rig="threePt" dir="t"/>
+    </dgm:scene3d>
+    <dgm:sp3d/>
+    <dgm:txPr/>
+    <dgm:style>
+      <a:lnRef idx="0">
+        <a:scrgbClr r="0" g="0" b="0"/>
+      </a:lnRef>
+      <a:fillRef idx="1">
+        <a:scrgbClr r="0" g="0" b="0"/>
+      </a:fillRef>
+      <a:effectRef idx="0">
+        <a:scrgbClr r="0" g="0" b="0"/>
+      </a:effectRef>
+      <a:fontRef idx="minor"/>
+    </dgm:style>
+  </dgm:styleLbl>
+  <dgm:styleLbl name="fgShp">
+    <dgm:scene3d>
+      <a:camera prst="orthographicFront"/>
+      <a:lightRig rig="threePt" dir="t"/>
+    </dgm:scene3d>
+    <dgm:sp3d/>
+    <dgm:txPr/>
+    <dgm:style>
+      <a:lnRef idx="0">
+        <a:scrgbClr r="0" g="0" b="0"/>
+      </a:lnRef>
+      <a:fillRef idx="3">
+        <a:scrgbClr r="0" g="0" b="0"/>
+      </a:fillRef>
+      <a:effectRef idx="2">
+        <a:scrgbClr r="0" g="0" b="0"/>
+      </a:effectRef>
+      <a:fontRef idx="minor"/>
+    </dgm:style>
+  </dgm:styleLbl>
+  <dgm:styleLbl name="revTx">
+    <dgm:scene3d>
+      <a:camera prst="orthographicFront"/>
+      <a:lightRig rig="threePt" dir="t"/>
+    </dgm:scene3d>
+    <dgm:sp3d/>
+    <dgm:txPr/>
+    <dgm:style>
+      <a:lnRef idx="0">
+        <a:scrgbClr r="0" g="0" b="0"/>
+      </a:lnRef>
+      <a:fillRef idx="0">
+        <a:scrgbClr r="0" g="0" b="0"/>
+      </a:fillRef>
+      <a:effectRef idx="0">
+        <a:scrgbClr r="0" g="0" b="0"/>
+      </a:effectRef>
+      <a:fontRef idx="minor"/>
+    </dgm:style>
+  </dgm:styleLbl>
+</dgm:styleDef>
 </file>
 
 <file path=ppt/slideLayouts/slideLayout1.xml><?xml version="1.0" encoding="utf-8"?>
@@ -297,7 +3225,7 @@
           <a:p>
             <a:fld id="{B3D81ED4-19E2-4D3F-8BF2-219E7C9B5F97}" type="datetimeFigureOut">
               <a:rPr lang="en-US" smtClean="0"/>
-              <a:t>04-Oct-23</a:t>
+              <a:t>06-Oct-23</a:t>
             </a:fld>
             <a:endParaRPr lang="en-US"/>
           </a:p>
@@ -595,7 +3523,7 @@
           <a:p>
             <a:fld id="{B3D81ED4-19E2-4D3F-8BF2-219E7C9B5F97}" type="datetimeFigureOut">
               <a:rPr lang="en-US" smtClean="0"/>
-              <a:t>04-Oct-23</a:t>
+              <a:t>06-Oct-23</a:t>
             </a:fld>
             <a:endParaRPr lang="en-US"/>
           </a:p>
@@ -787,7 +3715,7 @@
           <a:p>
             <a:fld id="{B3D81ED4-19E2-4D3F-8BF2-219E7C9B5F97}" type="datetimeFigureOut">
               <a:rPr lang="en-US" smtClean="0"/>
-              <a:t>04-Oct-23</a:t>
+              <a:t>06-Oct-23</a:t>
             </a:fld>
             <a:endParaRPr lang="en-US"/>
           </a:p>
@@ -1048,7 +3976,7 @@
           <a:p>
             <a:fld id="{B3D81ED4-19E2-4D3F-8BF2-219E7C9B5F97}" type="datetimeFigureOut">
               <a:rPr lang="en-US" smtClean="0"/>
-              <a:t>04-Oct-23</a:t>
+              <a:t>06-Oct-23</a:t>
             </a:fld>
             <a:endParaRPr lang="en-US"/>
           </a:p>
@@ -1472,7 +4400,7 @@
           <a:p>
             <a:fld id="{B3D81ED4-19E2-4D3F-8BF2-219E7C9B5F97}" type="datetimeFigureOut">
               <a:rPr lang="en-US" smtClean="0"/>
-              <a:t>04-Oct-23</a:t>
+              <a:t>06-Oct-23</a:t>
             </a:fld>
             <a:endParaRPr lang="en-US"/>
           </a:p>
@@ -2009,7 +4937,7 @@
           <a:p>
             <a:fld id="{B3D81ED4-19E2-4D3F-8BF2-219E7C9B5F97}" type="datetimeFigureOut">
               <a:rPr lang="en-US" smtClean="0"/>
-              <a:t>04-Oct-23</a:t>
+              <a:t>06-Oct-23</a:t>
             </a:fld>
             <a:endParaRPr lang="en-US"/>
           </a:p>
@@ -2873,7 +5801,7 @@
           <a:p>
             <a:fld id="{B3D81ED4-19E2-4D3F-8BF2-219E7C9B5F97}" type="datetimeFigureOut">
               <a:rPr lang="en-US" smtClean="0"/>
-              <a:t>04-Oct-23</a:t>
+              <a:t>06-Oct-23</a:t>
             </a:fld>
             <a:endParaRPr lang="en-US"/>
           </a:p>
@@ -3043,7 +5971,7 @@
           <a:p>
             <a:fld id="{B3D81ED4-19E2-4D3F-8BF2-219E7C9B5F97}" type="datetimeFigureOut">
               <a:rPr lang="en-US" smtClean="0"/>
-              <a:t>04-Oct-23</a:t>
+              <a:t>06-Oct-23</a:t>
             </a:fld>
             <a:endParaRPr lang="en-US"/>
           </a:p>
@@ -3227,7 +6155,7 @@
           <a:p>
             <a:fld id="{B3D81ED4-19E2-4D3F-8BF2-219E7C9B5F97}" type="datetimeFigureOut">
               <a:rPr lang="en-US" smtClean="0"/>
-              <a:t>04-Oct-23</a:t>
+              <a:t>06-Oct-23</a:t>
             </a:fld>
             <a:endParaRPr lang="en-US"/>
           </a:p>
@@ -3397,7 +6325,7 @@
           <a:p>
             <a:fld id="{B3D81ED4-19E2-4D3F-8BF2-219E7C9B5F97}" type="datetimeFigureOut">
               <a:rPr lang="en-US" smtClean="0"/>
-              <a:t>04-Oct-23</a:t>
+              <a:t>06-Oct-23</a:t>
             </a:fld>
             <a:endParaRPr lang="en-US"/>
           </a:p>
@@ -3641,7 +6569,7 @@
           <a:p>
             <a:fld id="{B3D81ED4-19E2-4D3F-8BF2-219E7C9B5F97}" type="datetimeFigureOut">
               <a:rPr lang="en-US" smtClean="0"/>
-              <a:t>04-Oct-23</a:t>
+              <a:t>06-Oct-23</a:t>
             </a:fld>
             <a:endParaRPr lang="en-US"/>
           </a:p>
@@ -3877,7 +6805,7 @@
           <a:p>
             <a:fld id="{B3D81ED4-19E2-4D3F-8BF2-219E7C9B5F97}" type="datetimeFigureOut">
               <a:rPr lang="en-US" smtClean="0"/>
-              <a:t>04-Oct-23</a:t>
+              <a:t>06-Oct-23</a:t>
             </a:fld>
             <a:endParaRPr lang="en-US"/>
           </a:p>
@@ -4343,7 +7271,7 @@
           <a:p>
             <a:fld id="{B3D81ED4-19E2-4D3F-8BF2-219E7C9B5F97}" type="datetimeFigureOut">
               <a:rPr lang="en-US" smtClean="0"/>
-              <a:t>04-Oct-23</a:t>
+              <a:t>06-Oct-23</a:t>
             </a:fld>
             <a:endParaRPr lang="en-US"/>
           </a:p>
@@ -4461,7 +7389,7 @@
           <a:p>
             <a:fld id="{B3D81ED4-19E2-4D3F-8BF2-219E7C9B5F97}" type="datetimeFigureOut">
               <a:rPr lang="en-US" smtClean="0"/>
-              <a:t>04-Oct-23</a:t>
+              <a:t>06-Oct-23</a:t>
             </a:fld>
             <a:endParaRPr lang="en-US"/>
           </a:p>
@@ -4556,7 +7484,7 @@
           <a:p>
             <a:fld id="{B3D81ED4-19E2-4D3F-8BF2-219E7C9B5F97}" type="datetimeFigureOut">
               <a:rPr lang="en-US" smtClean="0"/>
-              <a:t>04-Oct-23</a:t>
+              <a:t>06-Oct-23</a:t>
             </a:fld>
             <a:endParaRPr lang="en-US"/>
           </a:p>
@@ -4811,7 +7739,7 @@
           <a:p>
             <a:fld id="{B3D81ED4-19E2-4D3F-8BF2-219E7C9B5F97}" type="datetimeFigureOut">
               <a:rPr lang="en-US" smtClean="0"/>
-              <a:t>04-Oct-23</a:t>
+              <a:t>06-Oct-23</a:t>
             </a:fld>
             <a:endParaRPr lang="en-US"/>
           </a:p>
@@ -5111,7 +8039,7 @@
           <a:p>
             <a:fld id="{B3D81ED4-19E2-4D3F-8BF2-219E7C9B5F97}" type="datetimeFigureOut">
               <a:rPr lang="en-US" smtClean="0"/>
-              <a:t>04-Oct-23</a:t>
+              <a:t>06-Oct-23</a:t>
             </a:fld>
             <a:endParaRPr lang="en-US"/>
           </a:p>
@@ -5345,7 +8273,7 @@
           <a:p>
             <a:fld id="{B3D81ED4-19E2-4D3F-8BF2-219E7C9B5F97}" type="datetimeFigureOut">
               <a:rPr lang="en-US" smtClean="0"/>
-              <a:t>04-Oct-23</a:t>
+              <a:t>06-Oct-23</a:t>
             </a:fld>
             <a:endParaRPr lang="en-US"/>
           </a:p>
@@ -6005,6 +8933,25 @@
 <file path=ppt/slides/slide1.xml><?xml version="1.0" encoding="utf-8"?>
 <p:sld xmlns:a="http://schemas.openxmlformats.org/drawingml/2006/main" xmlns:r="http://schemas.openxmlformats.org/officeDocument/2006/relationships" xmlns:p="http://schemas.openxmlformats.org/presentationml/2006/main">
   <p:cSld>
+    <p:bg>
+      <p:bgPr>
+        <a:blipFill rotWithShape="1">
+          <a:blip r:embed="rId2">
+            <a:duotone>
+              <a:schemeClr val="bg2">
+                <a:shade val="80000"/>
+                <a:lumMod val="80000"/>
+              </a:schemeClr>
+              <a:schemeClr val="bg2">
+                <a:tint val="98000"/>
+              </a:schemeClr>
+            </a:duotone>
+          </a:blip>
+          <a:stretch/>
+        </a:blipFill>
+        <a:effectLst/>
+      </p:bgPr>
+    </p:bg>
     <p:spTree>
       <p:nvGrpSpPr>
         <p:cNvPr id="1" name=""/>
@@ -6035,14 +8982,25 @@
             <p:ph type="ctrTitle"/>
           </p:nvPr>
         </p:nvSpPr>
-        <p:spPr/>
-        <p:txBody>
-          <a:bodyPr/>
+        <p:spPr>
+          <a:xfrm>
+            <a:off x="5369441" y="1064036"/>
+            <a:ext cx="6039294" cy="2364964"/>
+          </a:xfrm>
+        </p:spPr>
+        <p:txBody>
+          <a:bodyPr>
+            <a:normAutofit/>
+          </a:bodyPr>
           <a:lstStyle/>
           <a:p>
             <a:r>
-              <a:rPr lang="en-US" dirty="0"/>
-              <a:t>Dr. Abdul Sattar Edhi</a:t>
+              <a:rPr lang="en-US" dirty="0">
+                <a:solidFill>
+                  <a:schemeClr val="tx1"/>
+                </a:solidFill>
+              </a:rPr>
+              <a:t>Abdul Sattar Edhi</a:t>
             </a:r>
           </a:p>
         </p:txBody>
@@ -6065,22 +9023,106 @@
         </p:nvSpPr>
         <p:spPr>
           <a:xfrm>
-            <a:off x="7793664" y="5735637"/>
-            <a:ext cx="4253023" cy="792754"/>
+            <a:off x="8048847" y="5519784"/>
+            <a:ext cx="3548690" cy="548359"/>
           </a:xfrm>
         </p:spPr>
         <p:txBody>
-          <a:bodyPr/>
+          <a:bodyPr>
+            <a:normAutofit/>
+          </a:bodyPr>
           <a:lstStyle/>
           <a:p>
             <a:r>
-              <a:rPr lang="en-US"/>
+              <a:rPr lang="en-US" u="sng" dirty="0">
+                <a:solidFill>
+                  <a:srgbClr val="BA705D"/>
+                </a:solidFill>
+              </a:rPr>
               <a:t>Abdullah (02-131222-099)</a:t>
             </a:r>
-            <a:endParaRPr lang="en-US" dirty="0"/>
-          </a:p>
-        </p:txBody>
-      </p:sp>
+          </a:p>
+        </p:txBody>
+      </p:sp>
+      <p:pic>
+        <p:nvPicPr>
+          <p:cNvPr id="14" name="Picture 13">
+            <a:extLst>
+              <a:ext uri="{FF2B5EF4-FFF2-40B4-BE49-F238E27FC236}">
+                <a16:creationId xmlns:a16="http://schemas.microsoft.com/office/drawing/2014/main" id="{DBF7BBCC-A085-493E-83D9-01D4F8E88929}"/>
+              </a:ext>
+              <a:ext uri="{C183D7F6-B498-43B3-948B-1728B52AA6E4}">
+                <adec:decorative xmlns:adec="http://schemas.microsoft.com/office/drawing/2017/decorative" val="1"/>
+              </a:ext>
+            </a:extLst>
+          </p:cNvPr>
+          <p:cNvPicPr>
+            <a:picLocks noGrp="1" noRot="1" noChangeAspect="1" noMove="1" noResize="1" noEditPoints="1" noAdjustHandles="1" noChangeArrowheads="1" noChangeShapeType="1" noCrop="1"/>
+          </p:cNvPicPr>
+          <p:nvPr>
+            <p:extLst>
+              <p:ext uri="{386F3935-93C4-4BCD-93E2-E3B085C9AB24}">
+                <p16:designElem xmlns:p16="http://schemas.microsoft.com/office/powerpoint/2015/main" val="1"/>
+              </p:ext>
+            </p:extLst>
+          </p:nvPr>
+        </p:nvPicPr>
+        <p:blipFill rotWithShape="1">
+          <a:blip r:embed="rId3">
+            <a:extLst>
+              <a:ext uri="{28A0092B-C50C-407E-A947-70E740481C1C}">
+                <a14:useLocalDpi xmlns:a14="http://schemas.microsoft.com/office/drawing/2010/main" val="0"/>
+              </a:ext>
+            </a:extLst>
+          </a:blip>
+          <a:srcRect t="964" r="2807" b="1446"/>
+          <a:stretch/>
+        </p:blipFill>
+        <p:spPr>
+          <a:xfrm>
+            <a:off x="-10649" y="1"/>
+            <a:ext cx="4690532" cy="6858000"/>
+          </a:xfrm>
+          <a:prstGeom prst="rect">
+            <a:avLst/>
+          </a:prstGeom>
+        </p:spPr>
+      </p:pic>
+      <p:pic>
+        <p:nvPicPr>
+          <p:cNvPr id="7" name="Picture 6" descr="A person with a long white beard&#10;&#10;Description automatically generated">
+            <a:extLst>
+              <a:ext uri="{FF2B5EF4-FFF2-40B4-BE49-F238E27FC236}">
+                <a16:creationId xmlns:a16="http://schemas.microsoft.com/office/drawing/2014/main" id="{5E529562-309F-E6C0-C1ED-97D32832691E}"/>
+              </a:ext>
+            </a:extLst>
+          </p:cNvPr>
+          <p:cNvPicPr>
+            <a:picLocks noChangeAspect="1"/>
+          </p:cNvPicPr>
+          <p:nvPr/>
+        </p:nvPicPr>
+        <p:blipFill rotWithShape="1">
+          <a:blip r:embed="rId4">
+            <a:extLst>
+              <a:ext uri="{28A0092B-C50C-407E-A947-70E740481C1C}">
+                <a14:useLocalDpi xmlns:a14="http://schemas.microsoft.com/office/drawing/2010/main" val="0"/>
+              </a:ext>
+            </a:extLst>
+          </a:blip>
+          <a:srcRect l="17358" r="13741"/>
+          <a:stretch/>
+        </p:blipFill>
+        <p:spPr>
+          <a:xfrm>
+            <a:off x="20" y="10"/>
+            <a:ext cx="4571629" cy="6857990"/>
+          </a:xfrm>
+          <a:prstGeom prst="rect">
+            <a:avLst/>
+          </a:prstGeom>
+        </p:spPr>
+      </p:pic>
     </p:spTree>
     <p:extLst>
       <p:ext uri="{BB962C8B-B14F-4D97-AF65-F5344CB8AC3E}">
@@ -6097,6 +9139,14 @@
 <file path=ppt/slides/slide2.xml><?xml version="1.0" encoding="utf-8"?>
 <p:sld xmlns:a="http://schemas.openxmlformats.org/drawingml/2006/main" xmlns:r="http://schemas.openxmlformats.org/officeDocument/2006/relationships" xmlns:p="http://schemas.openxmlformats.org/presentationml/2006/main">
   <p:cSld>
+    <p:bg>
+      <p:bgPr>
+        <a:solidFill>
+          <a:schemeClr val="bg1"/>
+        </a:solidFill>
+        <a:effectLst/>
+      </p:bgPr>
+    </p:bg>
     <p:spTree>
       <p:nvGrpSpPr>
         <p:cNvPr id="1" name=""/>
@@ -6111,6 +9161,45 @@
           <a:chExt cx="0" cy="0"/>
         </a:xfrm>
       </p:grpSpPr>
+      <p:pic>
+        <p:nvPicPr>
+          <p:cNvPr id="7" name="Picture 6" descr="A person hugging a child&#10;&#10;Description automatically generated">
+            <a:extLst>
+              <a:ext uri="{FF2B5EF4-FFF2-40B4-BE49-F238E27FC236}">
+                <a16:creationId xmlns:a16="http://schemas.microsoft.com/office/drawing/2014/main" id="{9B9F5DEA-635A-5EA7-F69B-4F81B694620A}"/>
+              </a:ext>
+            </a:extLst>
+          </p:cNvPr>
+          <p:cNvPicPr>
+            <a:picLocks noChangeAspect="1"/>
+          </p:cNvPicPr>
+          <p:nvPr/>
+        </p:nvPicPr>
+        <p:blipFill rotWithShape="1">
+          <a:blip r:embed="rId2">
+            <a:alphaModFix amt="25000"/>
+            <a:extLst>
+              <a:ext uri="{28A0092B-C50C-407E-A947-70E740481C1C}">
+                <a14:useLocalDpi xmlns:a14="http://schemas.microsoft.com/office/drawing/2010/main" val="0"/>
+              </a:ext>
+              <a:ext uri="{837473B0-CC2E-450A-ABE3-18F120FF3D39}">
+                <a1611:picAttrSrcUrl xmlns:a1611="http://schemas.microsoft.com/office/drawing/2016/11/main" r:id="rId3"/>
+              </a:ext>
+            </a:extLst>
+          </a:blip>
+          <a:srcRect l="948" r="7496" b="-1"/>
+          <a:stretch/>
+        </p:blipFill>
+        <p:spPr>
+          <a:xfrm>
+            <a:off x="20" y="10"/>
+            <a:ext cx="12191980" cy="6857990"/>
+          </a:xfrm>
+          <a:prstGeom prst="rect">
+            <a:avLst/>
+          </a:prstGeom>
+        </p:spPr>
+      </p:pic>
       <p:sp>
         <p:nvSpPr>
           <p:cNvPr id="2" name="Title 1">
@@ -6127,14 +9216,25 @@
             <p:ph type="title"/>
           </p:nvPr>
         </p:nvSpPr>
-        <p:spPr/>
-        <p:txBody>
-          <a:bodyPr/>
+        <p:spPr>
+          <a:xfrm>
+            <a:off x="913795" y="733974"/>
+            <a:ext cx="10353762" cy="970450"/>
+          </a:xfrm>
+        </p:spPr>
+        <p:txBody>
+          <a:bodyPr>
+            <a:normAutofit/>
+          </a:bodyPr>
           <a:lstStyle/>
           <a:p>
             <a:r>
-              <a:rPr lang="en-US" dirty="0"/>
-              <a:t>Biography</a:t>
+              <a:rPr lang="en-US" dirty="0">
+                <a:solidFill>
+                  <a:schemeClr val="tx1"/>
+                </a:solidFill>
+              </a:rPr>
+              <a:t>Who was Abdul Sattar Edhi?</a:t>
             </a:r>
           </a:p>
         </p:txBody>
@@ -6155,12 +9255,158 @@
             <p:ph idx="1"/>
           </p:nvPr>
         </p:nvSpPr>
-        <p:spPr/>
-        <p:txBody>
-          <a:bodyPr/>
+        <p:spPr>
+          <a:xfrm>
+            <a:off x="913795" y="1580050"/>
+            <a:ext cx="10353762" cy="4058751"/>
+          </a:xfrm>
+        </p:spPr>
+        <p:txBody>
+          <a:bodyPr anchor="ctr">
+            <a:normAutofit/>
+          </a:bodyPr>
           <a:lstStyle/>
           <a:p>
-            <a:endParaRPr lang="en-US"/>
+            <a:pPr marL="0" indent="0" algn="just">
+              <a:spcBef>
+                <a:spcPts val="0"/>
+              </a:spcBef>
+              <a:spcAft>
+                <a:spcPts val="800"/>
+              </a:spcAft>
+              <a:buNone/>
+            </a:pPr>
+            <a:r>
+              <a:rPr lang="en-US" sz="2200" kern="100" dirty="0">
+                <a:solidFill>
+                  <a:schemeClr val="tx1"/>
+                </a:solidFill>
+                <a:effectLst/>
+                <a:ea typeface="Calibri" panose="020F0502020204030204" pitchFamily="34" charset="0"/>
+                <a:cs typeface="Times New Roman" panose="02020603050405020304" pitchFamily="18" charset="0"/>
+              </a:rPr>
+              <a:t>Abdul Sattar Edhi was a renowned Pakistani philanthropist who is widely regarded as one of the greatest humanitarians in Pakistan's history. He was born on February 28, 1928, in Gujarat, British India, and passed away on July 8, 2016, in Karachi, Pakistan. He founded the Edhi Foundation, which runs the world's largest ambulance network, along with homeless shelters, animal shelters, rehabilitation centers, and orphanages across Pakistan. </a:t>
+            </a:r>
+            <a:r>
+              <a:rPr lang="en-US" sz="2200" dirty="0">
+                <a:solidFill>
+                  <a:schemeClr val="tx1"/>
+                </a:solidFill>
+                <a:effectLst/>
+                <a:ea typeface="Calibri" panose="020F0502020204030204" pitchFamily="34" charset="0"/>
+              </a:rPr>
+              <a:t>He is known amongst Pakistanis as the "Angel of Mercy"</a:t>
+            </a:r>
+            <a:r>
+              <a:rPr lang="en-US" sz="2200" kern="100" dirty="0">
+                <a:solidFill>
+                  <a:schemeClr val="tx1"/>
+                </a:solidFill>
+                <a:effectLst/>
+                <a:ea typeface="Calibri" panose="020F0502020204030204" pitchFamily="34" charset="0"/>
+                <a:cs typeface="Times New Roman" panose="02020603050405020304" pitchFamily="18" charset="0"/>
+              </a:rPr>
+              <a:t> </a:t>
+            </a:r>
+            <a:r>
+              <a:rPr lang="en-US" sz="2200" kern="0" dirty="0">
+                <a:solidFill>
+                  <a:schemeClr val="tx1"/>
+                </a:solidFill>
+                <a:effectLst/>
+                <a:ea typeface="Times New Roman" panose="02020603050405020304" pitchFamily="18" charset="0"/>
+              </a:rPr>
+              <a:t>Abdul Sattar Edhi was a person who had a deep sense of empathy and kindness for the suffering of others. He gave away most of his wealth and possessions to help others. He never discriminated against anyone based on their religion, ethnicity, or nationality. He treated everyone with respect and dignity.</a:t>
+            </a:r>
+            <a:endParaRPr lang="en-US" sz="2200" kern="100" dirty="0">
+              <a:solidFill>
+                <a:schemeClr val="tx1"/>
+              </a:solidFill>
+              <a:effectLst/>
+              <a:ea typeface="Calibri" panose="020F0502020204030204" pitchFamily="34" charset="0"/>
+              <a:cs typeface="Times New Roman" panose="02020603050405020304" pitchFamily="18" charset="0"/>
+            </a:endParaRPr>
+          </a:p>
+        </p:txBody>
+      </p:sp>
+      <p:sp>
+        <p:nvSpPr>
+          <p:cNvPr id="8" name="TextBox 7">
+            <a:extLst>
+              <a:ext uri="{FF2B5EF4-FFF2-40B4-BE49-F238E27FC236}">
+                <a16:creationId xmlns:a16="http://schemas.microsoft.com/office/drawing/2014/main" id="{587CEC0D-B7B8-2114-2CC7-1E712F36766D}"/>
+              </a:ext>
+            </a:extLst>
+          </p:cNvPr>
+          <p:cNvSpPr txBox="1"/>
+          <p:nvPr/>
+        </p:nvSpPr>
+        <p:spPr>
+          <a:xfrm>
+            <a:off x="9476193" y="6657945"/>
+            <a:ext cx="2715807" cy="200055"/>
+          </a:xfrm>
+          <a:prstGeom prst="rect">
+            <a:avLst/>
+          </a:prstGeom>
+          <a:solidFill>
+            <a:srgbClr val="000000"/>
+          </a:solidFill>
+        </p:spPr>
+        <p:txBody>
+          <a:bodyPr wrap="none" rtlCol="0">
+            <a:spAutoFit/>
+          </a:bodyPr>
+          <a:lstStyle/>
+          <a:p>
+            <a:pPr algn="r">
+              <a:spcAft>
+                <a:spcPts val="600"/>
+              </a:spcAft>
+            </a:pPr>
+            <a:r>
+              <a:rPr lang="en-US" sz="700">
+                <a:solidFill>
+                  <a:srgbClr val="FFFFFF"/>
+                </a:solidFill>
+                <a:hlinkClick r:id="rId3" tooltip="https://www.samdailytimes.org/2016_07_13_archive.html">
+                  <a:extLst>
+                    <a:ext uri="{A12FA001-AC4F-418D-AE19-62706E023703}">
+                      <ahyp:hlinkClr xmlns:ahyp="http://schemas.microsoft.com/office/drawing/2018/hyperlinkcolor" val="tx"/>
+                    </a:ext>
+                  </a:extLst>
+                </a:hlinkClick>
+              </a:rPr>
+              <a:t>This Photo</a:t>
+            </a:r>
+            <a:r>
+              <a:rPr lang="en-US" sz="700">
+                <a:solidFill>
+                  <a:srgbClr val="FFFFFF"/>
+                </a:solidFill>
+              </a:rPr>
+              <a:t> by Unknown Author is licensed under </a:t>
+            </a:r>
+            <a:r>
+              <a:rPr lang="en-US" sz="700">
+                <a:solidFill>
+                  <a:srgbClr val="FFFFFF"/>
+                </a:solidFill>
+                <a:hlinkClick r:id="rId4" tooltip="https://creativecommons.org/licenses/by-nc-nd/3.0/">
+                  <a:extLst>
+                    <a:ext uri="{A12FA001-AC4F-418D-AE19-62706E023703}">
+                      <ahyp:hlinkClr xmlns:ahyp="http://schemas.microsoft.com/office/drawing/2018/hyperlinkcolor" val="tx"/>
+                    </a:ext>
+                  </a:extLst>
+                </a:hlinkClick>
+              </a:rPr>
+              <a:t>CC BY-NC-ND</a:t>
+            </a:r>
+            <a:endParaRPr lang="en-US" sz="700">
+              <a:solidFill>
+                <a:srgbClr val="FFFFFF"/>
+              </a:solidFill>
+            </a:endParaRPr>
           </a:p>
         </p:txBody>
       </p:sp>
@@ -6174,10 +9420,1271 @@
   <p:clrMapOvr>
     <a:masterClrMapping/>
   </p:clrMapOvr>
+  <mc:AlternateContent xmlns:mc="http://schemas.openxmlformats.org/markup-compatibility/2006" xmlns:p14="http://schemas.microsoft.com/office/powerpoint/2010/main">
+    <mc:Choice Requires="p14">
+      <p:transition spd="med" p14:dur="700">
+        <p:fade/>
+      </p:transition>
+    </mc:Choice>
+    <mc:Fallback xmlns="">
+      <p:transition spd="med">
+        <p:fade/>
+      </p:transition>
+    </mc:Fallback>
+  </mc:AlternateContent>
 </p:sld>
 </file>
 
 <file path=ppt/slides/slide3.xml><?xml version="1.0" encoding="utf-8"?>
+<p:sld xmlns:a="http://schemas.openxmlformats.org/drawingml/2006/main" xmlns:r="http://schemas.openxmlformats.org/officeDocument/2006/relationships" xmlns:p="http://schemas.openxmlformats.org/presentationml/2006/main">
+  <p:cSld>
+    <p:bg>
+      <p:bgPr>
+        <a:solidFill>
+          <a:schemeClr val="bg1"/>
+        </a:solidFill>
+        <a:effectLst/>
+      </p:bgPr>
+    </p:bg>
+    <p:spTree>
+      <p:nvGrpSpPr>
+        <p:cNvPr id="1" name=""/>
+        <p:cNvGrpSpPr/>
+        <p:nvPr/>
+      </p:nvGrpSpPr>
+      <p:grpSpPr>
+        <a:xfrm>
+          <a:off x="0" y="0"/>
+          <a:ext cx="0" cy="0"/>
+          <a:chOff x="0" y="0"/>
+          <a:chExt cx="0" cy="0"/>
+        </a:xfrm>
+      </p:grpSpPr>
+      <p:pic>
+        <p:nvPicPr>
+          <p:cNvPr id="5" name="Picture 4" descr="Several ambulances parked on the street&#10;&#10;Description automatically generated">
+            <a:extLst>
+              <a:ext uri="{FF2B5EF4-FFF2-40B4-BE49-F238E27FC236}">
+                <a16:creationId xmlns:a16="http://schemas.microsoft.com/office/drawing/2014/main" id="{18009C22-F27C-B714-4A34-1C062B2421E1}"/>
+              </a:ext>
+            </a:extLst>
+          </p:cNvPr>
+          <p:cNvPicPr>
+            <a:picLocks noChangeAspect="1"/>
+          </p:cNvPicPr>
+          <p:nvPr/>
+        </p:nvPicPr>
+        <p:blipFill rotWithShape="1">
+          <a:blip r:embed="rId2">
+            <a:alphaModFix amt="25000"/>
+            <a:extLst>
+              <a:ext uri="{28A0092B-C50C-407E-A947-70E740481C1C}">
+                <a14:useLocalDpi xmlns:a14="http://schemas.microsoft.com/office/drawing/2010/main" val="0"/>
+              </a:ext>
+              <a:ext uri="{837473B0-CC2E-450A-ABE3-18F120FF3D39}">
+                <a1611:picAttrSrcUrl xmlns:a1611="http://schemas.microsoft.com/office/drawing/2016/11/main" r:id="rId3"/>
+              </a:ext>
+            </a:extLst>
+          </a:blip>
+          <a:srcRect t="6250"/>
+          <a:stretch/>
+        </p:blipFill>
+        <p:spPr>
+          <a:xfrm>
+            <a:off x="20" y="10"/>
+            <a:ext cx="12191980" cy="6857990"/>
+          </a:xfrm>
+          <a:prstGeom prst="rect">
+            <a:avLst/>
+          </a:prstGeom>
+        </p:spPr>
+      </p:pic>
+      <p:sp>
+        <p:nvSpPr>
+          <p:cNvPr id="2" name="Title 1">
+            <a:extLst>
+              <a:ext uri="{FF2B5EF4-FFF2-40B4-BE49-F238E27FC236}">
+                <a16:creationId xmlns:a16="http://schemas.microsoft.com/office/drawing/2014/main" id="{E75BC5F1-07C6-AB92-1D1B-5634E266BCB4}"/>
+              </a:ext>
+            </a:extLst>
+          </p:cNvPr>
+          <p:cNvSpPr>
+            <a:spLocks noGrp="1"/>
+          </p:cNvSpPr>
+          <p:nvPr>
+            <p:ph type="title"/>
+          </p:nvPr>
+        </p:nvSpPr>
+        <p:spPr>
+          <a:xfrm>
+            <a:off x="913795" y="96350"/>
+            <a:ext cx="10353762" cy="970450"/>
+          </a:xfrm>
+        </p:spPr>
+        <p:txBody>
+          <a:bodyPr>
+            <a:normAutofit/>
+          </a:bodyPr>
+          <a:lstStyle/>
+          <a:p>
+            <a:r>
+              <a:rPr lang="en-US" dirty="0">
+                <a:solidFill>
+                  <a:schemeClr val="tx1"/>
+                </a:solidFill>
+              </a:rPr>
+              <a:t>Career Highlights</a:t>
+            </a:r>
+          </a:p>
+        </p:txBody>
+      </p:sp>
+      <p:sp>
+        <p:nvSpPr>
+          <p:cNvPr id="3" name="Content Placeholder 2">
+            <a:extLst>
+              <a:ext uri="{FF2B5EF4-FFF2-40B4-BE49-F238E27FC236}">
+                <a16:creationId xmlns:a16="http://schemas.microsoft.com/office/drawing/2014/main" id="{8F619088-F1E6-63EB-4148-17DA661AF3D1}"/>
+              </a:ext>
+            </a:extLst>
+          </p:cNvPr>
+          <p:cNvSpPr>
+            <a:spLocks noGrp="1"/>
+          </p:cNvSpPr>
+          <p:nvPr>
+            <p:ph idx="1"/>
+          </p:nvPr>
+        </p:nvSpPr>
+        <p:spPr>
+          <a:xfrm>
+            <a:off x="913795" y="1732449"/>
+            <a:ext cx="10353762" cy="4058751"/>
+          </a:xfrm>
+        </p:spPr>
+        <p:txBody>
+          <a:bodyPr anchor="ctr">
+            <a:noAutofit/>
+          </a:bodyPr>
+          <a:lstStyle/>
+          <a:p>
+            <a:pPr marL="36900" indent="0" algn="just">
+              <a:lnSpc>
+                <a:spcPct val="90000"/>
+              </a:lnSpc>
+              <a:buNone/>
+            </a:pPr>
+            <a:r>
+              <a:rPr lang="en-US" sz="2200" dirty="0">
+                <a:solidFill>
+                  <a:schemeClr val="tx1"/>
+                </a:solidFill>
+              </a:rPr>
+              <a:t>Abdul Sattar Edhi started his career as a street hawker, selling pencils and matchboxes in Karachi, Pakistan. He then became a commission agent selling cloth in the wholesale market. After a few years, he left this occupation and decided to establish a free dispensary with the help of some members of his community and began providing emergency services to the people in need. His </a:t>
+            </a:r>
+            <a:r>
+              <a:rPr lang="en-US" sz="2200" kern="100" dirty="0">
+                <a:solidFill>
+                  <a:schemeClr val="tx1"/>
+                </a:solidFill>
+                <a:effectLst/>
+                <a:ea typeface="Calibri" panose="020F0502020204030204" pitchFamily="34" charset="0"/>
+                <a:cs typeface="Times New Roman" panose="02020603050405020304" pitchFamily="18" charset="0"/>
+              </a:rPr>
+              <a:t>charitable activities expanded greatly in 1957 when an Asian flu epidemic (originating in China) swept through Pakistan and the rest of the world.</a:t>
+            </a:r>
+          </a:p>
+          <a:p>
+            <a:pPr marL="36900" indent="0" algn="just">
+              <a:lnSpc>
+                <a:spcPct val="90000"/>
+              </a:lnSpc>
+              <a:buNone/>
+            </a:pPr>
+            <a:r>
+              <a:rPr lang="en-US" sz="2200" kern="100" dirty="0">
+                <a:solidFill>
+                  <a:schemeClr val="tx1"/>
+                </a:solidFill>
+                <a:effectLst/>
+                <a:ea typeface="Calibri" panose="020F0502020204030204" pitchFamily="34" charset="0"/>
+                <a:cs typeface="Times New Roman" panose="02020603050405020304" pitchFamily="18" charset="0"/>
+              </a:rPr>
+              <a:t>Over his lifetime, the Edhi Foundation expanded, backed entirely by private donations from Pakistani citizens across class, which included establishing a network of 1,800 ambulances. By the time of his death, Edhi was registered as a parent or guardian of nearly 20,000 adopted children.</a:t>
+            </a:r>
+          </a:p>
+          <a:p>
+            <a:pPr marL="36900" indent="0" algn="just">
+              <a:lnSpc>
+                <a:spcPct val="90000"/>
+              </a:lnSpc>
+              <a:buNone/>
+            </a:pPr>
+            <a:r>
+              <a:rPr lang="en-US" sz="2200" dirty="0">
+                <a:solidFill>
+                  <a:schemeClr val="tx1"/>
+                </a:solidFill>
+                <a:effectLst/>
+                <a:ea typeface="Calibri" panose="020F0502020204030204" pitchFamily="34" charset="0"/>
+              </a:rPr>
+              <a:t>He personally participated in many rescue and relief operations during natural disasters and wars, such as the 1970 Bhola cyclone, the 1974 famine in Ethiopia, the 1985 earthquake in Mexico, the 2005 earthquake in Pakistan, and the 2010 floods in Pakistan. </a:t>
+            </a:r>
+            <a:endParaRPr lang="en-US" sz="2200" kern="100" dirty="0">
+              <a:solidFill>
+                <a:schemeClr val="tx1"/>
+              </a:solidFill>
+              <a:effectLst/>
+              <a:ea typeface="Calibri" panose="020F0502020204030204" pitchFamily="34" charset="0"/>
+              <a:cs typeface="Times New Roman" panose="02020603050405020304" pitchFamily="18" charset="0"/>
+            </a:endParaRPr>
+          </a:p>
+        </p:txBody>
+      </p:sp>
+      <p:sp>
+        <p:nvSpPr>
+          <p:cNvPr id="6" name="TextBox 5">
+            <a:extLst>
+              <a:ext uri="{FF2B5EF4-FFF2-40B4-BE49-F238E27FC236}">
+                <a16:creationId xmlns:a16="http://schemas.microsoft.com/office/drawing/2014/main" id="{E4679B43-C5AB-2B4B-2A9A-FD250C7AC2EF}"/>
+              </a:ext>
+            </a:extLst>
+          </p:cNvPr>
+          <p:cNvSpPr txBox="1"/>
+          <p:nvPr/>
+        </p:nvSpPr>
+        <p:spPr>
+          <a:xfrm>
+            <a:off x="9812824" y="6657945"/>
+            <a:ext cx="2379176" cy="200055"/>
+          </a:xfrm>
+          <a:prstGeom prst="rect">
+            <a:avLst/>
+          </a:prstGeom>
+          <a:solidFill>
+            <a:srgbClr val="000000"/>
+          </a:solidFill>
+        </p:spPr>
+        <p:txBody>
+          <a:bodyPr wrap="none" rtlCol="0">
+            <a:spAutoFit/>
+          </a:bodyPr>
+          <a:lstStyle/>
+          <a:p>
+            <a:pPr algn="r">
+              <a:spcAft>
+                <a:spcPts val="600"/>
+              </a:spcAft>
+            </a:pPr>
+            <a:r>
+              <a:rPr lang="en-US" sz="700">
+                <a:solidFill>
+                  <a:srgbClr val="FFFFFF"/>
+                </a:solidFill>
+                <a:hlinkClick r:id="rId3" tooltip="https://thecognate.com/pakistans-edhi-foundation-offers-to-send-50-ambulances-to-help-india-fight-covid-19-surge/">
+                  <a:extLst>
+                    <a:ext uri="{A12FA001-AC4F-418D-AE19-62706E023703}">
+                      <ahyp:hlinkClr xmlns:ahyp="http://schemas.microsoft.com/office/drawing/2018/hyperlinkcolor" val="tx"/>
+                    </a:ext>
+                  </a:extLst>
+                </a:hlinkClick>
+              </a:rPr>
+              <a:t>This Photo</a:t>
+            </a:r>
+            <a:r>
+              <a:rPr lang="en-US" sz="700">
+                <a:solidFill>
+                  <a:srgbClr val="FFFFFF"/>
+                </a:solidFill>
+              </a:rPr>
+              <a:t> by Unknown Author is licensed under </a:t>
+            </a:r>
+            <a:r>
+              <a:rPr lang="en-US" sz="700">
+                <a:solidFill>
+                  <a:srgbClr val="FFFFFF"/>
+                </a:solidFill>
+                <a:hlinkClick r:id="rId4" tooltip="https://creativecommons.org/licenses/by/3.0/">
+                  <a:extLst>
+                    <a:ext uri="{A12FA001-AC4F-418D-AE19-62706E023703}">
+                      <ahyp:hlinkClr xmlns:ahyp="http://schemas.microsoft.com/office/drawing/2018/hyperlinkcolor" val="tx"/>
+                    </a:ext>
+                  </a:extLst>
+                </a:hlinkClick>
+              </a:rPr>
+              <a:t>CC BY</a:t>
+            </a:r>
+            <a:endParaRPr lang="en-US" sz="700">
+              <a:solidFill>
+                <a:srgbClr val="FFFFFF"/>
+              </a:solidFill>
+            </a:endParaRPr>
+          </a:p>
+        </p:txBody>
+      </p:sp>
+    </p:spTree>
+    <p:extLst>
+      <p:ext uri="{BB962C8B-B14F-4D97-AF65-F5344CB8AC3E}">
+        <p14:creationId xmlns:p14="http://schemas.microsoft.com/office/powerpoint/2010/main" val="3978235231"/>
+      </p:ext>
+    </p:extLst>
+  </p:cSld>
+  <p:clrMapOvr>
+    <a:masterClrMapping/>
+  </p:clrMapOvr>
+  <mc:AlternateContent xmlns:mc="http://schemas.openxmlformats.org/markup-compatibility/2006" xmlns:p14="http://schemas.microsoft.com/office/powerpoint/2010/main">
+    <mc:Choice Requires="p14">
+      <p:transition spd="med" p14:dur="700">
+        <p:fade/>
+      </p:transition>
+    </mc:Choice>
+    <mc:Fallback xmlns="">
+      <p:transition spd="med">
+        <p:fade/>
+      </p:transition>
+    </mc:Fallback>
+  </mc:AlternateContent>
+</p:sld>
+</file>
+
+<file path=ppt/slides/slide4.xml><?xml version="1.0" encoding="utf-8"?>
+<p:sld xmlns:a="http://schemas.openxmlformats.org/drawingml/2006/main" xmlns:r="http://schemas.openxmlformats.org/officeDocument/2006/relationships" xmlns:p="http://schemas.openxmlformats.org/presentationml/2006/main">
+  <p:cSld>
+    <p:bg>
+      <p:bgPr>
+        <a:blipFill rotWithShape="1">
+          <a:blip r:embed="rId2">
+            <a:duotone>
+              <a:schemeClr val="bg2">
+                <a:shade val="80000"/>
+                <a:lumMod val="80000"/>
+              </a:schemeClr>
+              <a:schemeClr val="bg2">
+                <a:tint val="98000"/>
+              </a:schemeClr>
+            </a:duotone>
+          </a:blip>
+          <a:stretch/>
+        </a:blipFill>
+        <a:effectLst/>
+      </p:bgPr>
+    </p:bg>
+    <p:spTree>
+      <p:nvGrpSpPr>
+        <p:cNvPr id="1" name=""/>
+        <p:cNvGrpSpPr/>
+        <p:nvPr/>
+      </p:nvGrpSpPr>
+      <p:grpSpPr>
+        <a:xfrm>
+          <a:off x="0" y="0"/>
+          <a:ext cx="0" cy="0"/>
+          <a:chOff x="0" y="0"/>
+          <a:chExt cx="0" cy="0"/>
+        </a:xfrm>
+      </p:grpSpPr>
+      <p:sp>
+        <p:nvSpPr>
+          <p:cNvPr id="2" name="Title 1">
+            <a:extLst>
+              <a:ext uri="{FF2B5EF4-FFF2-40B4-BE49-F238E27FC236}">
+                <a16:creationId xmlns:a16="http://schemas.microsoft.com/office/drawing/2014/main" id="{EBFB41BE-82A9-B5F9-BFFB-CCE7EBD57012}"/>
+              </a:ext>
+            </a:extLst>
+          </p:cNvPr>
+          <p:cNvSpPr>
+            <a:spLocks noGrp="1"/>
+          </p:cNvSpPr>
+          <p:nvPr>
+            <p:ph type="title"/>
+          </p:nvPr>
+        </p:nvSpPr>
+        <p:spPr>
+          <a:xfrm>
+            <a:off x="913795" y="609600"/>
+            <a:ext cx="10353762" cy="970450"/>
+          </a:xfrm>
+        </p:spPr>
+        <p:txBody>
+          <a:bodyPr>
+            <a:normAutofit/>
+          </a:bodyPr>
+          <a:lstStyle/>
+          <a:p>
+            <a:r>
+              <a:rPr lang="en-US" dirty="0">
+                <a:solidFill>
+                  <a:schemeClr val="tx1"/>
+                </a:solidFill>
+              </a:rPr>
+              <a:t>Obstacles</a:t>
+            </a:r>
+          </a:p>
+        </p:txBody>
+      </p:sp>
+      <p:graphicFrame>
+        <p:nvGraphicFramePr>
+          <p:cNvPr id="7" name="Content Placeholder 2">
+            <a:extLst>
+              <a:ext uri="{FF2B5EF4-FFF2-40B4-BE49-F238E27FC236}">
+                <a16:creationId xmlns:a16="http://schemas.microsoft.com/office/drawing/2014/main" id="{774055DC-D888-A395-8329-8AD37517A547}"/>
+              </a:ext>
+            </a:extLst>
+          </p:cNvPr>
+          <p:cNvGraphicFramePr>
+            <a:graphicFrameLocks noGrp="1"/>
+          </p:cNvGraphicFramePr>
+          <p:nvPr>
+            <p:ph idx="1"/>
+            <p:extLst>
+              <p:ext uri="{D42A27DB-BD31-4B8C-83A1-F6EECF244321}">
+                <p14:modId xmlns:p14="http://schemas.microsoft.com/office/powerpoint/2010/main" val="4067079184"/>
+              </p:ext>
+            </p:extLst>
+          </p:nvPr>
+        </p:nvGraphicFramePr>
+        <p:xfrm>
+          <a:off x="914400" y="1731963"/>
+          <a:ext cx="10353675" cy="4059237"/>
+        </p:xfrm>
+        <a:graphic>
+          <a:graphicData uri="http://schemas.openxmlformats.org/drawingml/2006/diagram">
+            <dgm:relIds xmlns:dgm="http://schemas.openxmlformats.org/drawingml/2006/diagram" xmlns:r="http://schemas.openxmlformats.org/officeDocument/2006/relationships" r:dm="rId3" r:lo="rId4" r:qs="rId5" r:cs="rId6"/>
+          </a:graphicData>
+        </a:graphic>
+      </p:graphicFrame>
+    </p:spTree>
+    <p:extLst>
+      <p:ext uri="{BB962C8B-B14F-4D97-AF65-F5344CB8AC3E}">
+        <p14:creationId xmlns:p14="http://schemas.microsoft.com/office/powerpoint/2010/main" val="2923404259"/>
+      </p:ext>
+    </p:extLst>
+  </p:cSld>
+  <p:clrMapOvr>
+    <a:masterClrMapping/>
+  </p:clrMapOvr>
+  <mc:AlternateContent xmlns:mc="http://schemas.openxmlformats.org/markup-compatibility/2006" xmlns:p14="http://schemas.microsoft.com/office/powerpoint/2010/main">
+    <mc:Choice Requires="p14">
+      <p:transition spd="med" p14:dur="700">
+        <p:fade/>
+      </p:transition>
+    </mc:Choice>
+    <mc:Fallback xmlns="">
+      <p:transition spd="med">
+        <p:fade/>
+      </p:transition>
+    </mc:Fallback>
+  </mc:AlternateContent>
+</p:sld>
+</file>
+
+<file path=ppt/slides/slide5.xml><?xml version="1.0" encoding="utf-8"?>
+<p:sld xmlns:a="http://schemas.openxmlformats.org/drawingml/2006/main" xmlns:r="http://schemas.openxmlformats.org/officeDocument/2006/relationships" xmlns:p="http://schemas.openxmlformats.org/presentationml/2006/main">
+  <p:cSld>
+    <p:bg>
+      <p:bgPr>
+        <a:solidFill>
+          <a:schemeClr val="bg1"/>
+        </a:solidFill>
+        <a:effectLst/>
+      </p:bgPr>
+    </p:bg>
+    <p:spTree>
+      <p:nvGrpSpPr>
+        <p:cNvPr id="1" name=""/>
+        <p:cNvGrpSpPr/>
+        <p:nvPr/>
+      </p:nvGrpSpPr>
+      <p:grpSpPr>
+        <a:xfrm>
+          <a:off x="0" y="0"/>
+          <a:ext cx="0" cy="0"/>
+          <a:chOff x="0" y="0"/>
+          <a:chExt cx="0" cy="0"/>
+        </a:xfrm>
+      </p:grpSpPr>
+      <p:pic>
+        <p:nvPicPr>
+          <p:cNvPr id="8" name="Picture 7" descr="A brown cardboard with white text&#10;&#10;Description automatically generated">
+            <a:extLst>
+              <a:ext uri="{FF2B5EF4-FFF2-40B4-BE49-F238E27FC236}">
+                <a16:creationId xmlns:a16="http://schemas.microsoft.com/office/drawing/2014/main" id="{434B2346-9215-BFDE-1C2F-5A0277FB31B9}"/>
+              </a:ext>
+            </a:extLst>
+          </p:cNvPr>
+          <p:cNvPicPr>
+            <a:picLocks noChangeAspect="1"/>
+          </p:cNvPicPr>
+          <p:nvPr/>
+        </p:nvPicPr>
+        <p:blipFill rotWithShape="1">
+          <a:blip r:embed="rId2">
+            <a:alphaModFix amt="25000"/>
+            <a:extLst>
+              <a:ext uri="{28A0092B-C50C-407E-A947-70E740481C1C}">
+                <a14:useLocalDpi xmlns:a14="http://schemas.microsoft.com/office/drawing/2010/main" val="0"/>
+              </a:ext>
+              <a:ext uri="{837473B0-CC2E-450A-ABE3-18F120FF3D39}">
+                <a1611:picAttrSrcUrl xmlns:a1611="http://schemas.microsoft.com/office/drawing/2016/11/main" r:id="rId3"/>
+              </a:ext>
+            </a:extLst>
+          </a:blip>
+          <a:srcRect b="2174"/>
+          <a:stretch/>
+        </p:blipFill>
+        <p:spPr>
+          <a:xfrm>
+            <a:off x="20" y="10"/>
+            <a:ext cx="12191980" cy="6857990"/>
+          </a:xfrm>
+          <a:prstGeom prst="rect">
+            <a:avLst/>
+          </a:prstGeom>
+        </p:spPr>
+      </p:pic>
+      <p:sp>
+        <p:nvSpPr>
+          <p:cNvPr id="2" name="Title 1">
+            <a:extLst>
+              <a:ext uri="{FF2B5EF4-FFF2-40B4-BE49-F238E27FC236}">
+                <a16:creationId xmlns:a16="http://schemas.microsoft.com/office/drawing/2014/main" id="{8A9A2E53-0857-2606-7865-D3655259F500}"/>
+              </a:ext>
+            </a:extLst>
+          </p:cNvPr>
+          <p:cNvSpPr>
+            <a:spLocks noGrp="1"/>
+          </p:cNvSpPr>
+          <p:nvPr>
+            <p:ph type="title"/>
+          </p:nvPr>
+        </p:nvSpPr>
+        <p:spPr>
+          <a:xfrm>
+            <a:off x="913795" y="488446"/>
+            <a:ext cx="10353762" cy="970450"/>
+          </a:xfrm>
+        </p:spPr>
+        <p:txBody>
+          <a:bodyPr>
+            <a:normAutofit/>
+          </a:bodyPr>
+          <a:lstStyle/>
+          <a:p>
+            <a:r>
+              <a:rPr lang="en-US" dirty="0">
+                <a:solidFill>
+                  <a:schemeClr val="tx1"/>
+                </a:solidFill>
+              </a:rPr>
+              <a:t>What inspired him?</a:t>
+            </a:r>
+          </a:p>
+        </p:txBody>
+      </p:sp>
+      <p:sp>
+        <p:nvSpPr>
+          <p:cNvPr id="3" name="Content Placeholder 2">
+            <a:extLst>
+              <a:ext uri="{FF2B5EF4-FFF2-40B4-BE49-F238E27FC236}">
+                <a16:creationId xmlns:a16="http://schemas.microsoft.com/office/drawing/2014/main" id="{88BEF33D-76D8-B4E2-2032-0BA40F2F89F5}"/>
+              </a:ext>
+            </a:extLst>
+          </p:cNvPr>
+          <p:cNvSpPr>
+            <a:spLocks noGrp="1"/>
+          </p:cNvSpPr>
+          <p:nvPr>
+            <p:ph idx="1"/>
+          </p:nvPr>
+        </p:nvSpPr>
+        <p:spPr>
+          <a:xfrm>
+            <a:off x="913795" y="2029045"/>
+            <a:ext cx="10353762" cy="4058751"/>
+          </a:xfrm>
+        </p:spPr>
+        <p:txBody>
+          <a:bodyPr anchor="ctr">
+            <a:noAutofit/>
+          </a:bodyPr>
+          <a:lstStyle/>
+          <a:p>
+            <a:pPr marL="36900" indent="0" algn="just">
+              <a:lnSpc>
+                <a:spcPct val="90000"/>
+              </a:lnSpc>
+              <a:buNone/>
+            </a:pPr>
+            <a:r>
+              <a:rPr lang="en-US" dirty="0">
+                <a:solidFill>
+                  <a:schemeClr val="tx1"/>
+                </a:solidFill>
+                <a:effectLst/>
+              </a:rPr>
+              <a:t>His mother was his first inspiration who taught him to be kind and generous towards the poor and needy. She also gave him a small amount of money every day to help someone in need. She suffered from paralysis and mental illness for eight years before she died, which made him more compassionate towards the sick and disabled.</a:t>
+            </a:r>
+          </a:p>
+          <a:p>
+            <a:pPr marL="36900" indent="0" algn="just">
+              <a:lnSpc>
+                <a:spcPct val="90000"/>
+              </a:lnSpc>
+              <a:buNone/>
+            </a:pPr>
+            <a:r>
+              <a:rPr lang="en-US" dirty="0">
+                <a:solidFill>
+                  <a:schemeClr val="tx1"/>
+                </a:solidFill>
+                <a:effectLst/>
+              </a:rPr>
+              <a:t>His wife Bilquis Edhi supported him in his mission and shared his vision. She was a nurse who joined his foundation as a volunteer and later became his partner in life and work. She helped him run the maternity homes, adoption centers, women's shelters, and nursing homes that catered to women and children. She also accompanied him on many rescue missions and relief operations. She was awarded the Mother Teresa Award for Social Justice in 2015 for her humanitarian work.</a:t>
+            </a:r>
+          </a:p>
+          <a:p>
+            <a:pPr marL="36900" indent="0" algn="just">
+              <a:lnSpc>
+                <a:spcPct val="90000"/>
+              </a:lnSpc>
+              <a:buNone/>
+            </a:pPr>
+            <a:r>
+              <a:rPr lang="en-US" dirty="0">
+                <a:solidFill>
+                  <a:schemeClr val="tx1"/>
+                </a:solidFill>
+                <a:effectLst/>
+                <a:ea typeface="Calibri" panose="020F0502020204030204" pitchFamily="34" charset="0"/>
+              </a:rPr>
+              <a:t>He believed that all human beings are equal and deserve respect and dignity regardless of their religion, caste, or creed. He followed the principle of "service to humanity is service to God" and considered himself a "practical Muslim". He said that he did not need any mosque or temple to pray; he prayed with his actions by helping others. </a:t>
+            </a:r>
+            <a:endParaRPr lang="en-US" kern="100" dirty="0">
+              <a:solidFill>
+                <a:schemeClr val="tx1"/>
+              </a:solidFill>
+              <a:effectLst/>
+              <a:ea typeface="Calibri" panose="020F0502020204030204" pitchFamily="34" charset="0"/>
+              <a:cs typeface="Times New Roman" panose="02020603050405020304" pitchFamily="18" charset="0"/>
+            </a:endParaRPr>
+          </a:p>
+          <a:p>
+            <a:pPr marL="36900" indent="0">
+              <a:lnSpc>
+                <a:spcPct val="90000"/>
+              </a:lnSpc>
+              <a:buNone/>
+            </a:pPr>
+            <a:endParaRPr lang="en-US" dirty="0">
+              <a:solidFill>
+                <a:schemeClr val="tx1"/>
+              </a:solidFill>
+              <a:effectLst/>
+            </a:endParaRPr>
+          </a:p>
+        </p:txBody>
+      </p:sp>
+      <p:sp>
+        <p:nvSpPr>
+          <p:cNvPr id="9" name="TextBox 8">
+            <a:extLst>
+              <a:ext uri="{FF2B5EF4-FFF2-40B4-BE49-F238E27FC236}">
+                <a16:creationId xmlns:a16="http://schemas.microsoft.com/office/drawing/2014/main" id="{199189AE-1C4A-AA1C-E847-2CF02F1C72A5}"/>
+              </a:ext>
+            </a:extLst>
+          </p:cNvPr>
+          <p:cNvSpPr txBox="1"/>
+          <p:nvPr/>
+        </p:nvSpPr>
+        <p:spPr>
+          <a:xfrm>
+            <a:off x="9476193" y="6657945"/>
+            <a:ext cx="2715807" cy="200055"/>
+          </a:xfrm>
+          <a:prstGeom prst="rect">
+            <a:avLst/>
+          </a:prstGeom>
+          <a:solidFill>
+            <a:srgbClr val="000000"/>
+          </a:solidFill>
+        </p:spPr>
+        <p:txBody>
+          <a:bodyPr wrap="none" rtlCol="0">
+            <a:spAutoFit/>
+          </a:bodyPr>
+          <a:lstStyle/>
+          <a:p>
+            <a:pPr algn="r">
+              <a:spcAft>
+                <a:spcPts val="600"/>
+              </a:spcAft>
+            </a:pPr>
+            <a:r>
+              <a:rPr lang="en-US" sz="700">
+                <a:solidFill>
+                  <a:srgbClr val="FFFFFF"/>
+                </a:solidFill>
+                <a:hlinkClick r:id="rId3" tooltip="https://theworldofrandomthings.blogspot.com/2015/06/lets-just-preach-humanity.html">
+                  <a:extLst>
+                    <a:ext uri="{A12FA001-AC4F-418D-AE19-62706E023703}">
+                      <ahyp:hlinkClr xmlns:ahyp="http://schemas.microsoft.com/office/drawing/2018/hyperlinkcolor" val="tx"/>
+                    </a:ext>
+                  </a:extLst>
+                </a:hlinkClick>
+              </a:rPr>
+              <a:t>This Photo</a:t>
+            </a:r>
+            <a:r>
+              <a:rPr lang="en-US" sz="700">
+                <a:solidFill>
+                  <a:srgbClr val="FFFFFF"/>
+                </a:solidFill>
+              </a:rPr>
+              <a:t> by Unknown Author is licensed under </a:t>
+            </a:r>
+            <a:r>
+              <a:rPr lang="en-US" sz="700">
+                <a:solidFill>
+                  <a:srgbClr val="FFFFFF"/>
+                </a:solidFill>
+                <a:hlinkClick r:id="rId4" tooltip="https://creativecommons.org/licenses/by-nc-nd/3.0/">
+                  <a:extLst>
+                    <a:ext uri="{A12FA001-AC4F-418D-AE19-62706E023703}">
+                      <ahyp:hlinkClr xmlns:ahyp="http://schemas.microsoft.com/office/drawing/2018/hyperlinkcolor" val="tx"/>
+                    </a:ext>
+                  </a:extLst>
+                </a:hlinkClick>
+              </a:rPr>
+              <a:t>CC BY-NC-ND</a:t>
+            </a:r>
+            <a:endParaRPr lang="en-US" sz="700">
+              <a:solidFill>
+                <a:srgbClr val="FFFFFF"/>
+              </a:solidFill>
+            </a:endParaRPr>
+          </a:p>
+        </p:txBody>
+      </p:sp>
+    </p:spTree>
+    <p:extLst>
+      <p:ext uri="{BB962C8B-B14F-4D97-AF65-F5344CB8AC3E}">
+        <p14:creationId xmlns:p14="http://schemas.microsoft.com/office/powerpoint/2010/main" val="4077827940"/>
+      </p:ext>
+    </p:extLst>
+  </p:cSld>
+  <p:clrMapOvr>
+    <a:masterClrMapping/>
+  </p:clrMapOvr>
+  <mc:AlternateContent xmlns:mc="http://schemas.openxmlformats.org/markup-compatibility/2006" xmlns:p14="http://schemas.microsoft.com/office/powerpoint/2010/main">
+    <mc:Choice Requires="p14">
+      <p:transition spd="med" p14:dur="700">
+        <p:fade/>
+      </p:transition>
+    </mc:Choice>
+    <mc:Fallback xmlns="">
+      <p:transition spd="med">
+        <p:fade/>
+      </p:transition>
+    </mc:Fallback>
+  </mc:AlternateContent>
+</p:sld>
+</file>
+
+<file path=ppt/slides/slide6.xml><?xml version="1.0" encoding="utf-8"?>
+<p:sld xmlns:a="http://schemas.openxmlformats.org/drawingml/2006/main" xmlns:r="http://schemas.openxmlformats.org/officeDocument/2006/relationships" xmlns:p="http://schemas.openxmlformats.org/presentationml/2006/main">
+  <p:cSld>
+    <p:bg>
+      <p:bgPr>
+        <a:blipFill rotWithShape="1">
+          <a:blip r:embed="rId2">
+            <a:duotone>
+              <a:schemeClr val="bg2">
+                <a:shade val="80000"/>
+                <a:lumMod val="80000"/>
+              </a:schemeClr>
+              <a:schemeClr val="bg2">
+                <a:tint val="98000"/>
+              </a:schemeClr>
+            </a:duotone>
+          </a:blip>
+          <a:stretch/>
+        </a:blipFill>
+        <a:effectLst/>
+      </p:bgPr>
+    </p:bg>
+    <p:spTree>
+      <p:nvGrpSpPr>
+        <p:cNvPr id="1" name=""/>
+        <p:cNvGrpSpPr/>
+        <p:nvPr/>
+      </p:nvGrpSpPr>
+      <p:grpSpPr>
+        <a:xfrm>
+          <a:off x="0" y="0"/>
+          <a:ext cx="0" cy="0"/>
+          <a:chOff x="0" y="0"/>
+          <a:chExt cx="0" cy="0"/>
+        </a:xfrm>
+      </p:grpSpPr>
+      <p:sp>
+        <p:nvSpPr>
+          <p:cNvPr id="2" name="Title 1">
+            <a:extLst>
+              <a:ext uri="{FF2B5EF4-FFF2-40B4-BE49-F238E27FC236}">
+                <a16:creationId xmlns:a16="http://schemas.microsoft.com/office/drawing/2014/main" id="{41161D51-D4EA-4EC2-C792-87ACDBB2D372}"/>
+              </a:ext>
+            </a:extLst>
+          </p:cNvPr>
+          <p:cNvSpPr>
+            <a:spLocks noGrp="1"/>
+          </p:cNvSpPr>
+          <p:nvPr>
+            <p:ph type="title"/>
+          </p:nvPr>
+        </p:nvSpPr>
+        <p:spPr>
+          <a:xfrm>
+            <a:off x="2933981" y="109870"/>
+            <a:ext cx="5978072" cy="1329596"/>
+          </a:xfrm>
+        </p:spPr>
+        <p:txBody>
+          <a:bodyPr>
+            <a:normAutofit/>
+          </a:bodyPr>
+          <a:lstStyle/>
+          <a:p>
+            <a:r>
+              <a:rPr lang="en-US" dirty="0">
+                <a:solidFill>
+                  <a:schemeClr val="tx1"/>
+                </a:solidFill>
+                <a:effectLst/>
+                <a:ea typeface="Times New Roman" panose="02020603050405020304" pitchFamily="18" charset="0"/>
+                <a:cs typeface="Times New Roman" panose="02020603050405020304" pitchFamily="18" charset="0"/>
+              </a:rPr>
+              <a:t>Achievements</a:t>
+            </a:r>
+            <a:endParaRPr lang="en-US" dirty="0">
+              <a:solidFill>
+                <a:schemeClr val="tx1"/>
+              </a:solidFill>
+            </a:endParaRPr>
+          </a:p>
+        </p:txBody>
+      </p:sp>
+      <p:sp>
+        <p:nvSpPr>
+          <p:cNvPr id="3" name="Content Placeholder 2">
+            <a:extLst>
+              <a:ext uri="{FF2B5EF4-FFF2-40B4-BE49-F238E27FC236}">
+                <a16:creationId xmlns:a16="http://schemas.microsoft.com/office/drawing/2014/main" id="{9CB7839C-6FA1-7BF9-5650-65D3E722546B}"/>
+              </a:ext>
+            </a:extLst>
+          </p:cNvPr>
+          <p:cNvSpPr>
+            <a:spLocks noGrp="1"/>
+          </p:cNvSpPr>
+          <p:nvPr>
+            <p:ph idx="1"/>
+          </p:nvPr>
+        </p:nvSpPr>
+        <p:spPr>
+          <a:xfrm>
+            <a:off x="913795" y="2665766"/>
+            <a:ext cx="5978072" cy="3783994"/>
+          </a:xfrm>
+        </p:spPr>
+        <p:txBody>
+          <a:bodyPr anchor="ctr">
+            <a:noAutofit/>
+          </a:bodyPr>
+          <a:lstStyle/>
+          <a:p>
+            <a:pPr marL="36900" indent="0">
+              <a:lnSpc>
+                <a:spcPct val="90000"/>
+              </a:lnSpc>
+              <a:buClr>
+                <a:srgbClr val="F061D3"/>
+              </a:buClr>
+              <a:buNone/>
+            </a:pPr>
+            <a:r>
+              <a:rPr lang="en-US" kern="100" dirty="0">
+                <a:solidFill>
+                  <a:schemeClr val="tx1"/>
+                </a:solidFill>
+                <a:effectLst/>
+                <a:latin typeface="+mj-lt"/>
+                <a:ea typeface="Calibri" panose="020F0502020204030204" pitchFamily="34" charset="0"/>
+                <a:cs typeface="Times New Roman" panose="02020603050405020304" pitchFamily="18" charset="0"/>
+              </a:rPr>
+              <a:t>He received many awards and honors for his humanitarian services, both nationally and internationally. Some of them are:</a:t>
+            </a:r>
+          </a:p>
+          <a:p>
+            <a:pPr>
+              <a:lnSpc>
+                <a:spcPct val="90000"/>
+              </a:lnSpc>
+              <a:buClr>
+                <a:srgbClr val="F061D3"/>
+              </a:buClr>
+            </a:pPr>
+            <a:r>
+              <a:rPr lang="en-US" kern="100" dirty="0">
+                <a:solidFill>
+                  <a:schemeClr val="tx1"/>
+                </a:solidFill>
+                <a:effectLst/>
+                <a:latin typeface="+mj-lt"/>
+                <a:ea typeface="Calibri" panose="020F0502020204030204" pitchFamily="34" charset="0"/>
+                <a:cs typeface="Times New Roman" panose="02020603050405020304" pitchFamily="18" charset="0"/>
+              </a:rPr>
+              <a:t>The Ramon Magsaysay Award for Public Service in 1986</a:t>
+            </a:r>
+          </a:p>
+          <a:p>
+            <a:pPr>
+              <a:lnSpc>
+                <a:spcPct val="90000"/>
+              </a:lnSpc>
+              <a:buClr>
+                <a:srgbClr val="F061D3"/>
+              </a:buClr>
+            </a:pPr>
+            <a:r>
+              <a:rPr lang="en-US" kern="100" dirty="0">
+                <a:solidFill>
+                  <a:schemeClr val="tx1"/>
+                </a:solidFill>
+                <a:effectLst/>
+                <a:latin typeface="+mj-lt"/>
+                <a:ea typeface="Calibri" panose="020F0502020204030204" pitchFamily="34" charset="0"/>
+                <a:cs typeface="Times New Roman" panose="02020603050405020304" pitchFamily="18" charset="0"/>
+              </a:rPr>
+              <a:t>The Nishan-e-Imtiaz in 1989</a:t>
+            </a:r>
+          </a:p>
+          <a:p>
+            <a:pPr>
+              <a:lnSpc>
+                <a:spcPct val="90000"/>
+              </a:lnSpc>
+              <a:buClr>
+                <a:srgbClr val="F061D3"/>
+              </a:buClr>
+            </a:pPr>
+            <a:r>
+              <a:rPr lang="en-US" kern="100" dirty="0">
+                <a:solidFill>
+                  <a:schemeClr val="tx1"/>
+                </a:solidFill>
+                <a:effectLst/>
+                <a:latin typeface="+mj-lt"/>
+                <a:ea typeface="Calibri" panose="020F0502020204030204" pitchFamily="34" charset="0"/>
+                <a:cs typeface="Times New Roman" panose="02020603050405020304" pitchFamily="18" charset="0"/>
+              </a:rPr>
+              <a:t>The Lenin Peace Prize in 1992</a:t>
+            </a:r>
+          </a:p>
+          <a:p>
+            <a:pPr>
+              <a:lnSpc>
+                <a:spcPct val="90000"/>
+              </a:lnSpc>
+              <a:buClr>
+                <a:srgbClr val="F061D3"/>
+              </a:buClr>
+            </a:pPr>
+            <a:r>
+              <a:rPr lang="en-US" kern="100" dirty="0">
+                <a:solidFill>
+                  <a:schemeClr val="tx1"/>
+                </a:solidFill>
+                <a:effectLst/>
+                <a:latin typeface="+mj-lt"/>
+                <a:ea typeface="Calibri" panose="020F0502020204030204" pitchFamily="34" charset="0"/>
+                <a:cs typeface="Times New Roman" panose="02020603050405020304" pitchFamily="18" charset="0"/>
+              </a:rPr>
+              <a:t>Wolf of </a:t>
+            </a:r>
+            <a:r>
+              <a:rPr lang="en-US" kern="100" dirty="0" err="1">
+                <a:solidFill>
+                  <a:schemeClr val="tx1"/>
+                </a:solidFill>
+                <a:effectLst/>
+                <a:latin typeface="+mj-lt"/>
+                <a:ea typeface="Calibri" panose="020F0502020204030204" pitchFamily="34" charset="0"/>
+                <a:cs typeface="Times New Roman" panose="02020603050405020304" pitchFamily="18" charset="0"/>
+              </a:rPr>
+              <a:t>Bhogio</a:t>
+            </a:r>
+            <a:r>
+              <a:rPr lang="en-US" kern="100" dirty="0">
+                <a:solidFill>
+                  <a:schemeClr val="tx1"/>
+                </a:solidFill>
+                <a:effectLst/>
+                <a:latin typeface="+mj-lt"/>
+                <a:ea typeface="Calibri" panose="020F0502020204030204" pitchFamily="34" charset="0"/>
+                <a:cs typeface="Times New Roman" panose="02020603050405020304" pitchFamily="18" charset="0"/>
+              </a:rPr>
+              <a:t> Peace Award (2005)</a:t>
+            </a:r>
+          </a:p>
+          <a:p>
+            <a:pPr>
+              <a:lnSpc>
+                <a:spcPct val="90000"/>
+              </a:lnSpc>
+              <a:buClr>
+                <a:srgbClr val="F061D3"/>
+              </a:buClr>
+            </a:pPr>
+            <a:r>
+              <a:rPr lang="en-US" kern="100" dirty="0">
+                <a:solidFill>
+                  <a:schemeClr val="tx1"/>
+                </a:solidFill>
+                <a:effectLst/>
+                <a:latin typeface="+mj-lt"/>
+                <a:ea typeface="Calibri" panose="020F0502020204030204" pitchFamily="34" charset="0"/>
+                <a:cs typeface="Times New Roman" panose="02020603050405020304" pitchFamily="18" charset="0"/>
+              </a:rPr>
+              <a:t>The Gandhi Peace Award in 2007</a:t>
+            </a:r>
+          </a:p>
+          <a:p>
+            <a:pPr>
+              <a:lnSpc>
+                <a:spcPct val="90000"/>
+              </a:lnSpc>
+              <a:buClr>
+                <a:srgbClr val="F061D3"/>
+              </a:buClr>
+            </a:pPr>
+            <a:r>
+              <a:rPr lang="en-US" kern="100" dirty="0">
+                <a:solidFill>
+                  <a:schemeClr val="tx1"/>
+                </a:solidFill>
+                <a:effectLst/>
+                <a:latin typeface="+mj-lt"/>
+                <a:ea typeface="Calibri" panose="020F0502020204030204" pitchFamily="34" charset="0"/>
+                <a:cs typeface="Times New Roman" panose="02020603050405020304" pitchFamily="18" charset="0"/>
+              </a:rPr>
+              <a:t>UNESCO-</a:t>
+            </a:r>
+            <a:r>
+              <a:rPr lang="en-US" kern="100" dirty="0" err="1">
+                <a:solidFill>
+                  <a:schemeClr val="tx1"/>
+                </a:solidFill>
+                <a:effectLst/>
+                <a:latin typeface="+mj-lt"/>
+                <a:ea typeface="Calibri" panose="020F0502020204030204" pitchFamily="34" charset="0"/>
+                <a:cs typeface="Times New Roman" panose="02020603050405020304" pitchFamily="18" charset="0"/>
+              </a:rPr>
+              <a:t>Madanjeet</a:t>
+            </a:r>
+            <a:r>
+              <a:rPr lang="en-US" kern="100" dirty="0">
+                <a:solidFill>
+                  <a:schemeClr val="tx1"/>
+                </a:solidFill>
+                <a:effectLst/>
+                <a:latin typeface="+mj-lt"/>
+                <a:ea typeface="Calibri" panose="020F0502020204030204" pitchFamily="34" charset="0"/>
+                <a:cs typeface="Times New Roman" panose="02020603050405020304" pitchFamily="18" charset="0"/>
+              </a:rPr>
+              <a:t> Singh Prize</a:t>
+            </a:r>
+          </a:p>
+          <a:p>
+            <a:pPr>
+              <a:lnSpc>
+                <a:spcPct val="90000"/>
+              </a:lnSpc>
+              <a:buClr>
+                <a:srgbClr val="F061D3"/>
+              </a:buClr>
+            </a:pPr>
+            <a:r>
+              <a:rPr lang="en-US" kern="100" dirty="0">
+                <a:solidFill>
+                  <a:schemeClr val="tx1"/>
+                </a:solidFill>
+                <a:effectLst/>
+                <a:latin typeface="+mj-lt"/>
+                <a:ea typeface="Calibri" panose="020F0502020204030204" pitchFamily="34" charset="0"/>
+                <a:cs typeface="Times New Roman" panose="02020603050405020304" pitchFamily="18" charset="0"/>
+              </a:rPr>
+              <a:t>He was also nominated several times for the Nobel Peace Prize.</a:t>
+            </a:r>
+          </a:p>
+          <a:p>
+            <a:pPr>
+              <a:lnSpc>
+                <a:spcPct val="90000"/>
+              </a:lnSpc>
+              <a:buClr>
+                <a:srgbClr val="F061D3"/>
+              </a:buClr>
+            </a:pPr>
+            <a:endParaRPr lang="en-US" kern="100" dirty="0">
+              <a:solidFill>
+                <a:schemeClr val="tx1"/>
+              </a:solidFill>
+              <a:effectLst/>
+              <a:latin typeface="+mj-lt"/>
+              <a:ea typeface="Calibri" panose="020F0502020204030204" pitchFamily="34" charset="0"/>
+              <a:cs typeface="Times New Roman" panose="02020603050405020304" pitchFamily="18" charset="0"/>
+            </a:endParaRPr>
+          </a:p>
+          <a:p>
+            <a:pPr>
+              <a:lnSpc>
+                <a:spcPct val="90000"/>
+              </a:lnSpc>
+              <a:buClr>
+                <a:srgbClr val="F061D3"/>
+              </a:buClr>
+            </a:pPr>
+            <a:endParaRPr lang="en-US" kern="100" dirty="0">
+              <a:solidFill>
+                <a:schemeClr val="tx1"/>
+              </a:solidFill>
+              <a:effectLst/>
+              <a:latin typeface="+mj-lt"/>
+              <a:ea typeface="Calibri" panose="020F0502020204030204" pitchFamily="34" charset="0"/>
+              <a:cs typeface="Times New Roman" panose="02020603050405020304" pitchFamily="18" charset="0"/>
+            </a:endParaRPr>
+          </a:p>
+          <a:p>
+            <a:pPr>
+              <a:lnSpc>
+                <a:spcPct val="90000"/>
+              </a:lnSpc>
+              <a:buClr>
+                <a:srgbClr val="F061D3"/>
+              </a:buClr>
+            </a:pPr>
+            <a:endParaRPr lang="en-US" dirty="0">
+              <a:solidFill>
+                <a:schemeClr val="tx1"/>
+              </a:solidFill>
+              <a:latin typeface="+mj-lt"/>
+            </a:endParaRPr>
+          </a:p>
+        </p:txBody>
+      </p:sp>
+      <p:pic>
+        <p:nvPicPr>
+          <p:cNvPr id="10" name="Picture 9">
+            <a:extLst>
+              <a:ext uri="{FF2B5EF4-FFF2-40B4-BE49-F238E27FC236}">
+                <a16:creationId xmlns:a16="http://schemas.microsoft.com/office/drawing/2014/main" id="{7AEE9CAC-347C-43C2-AE87-6BC5566E6068}"/>
+              </a:ext>
+              <a:ext uri="{C183D7F6-B498-43B3-948B-1728B52AA6E4}">
+                <adec:decorative xmlns:adec="http://schemas.microsoft.com/office/drawing/2017/decorative" val="1"/>
+              </a:ext>
+            </a:extLst>
+          </p:cNvPr>
+          <p:cNvPicPr>
+            <a:picLocks noGrp="1" noRot="1" noChangeAspect="1" noMove="1" noResize="1" noEditPoints="1" noAdjustHandles="1" noChangeArrowheads="1" noChangeShapeType="1" noCrop="1"/>
+          </p:cNvPicPr>
+          <p:nvPr>
+            <p:extLst>
+              <p:ext uri="{386F3935-93C4-4BCD-93E2-E3B085C9AB24}">
+                <p16:designElem xmlns:p16="http://schemas.microsoft.com/office/powerpoint/2015/main" val="1"/>
+              </p:ext>
+            </p:extLst>
+          </p:nvPr>
+        </p:nvPicPr>
+        <p:blipFill rotWithShape="1">
+          <a:blip r:embed="rId3">
+            <a:extLst>
+              <a:ext uri="{28A0092B-C50C-407E-A947-70E740481C1C}">
+                <a14:useLocalDpi xmlns:a14="http://schemas.microsoft.com/office/drawing/2010/main" val="0"/>
+              </a:ext>
+            </a:extLst>
+          </a:blip>
+          <a:srcRect t="964" r="2807" b="1446"/>
+          <a:stretch/>
+        </p:blipFill>
+        <p:spPr>
+          <a:xfrm>
+            <a:off x="7232905" y="1"/>
+            <a:ext cx="4959095" cy="6858000"/>
+          </a:xfrm>
+          <a:prstGeom prst="rect">
+            <a:avLst/>
+          </a:prstGeom>
+        </p:spPr>
+      </p:pic>
+      <p:pic>
+        <p:nvPicPr>
+          <p:cNvPr id="5" name="Picture 4" descr="A group of men wearing graduation gowns&#10;&#10;Description automatically generated">
+            <a:extLst>
+              <a:ext uri="{FF2B5EF4-FFF2-40B4-BE49-F238E27FC236}">
+                <a16:creationId xmlns:a16="http://schemas.microsoft.com/office/drawing/2014/main" id="{38882DBF-38B8-9CA3-6F87-E55D9093070E}"/>
+              </a:ext>
+            </a:extLst>
+          </p:cNvPr>
+          <p:cNvPicPr>
+            <a:picLocks noChangeAspect="1"/>
+          </p:cNvPicPr>
+          <p:nvPr/>
+        </p:nvPicPr>
+        <p:blipFill>
+          <a:blip r:embed="rId4">
+            <a:extLst>
+              <a:ext uri="{28A0092B-C50C-407E-A947-70E740481C1C}">
+                <a14:useLocalDpi xmlns:a14="http://schemas.microsoft.com/office/drawing/2010/main" val="0"/>
+              </a:ext>
+            </a:extLst>
+          </a:blip>
+          <a:stretch>
+            <a:fillRect/>
+          </a:stretch>
+        </p:blipFill>
+        <p:spPr>
+          <a:xfrm>
+            <a:off x="7552945" y="1910854"/>
+            <a:ext cx="3995592" cy="2568594"/>
+          </a:xfrm>
+          <a:prstGeom prst="rect">
+            <a:avLst/>
+          </a:prstGeom>
+        </p:spPr>
+      </p:pic>
+    </p:spTree>
+    <p:extLst>
+      <p:ext uri="{BB962C8B-B14F-4D97-AF65-F5344CB8AC3E}">
+        <p14:creationId xmlns:p14="http://schemas.microsoft.com/office/powerpoint/2010/main" val="2302205111"/>
+      </p:ext>
+    </p:extLst>
+  </p:cSld>
+  <p:clrMapOvr>
+    <a:masterClrMapping/>
+  </p:clrMapOvr>
+  <mc:AlternateContent xmlns:mc="http://schemas.openxmlformats.org/markup-compatibility/2006" xmlns:p14="http://schemas.microsoft.com/office/powerpoint/2010/main">
+    <mc:Choice Requires="p14">
+      <p:transition spd="med" p14:dur="700">
+        <p:fade/>
+      </p:transition>
+    </mc:Choice>
+    <mc:Fallback xmlns="">
+      <p:transition spd="med">
+        <p:fade/>
+      </p:transition>
+    </mc:Fallback>
+  </mc:AlternateContent>
+</p:sld>
+</file>
+
+<file path=ppt/slides/slide7.xml><?xml version="1.0" encoding="utf-8"?>
 <p:sld xmlns:a="http://schemas.openxmlformats.org/drawingml/2006/main" xmlns:r="http://schemas.openxmlformats.org/officeDocument/2006/relationships" xmlns:p="http://schemas.openxmlformats.org/presentationml/2006/main">
   <p:cSld>
     <p:spTree>
@@ -6199,7 +10706,7 @@
           <p:cNvPr id="2" name="Title 1">
             <a:extLst>
               <a:ext uri="{FF2B5EF4-FFF2-40B4-BE49-F238E27FC236}">
-                <a16:creationId xmlns:a16="http://schemas.microsoft.com/office/drawing/2014/main" id="{F727873C-A880-49DA-17BC-F006241FF83C}"/>
+                <a16:creationId xmlns:a16="http://schemas.microsoft.com/office/drawing/2014/main" id="{EB024442-EAD5-D4BC-CCA3-E307CB50608C}"/>
               </a:ext>
             </a:extLst>
           </p:cNvPr>
@@ -6210,14 +10717,23 @@
             <p:ph type="title"/>
           </p:nvPr>
         </p:nvSpPr>
-        <p:spPr/>
+        <p:spPr>
+          <a:xfrm>
+            <a:off x="913795" y="971107"/>
+            <a:ext cx="10353762" cy="970450"/>
+          </a:xfrm>
+        </p:spPr>
         <p:txBody>
           <a:bodyPr/>
           <a:lstStyle/>
           <a:p>
             <a:r>
-              <a:rPr lang="en-US" dirty="0"/>
-              <a:t>Struggles</a:t>
+              <a:rPr lang="en-US" dirty="0">
+                <a:solidFill>
+                  <a:schemeClr val="tx1"/>
+                </a:solidFill>
+              </a:rPr>
+              <a:t>Conclusion</a:t>
             </a:r>
           </a:p>
         </p:txBody>
@@ -6227,7 +10743,7 @@
           <p:cNvPr id="3" name="Content Placeholder 2">
             <a:extLst>
               <a:ext uri="{FF2B5EF4-FFF2-40B4-BE49-F238E27FC236}">
-                <a16:creationId xmlns:a16="http://schemas.microsoft.com/office/drawing/2014/main" id="{C69AD05A-393B-AFE2-D03D-16B6B996DDB1}"/>
+                <a16:creationId xmlns:a16="http://schemas.microsoft.com/office/drawing/2014/main" id="{242B611C-9409-9D8D-7CA5-564DD06D7449}"/>
               </a:ext>
             </a:extLst>
           </p:cNvPr>
@@ -6238,29 +10754,85 @@
             <p:ph idx="1"/>
           </p:nvPr>
         </p:nvSpPr>
-        <p:spPr/>
-        <p:txBody>
-          <a:bodyPr/>
+        <p:spPr>
+          <a:xfrm>
+            <a:off x="913795" y="2604319"/>
+            <a:ext cx="10353762" cy="4058751"/>
+          </a:xfrm>
+        </p:spPr>
+        <p:txBody>
+          <a:bodyPr>
+            <a:normAutofit/>
+          </a:bodyPr>
           <a:lstStyle/>
           <a:p>
-            <a:endParaRPr lang="en-US"/>
+            <a:pPr marL="36900" indent="0" algn="just">
+              <a:buNone/>
+            </a:pPr>
+            <a:r>
+              <a:rPr lang="en-US" sz="2200" dirty="0">
+                <a:solidFill>
+                  <a:schemeClr val="tx1"/>
+                </a:solidFill>
+                <a:effectLst/>
+                <a:ea typeface="Calibri" panose="020F0502020204030204" pitchFamily="34" charset="0"/>
+              </a:rPr>
+              <a:t>Abdul Sattar Edhi lived a simple life and believed in selflessness. He dedicated his entire life to the service of humanity. </a:t>
+            </a:r>
+            <a:r>
+              <a:rPr lang="en-US" sz="2200" kern="100" dirty="0">
+                <a:solidFill>
+                  <a:schemeClr val="tx1"/>
+                </a:solidFill>
+                <a:effectLst/>
+                <a:ea typeface="Calibri" panose="020F0502020204030204" pitchFamily="34" charset="0"/>
+                <a:cs typeface="Times New Roman" panose="02020603050405020304" pitchFamily="18" charset="0"/>
+              </a:rPr>
+              <a:t>He is a true hero and a role model for millions of people around the world.</a:t>
+            </a:r>
+          </a:p>
+          <a:p>
+            <a:endParaRPr lang="en-US" sz="2200" dirty="0">
+              <a:solidFill>
+                <a:schemeClr val="tx1"/>
+              </a:solidFill>
+            </a:endParaRPr>
+          </a:p>
+          <a:p>
+            <a:endParaRPr lang="en-US" sz="2200" dirty="0">
+              <a:solidFill>
+                <a:schemeClr val="tx1"/>
+              </a:solidFill>
+            </a:endParaRPr>
           </a:p>
         </p:txBody>
       </p:sp>
     </p:spTree>
     <p:extLst>
       <p:ext uri="{BB962C8B-B14F-4D97-AF65-F5344CB8AC3E}">
-        <p14:creationId xmlns:p14="http://schemas.microsoft.com/office/powerpoint/2010/main" val="2856074445"/>
+        <p14:creationId xmlns:p14="http://schemas.microsoft.com/office/powerpoint/2010/main" val="817895706"/>
       </p:ext>
     </p:extLst>
   </p:cSld>
   <p:clrMapOvr>
     <a:masterClrMapping/>
   </p:clrMapOvr>
+  <mc:AlternateContent xmlns:mc="http://schemas.openxmlformats.org/markup-compatibility/2006" xmlns:p14="http://schemas.microsoft.com/office/powerpoint/2010/main">
+    <mc:Choice Requires="p14">
+      <p:transition spd="med" p14:dur="700">
+        <p:fade/>
+      </p:transition>
+    </mc:Choice>
+    <mc:Fallback xmlns="">
+      <p:transition spd="med">
+        <p:fade/>
+      </p:transition>
+    </mc:Fallback>
+  </mc:AlternateContent>
 </p:sld>
 </file>
 
-<file path=ppt/slides/slide4.xml><?xml version="1.0" encoding="utf-8"?>
+<file path=ppt/slides/slide8.xml><?xml version="1.0" encoding="utf-8"?>
 <p:sld xmlns:a="http://schemas.openxmlformats.org/drawingml/2006/main" xmlns:r="http://schemas.openxmlformats.org/officeDocument/2006/relationships" xmlns:p="http://schemas.openxmlformats.org/presentationml/2006/main">
   <p:cSld>
     <p:spTree>
@@ -6279,96 +10851,6 @@
       </p:grpSpPr>
       <p:sp>
         <p:nvSpPr>
-          <p:cNvPr id="2" name="Title 1">
-            <a:extLst>
-              <a:ext uri="{FF2B5EF4-FFF2-40B4-BE49-F238E27FC236}">
-                <a16:creationId xmlns:a16="http://schemas.microsoft.com/office/drawing/2014/main" id="{41161D51-D4EA-4EC2-C792-87ACDBB2D372}"/>
-              </a:ext>
-            </a:extLst>
-          </p:cNvPr>
-          <p:cNvSpPr>
-            <a:spLocks noGrp="1"/>
-          </p:cNvSpPr>
-          <p:nvPr>
-            <p:ph type="title"/>
-          </p:nvPr>
-        </p:nvSpPr>
-        <p:spPr/>
-        <p:txBody>
-          <a:bodyPr>
-            <a:normAutofit/>
-          </a:bodyPr>
-          <a:lstStyle/>
-          <a:p>
-            <a:r>
-              <a:rPr lang="en-US" dirty="0">
-                <a:effectLst/>
-                <a:ea typeface="Times New Roman" panose="02020603050405020304" pitchFamily="18" charset="0"/>
-                <a:cs typeface="Times New Roman" panose="02020603050405020304" pitchFamily="18" charset="0"/>
-              </a:rPr>
-              <a:t>Achievements</a:t>
-            </a:r>
-            <a:endParaRPr lang="en-US" dirty="0"/>
-          </a:p>
-        </p:txBody>
-      </p:sp>
-      <p:sp>
-        <p:nvSpPr>
-          <p:cNvPr id="3" name="Content Placeholder 2">
-            <a:extLst>
-              <a:ext uri="{FF2B5EF4-FFF2-40B4-BE49-F238E27FC236}">
-                <a16:creationId xmlns:a16="http://schemas.microsoft.com/office/drawing/2014/main" id="{9CB7839C-6FA1-7BF9-5650-65D3E722546B}"/>
-              </a:ext>
-            </a:extLst>
-          </p:cNvPr>
-          <p:cNvSpPr>
-            <a:spLocks noGrp="1"/>
-          </p:cNvSpPr>
-          <p:nvPr>
-            <p:ph idx="1"/>
-          </p:nvPr>
-        </p:nvSpPr>
-        <p:spPr/>
-        <p:txBody>
-          <a:bodyPr/>
-          <a:lstStyle/>
-          <a:p>
-            <a:endParaRPr lang="en-US"/>
-          </a:p>
-        </p:txBody>
-      </p:sp>
-    </p:spTree>
-    <p:extLst>
-      <p:ext uri="{BB962C8B-B14F-4D97-AF65-F5344CB8AC3E}">
-        <p14:creationId xmlns:p14="http://schemas.microsoft.com/office/powerpoint/2010/main" val="2302205111"/>
-      </p:ext>
-    </p:extLst>
-  </p:cSld>
-  <p:clrMapOvr>
-    <a:masterClrMapping/>
-  </p:clrMapOvr>
-</p:sld>
-</file>
-
-<file path=ppt/slides/slide5.xml><?xml version="1.0" encoding="utf-8"?>
-<p:sld xmlns:a="http://schemas.openxmlformats.org/drawingml/2006/main" xmlns:r="http://schemas.openxmlformats.org/officeDocument/2006/relationships" xmlns:p="http://schemas.openxmlformats.org/presentationml/2006/main">
-  <p:cSld>
-    <p:spTree>
-      <p:nvGrpSpPr>
-        <p:cNvPr id="1" name=""/>
-        <p:cNvGrpSpPr/>
-        <p:nvPr/>
-      </p:nvGrpSpPr>
-      <p:grpSpPr>
-        <a:xfrm>
-          <a:off x="0" y="0"/>
-          <a:ext cx="0" cy="0"/>
-          <a:chOff x="0" y="0"/>
-          <a:chExt cx="0" cy="0"/>
-        </a:xfrm>
-      </p:grpSpPr>
-      <p:sp>
-        <p:nvSpPr>
           <p:cNvPr id="3" name="Content Placeholder 2">
             <a:extLst>
               <a:ext uri="{FF2B5EF4-FFF2-40B4-BE49-F238E27FC236}">
@@ -6506,69 +10988,6 @@
     <p:extLst>
       <p:ext uri="{BB962C8B-B14F-4D97-AF65-F5344CB8AC3E}">
         <p14:creationId xmlns:p14="http://schemas.microsoft.com/office/powerpoint/2010/main" val="1695492411"/>
-      </p:ext>
-    </p:extLst>
-  </p:cSld>
-  <p:clrMapOvr>
-    <a:masterClrMapping/>
-  </p:clrMapOvr>
-</p:sld>
-</file>
-
-<file path=ppt/slides/slide6.xml><?xml version="1.0" encoding="utf-8"?>
-<p:sld xmlns:a="http://schemas.openxmlformats.org/drawingml/2006/main" xmlns:r="http://schemas.openxmlformats.org/officeDocument/2006/relationships" xmlns:p="http://schemas.openxmlformats.org/presentationml/2006/main">
-  <p:cSld>
-    <p:spTree>
-      <p:nvGrpSpPr>
-        <p:cNvPr id="1" name=""/>
-        <p:cNvGrpSpPr/>
-        <p:nvPr/>
-      </p:nvGrpSpPr>
-      <p:grpSpPr>
-        <a:xfrm>
-          <a:off x="0" y="0"/>
-          <a:ext cx="0" cy="0"/>
-          <a:chOff x="0" y="0"/>
-          <a:chExt cx="0" cy="0"/>
-        </a:xfrm>
-      </p:grpSpPr>
-      <p:sp>
-        <p:nvSpPr>
-          <p:cNvPr id="2" name="Title 1">
-            <a:extLst>
-              <a:ext uri="{FF2B5EF4-FFF2-40B4-BE49-F238E27FC236}">
-                <a16:creationId xmlns:a16="http://schemas.microsoft.com/office/drawing/2014/main" id="{46CF8A12-0636-F9FA-E53F-7224D7E034A3}"/>
-              </a:ext>
-            </a:extLst>
-          </p:cNvPr>
-          <p:cNvSpPr>
-            <a:spLocks noGrp="1"/>
-          </p:cNvSpPr>
-          <p:nvPr>
-            <p:ph type="title"/>
-          </p:nvPr>
-        </p:nvSpPr>
-        <p:spPr>
-          <a:xfrm>
-            <a:off x="733042" y="2943775"/>
-            <a:ext cx="10353762" cy="970450"/>
-          </a:xfrm>
-        </p:spPr>
-        <p:txBody>
-          <a:bodyPr/>
-          <a:lstStyle/>
-          <a:p>
-            <a:r>
-              <a:rPr lang="en-US" dirty="0"/>
-              <a:t>Thank You</a:t>
-            </a:r>
-          </a:p>
-        </p:txBody>
-      </p:sp>
-    </p:spTree>
-    <p:extLst>
-      <p:ext uri="{BB962C8B-B14F-4D97-AF65-F5344CB8AC3E}">
-        <p14:creationId xmlns:p14="http://schemas.microsoft.com/office/powerpoint/2010/main" val="3710384393"/>
       </p:ext>
     </p:extLst>
   </p:cSld>

--- a/Courses/Pakistan Studies and Global Perspective (PAK-103)/Assignments/Assignment No 01/PST Presentation.pptx
+++ b/Courses/Pakistan Studies and Global Perspective (PAK-103)/Assignments/Assignment No 01/PST Presentation.pptx
@@ -120,18 +120,30 @@
 </file>
 
 <file path=ppt/diagrams/colors1.xml><?xml version="1.0" encoding="utf-8"?>
-<dgm:colorsDef xmlns:dgm="http://schemas.openxmlformats.org/drawingml/2006/diagram" xmlns:a="http://schemas.openxmlformats.org/drawingml/2006/main" uniqueId="urn:microsoft.com/office/officeart/2005/8/colors/colorful5">
+<dgm:colorsDef xmlns:dgm="http://schemas.openxmlformats.org/drawingml/2006/diagram" xmlns:a="http://schemas.openxmlformats.org/drawingml/2006/main" uniqueId="urn:microsoft.com/office/officeart/2005/8/colors/accent0_3">
   <dgm:title val=""/>
   <dgm:desc val=""/>
   <dgm:catLst>
-    <dgm:cat type="colorful" pri="10500"/>
+    <dgm:cat type="mainScheme" pri="10300"/>
   </dgm:catLst>
   <dgm:styleLbl name="node0">
     <dgm:fillClrLst meth="repeat">
-      <a:schemeClr val="accent4"/>
+      <a:schemeClr val="dk2"/>
     </dgm:fillClrLst>
     <dgm:linClrLst meth="repeat">
-      <a:schemeClr val="lt1"/>
+      <a:schemeClr val="lt2"/>
+    </dgm:linClrLst>
+    <dgm:effectClrLst/>
+    <dgm:txLinClrLst/>
+    <dgm:txFillClrLst/>
+    <dgm:txEffectClrLst/>
+  </dgm:styleLbl>
+  <dgm:styleLbl name="alignNode1">
+    <dgm:fillClrLst meth="repeat">
+      <a:schemeClr val="dk2"/>
+    </dgm:fillClrLst>
+    <dgm:linClrLst meth="repeat">
+      <a:schemeClr val="dk2"/>
     </dgm:linClrLst>
     <dgm:effectClrLst/>
     <dgm:txLinClrLst/>
@@ -139,26 +151,11 @@
     <dgm:txEffectClrLst/>
   </dgm:styleLbl>
   <dgm:styleLbl name="node1">
-    <dgm:fillClrLst>
-      <a:schemeClr val="accent5"/>
-      <a:schemeClr val="accent6"/>
+    <dgm:fillClrLst meth="repeat">
+      <a:schemeClr val="dk2"/>
     </dgm:fillClrLst>
     <dgm:linClrLst meth="repeat">
-      <a:schemeClr val="lt1"/>
-    </dgm:linClrLst>
-    <dgm:effectClrLst/>
-    <dgm:txLinClrLst/>
-    <dgm:txFillClrLst/>
-    <dgm:txEffectClrLst/>
-  </dgm:styleLbl>
-  <dgm:styleLbl name="alignNode1">
-    <dgm:fillClrLst>
-      <a:schemeClr val="accent5"/>
-      <a:schemeClr val="accent6"/>
-    </dgm:fillClrLst>
-    <dgm:linClrLst>
-      <a:schemeClr val="accent5"/>
-      <a:schemeClr val="accent6"/>
+      <a:schemeClr val="lt2"/>
     </dgm:linClrLst>
     <dgm:effectClrLst/>
     <dgm:txLinClrLst/>
@@ -166,12 +163,11 @@
     <dgm:txEffectClrLst/>
   </dgm:styleLbl>
   <dgm:styleLbl name="lnNode1">
-    <dgm:fillClrLst>
-      <a:schemeClr val="accent5"/>
-      <a:schemeClr val="accent6"/>
+    <dgm:fillClrLst meth="repeat">
+      <a:schemeClr val="dk2"/>
     </dgm:fillClrLst>
     <dgm:linClrLst meth="repeat">
-      <a:schemeClr val="lt1"/>
+      <a:schemeClr val="lt2"/>
     </dgm:linClrLst>
     <dgm:effectClrLst/>
     <dgm:txLinClrLst/>
@@ -179,16 +175,13 @@
     <dgm:txEffectClrLst/>
   </dgm:styleLbl>
   <dgm:styleLbl name="vennNode1">
-    <dgm:fillClrLst>
-      <a:schemeClr val="accent5">
-        <a:alpha val="50000"/>
-      </a:schemeClr>
-      <a:schemeClr val="accent6">
+    <dgm:fillClrLst meth="repeat">
+      <a:schemeClr val="dk2">
         <a:alpha val="50000"/>
       </a:schemeClr>
     </dgm:fillClrLst>
     <dgm:linClrLst meth="repeat">
-      <a:schemeClr val="lt1"/>
+      <a:schemeClr val="lt2"/>
     </dgm:linClrLst>
     <dgm:effectClrLst/>
     <dgm:txLinClrLst/>
@@ -196,11 +189,11 @@
     <dgm:txEffectClrLst/>
   </dgm:styleLbl>
   <dgm:styleLbl name="node2">
-    <dgm:fillClrLst>
-      <a:schemeClr val="accent6"/>
+    <dgm:fillClrLst meth="repeat">
+      <a:schemeClr val="dk2"/>
     </dgm:fillClrLst>
     <dgm:linClrLst meth="repeat">
-      <a:schemeClr val="lt1"/>
+      <a:schemeClr val="lt2"/>
     </dgm:linClrLst>
     <dgm:effectClrLst/>
     <dgm:txLinClrLst/>
@@ -208,11 +201,11 @@
     <dgm:txEffectClrLst/>
   </dgm:styleLbl>
   <dgm:styleLbl name="node3">
-    <dgm:fillClrLst>
-      <a:schemeClr val="accent1"/>
+    <dgm:fillClrLst meth="repeat">
+      <a:schemeClr val="dk2"/>
     </dgm:fillClrLst>
     <dgm:linClrLst meth="repeat">
-      <a:schemeClr val="lt1"/>
+      <a:schemeClr val="lt2"/>
     </dgm:linClrLst>
     <dgm:effectClrLst/>
     <dgm:txLinClrLst/>
@@ -220,11 +213,11 @@
     <dgm:txEffectClrLst/>
   </dgm:styleLbl>
   <dgm:styleLbl name="node4">
-    <dgm:fillClrLst>
-      <a:schemeClr val="accent2"/>
+    <dgm:fillClrLst meth="repeat">
+      <a:schemeClr val="dk2"/>
     </dgm:fillClrLst>
     <dgm:linClrLst meth="repeat">
-      <a:schemeClr val="lt1"/>
+      <a:schemeClr val="lt2"/>
     </dgm:linClrLst>
     <dgm:effectClrLst/>
     <dgm:txLinClrLst/>
@@ -232,69 +225,67 @@
     <dgm:txEffectClrLst/>
   </dgm:styleLbl>
   <dgm:styleLbl name="fgImgPlace1">
-    <dgm:fillClrLst>
-      <a:schemeClr val="accent5">
-        <a:tint val="50000"/>
-      </a:schemeClr>
-      <a:schemeClr val="accent6">
+    <dgm:fillClrLst meth="repeat">
+      <a:schemeClr val="dk2">
         <a:tint val="50000"/>
       </a:schemeClr>
     </dgm:fillClrLst>
     <dgm:linClrLst meth="repeat">
-      <a:schemeClr val="lt1"/>
+      <a:schemeClr val="lt2"/>
     </dgm:linClrLst>
     <dgm:effectClrLst/>
     <dgm:txLinClrLst/>
     <dgm:txFillClrLst meth="repeat">
-      <a:schemeClr val="lt1"/>
+      <a:schemeClr val="lt2"/>
     </dgm:txFillClrLst>
     <dgm:txEffectClrLst/>
   </dgm:styleLbl>
   <dgm:styleLbl name="alignImgPlace1">
-    <dgm:fillClrLst>
-      <a:schemeClr val="accent5">
+    <dgm:fillClrLst meth="repeat">
+      <a:schemeClr val="dk2">
         <a:tint val="50000"/>
-      </a:schemeClr>
-      <a:schemeClr val="accent6">
-        <a:tint val="20000"/>
       </a:schemeClr>
     </dgm:fillClrLst>
     <dgm:linClrLst meth="repeat">
-      <a:schemeClr val="lt1"/>
+      <a:schemeClr val="dk2">
+        <a:shade val="80000"/>
+      </a:schemeClr>
     </dgm:linClrLst>
     <dgm:effectClrLst/>
     <dgm:txLinClrLst/>
     <dgm:txFillClrLst meth="repeat">
-      <a:schemeClr val="lt1"/>
+      <a:schemeClr val="lt2"/>
     </dgm:txFillClrLst>
     <dgm:txEffectClrLst/>
   </dgm:styleLbl>
   <dgm:styleLbl name="bgImgPlace1">
-    <dgm:fillClrLst>
-      <a:schemeClr val="accent5">
+    <dgm:fillClrLst meth="repeat">
+      <a:schemeClr val="dk2">
         <a:tint val="50000"/>
-      </a:schemeClr>
-      <a:schemeClr val="accent6">
-        <a:tint val="20000"/>
       </a:schemeClr>
     </dgm:fillClrLst>
     <dgm:linClrLst meth="repeat">
-      <a:schemeClr val="lt1"/>
+      <a:schemeClr val="dk2">
+        <a:shade val="80000"/>
+      </a:schemeClr>
     </dgm:linClrLst>
     <dgm:effectClrLst/>
     <dgm:txLinClrLst/>
     <dgm:txFillClrLst meth="repeat">
-      <a:schemeClr val="lt1"/>
+      <a:schemeClr val="lt2"/>
     </dgm:txFillClrLst>
     <dgm:txEffectClrLst/>
   </dgm:styleLbl>
   <dgm:styleLbl name="sibTrans2D1">
-    <dgm:fillClrLst>
-      <a:schemeClr val="accent5"/>
-      <a:schemeClr val="accent6"/>
+    <dgm:fillClrLst meth="repeat">
+      <a:schemeClr val="dk2">
+        <a:tint val="60000"/>
+      </a:schemeClr>
     </dgm:fillClrLst>
     <dgm:linClrLst meth="repeat">
-      <a:schemeClr val="lt1"/>
+      <a:schemeClr val="dk2">
+        <a:tint val="60000"/>
+      </a:schemeClr>
     </dgm:linClrLst>
     <dgm:effectClrLst/>
     <dgm:txLinClrLst/>
@@ -302,72 +293,73 @@
     <dgm:txEffectClrLst/>
   </dgm:styleLbl>
   <dgm:styleLbl name="fgSibTrans2D1">
-    <dgm:fillClrLst>
-      <a:schemeClr val="accent5"/>
-      <a:schemeClr val="accent6"/>
+    <dgm:fillClrLst meth="repeat">
+      <a:schemeClr val="dk2">
+        <a:tint val="60000"/>
+      </a:schemeClr>
     </dgm:fillClrLst>
     <dgm:linClrLst meth="repeat">
-      <a:schemeClr val="lt1"/>
+      <a:schemeClr val="dk2">
+        <a:tint val="60000"/>
+      </a:schemeClr>
+    </dgm:linClrLst>
+    <dgm:effectClrLst/>
+    <dgm:txLinClrLst/>
+    <dgm:txFillClrLst/>
+    <dgm:txEffectClrLst/>
+  </dgm:styleLbl>
+  <dgm:styleLbl name="bgSibTrans2D1">
+    <dgm:fillClrLst meth="repeat">
+      <a:schemeClr val="dk2">
+        <a:tint val="60000"/>
+      </a:schemeClr>
+    </dgm:fillClrLst>
+    <dgm:linClrLst meth="repeat">
+      <a:schemeClr val="dk2">
+        <a:tint val="60000"/>
+      </a:schemeClr>
+    </dgm:linClrLst>
+    <dgm:effectClrLst/>
+    <dgm:txLinClrLst/>
+    <dgm:txFillClrLst/>
+    <dgm:txEffectClrLst/>
+  </dgm:styleLbl>
+  <dgm:styleLbl name="sibTrans1D1">
+    <dgm:fillClrLst meth="repeat">
+      <a:schemeClr val="dk2"/>
+    </dgm:fillClrLst>
+    <dgm:linClrLst meth="repeat">
+      <a:schemeClr val="dk2"/>
     </dgm:linClrLst>
     <dgm:effectClrLst/>
     <dgm:txLinClrLst/>
     <dgm:txFillClrLst meth="repeat">
-      <a:schemeClr val="lt1"/>
-    </dgm:txFillClrLst>
-    <dgm:txEffectClrLst/>
-  </dgm:styleLbl>
-  <dgm:styleLbl name="bgSibTrans2D1">
-    <dgm:fillClrLst>
-      <a:schemeClr val="accent5"/>
-      <a:schemeClr val="accent6"/>
-    </dgm:fillClrLst>
-    <dgm:linClrLst meth="repeat">
-      <a:schemeClr val="lt1"/>
-    </dgm:linClrLst>
-    <dgm:effectClrLst/>
-    <dgm:txLinClrLst/>
-    <dgm:txFillClrLst meth="repeat">
-      <a:schemeClr val="lt1"/>
-    </dgm:txFillClrLst>
-    <dgm:txEffectClrLst/>
-  </dgm:styleLbl>
-  <dgm:styleLbl name="sibTrans1D1">
-    <dgm:fillClrLst/>
-    <dgm:linClrLst>
-      <a:schemeClr val="accent5"/>
-      <a:schemeClr val="accent6"/>
-    </dgm:linClrLst>
-    <dgm:effectClrLst/>
-    <dgm:txLinClrLst/>
-    <dgm:txFillClrLst meth="repeat">
-      <a:schemeClr val="tx1"/>
+      <a:schemeClr val="lt2"/>
     </dgm:txFillClrLst>
     <dgm:txEffectClrLst/>
   </dgm:styleLbl>
   <dgm:styleLbl name="callout">
     <dgm:fillClrLst meth="repeat">
-      <a:schemeClr val="accent5"/>
+      <a:schemeClr val="dk2"/>
     </dgm:fillClrLst>
     <dgm:linClrLst meth="repeat">
-      <a:schemeClr val="accent5">
+      <a:schemeClr val="dk2">
         <a:tint val="50000"/>
       </a:schemeClr>
     </dgm:linClrLst>
     <dgm:effectClrLst/>
     <dgm:txLinClrLst/>
     <dgm:txFillClrLst meth="repeat">
-      <a:schemeClr val="tx1"/>
+      <a:schemeClr val="lt2"/>
     </dgm:txFillClrLst>
     <dgm:txEffectClrLst/>
   </dgm:styleLbl>
   <dgm:styleLbl name="asst0">
     <dgm:fillClrLst meth="repeat">
-      <a:schemeClr val="accent5"/>
+      <a:schemeClr val="dk2"/>
     </dgm:fillClrLst>
     <dgm:linClrLst meth="repeat">
-      <a:schemeClr val="lt1">
-        <a:shade val="80000"/>
-      </a:schemeClr>
+      <a:schemeClr val="lt2"/>
     </dgm:linClrLst>
     <dgm:effectClrLst/>
     <dgm:txLinClrLst/>
@@ -376,12 +368,10 @@
   </dgm:styleLbl>
   <dgm:styleLbl name="asst1">
     <dgm:fillClrLst meth="repeat">
-      <a:schemeClr val="accent6"/>
+      <a:schemeClr val="dk2"/>
     </dgm:fillClrLst>
     <dgm:linClrLst meth="repeat">
-      <a:schemeClr val="lt1">
-        <a:shade val="80000"/>
-      </a:schemeClr>
+      <a:schemeClr val="lt2"/>
     </dgm:linClrLst>
     <dgm:effectClrLst/>
     <dgm:txLinClrLst/>
@@ -389,11 +379,11 @@
     <dgm:txEffectClrLst/>
   </dgm:styleLbl>
   <dgm:styleLbl name="asst2">
-    <dgm:fillClrLst>
-      <a:schemeClr val="accent1"/>
+    <dgm:fillClrLst meth="repeat">
+      <a:schemeClr val="dk2"/>
     </dgm:fillClrLst>
     <dgm:linClrLst meth="repeat">
-      <a:schemeClr val="lt1"/>
+      <a:schemeClr val="lt2"/>
     </dgm:linClrLst>
     <dgm:effectClrLst/>
     <dgm:txLinClrLst/>
@@ -401,11 +391,11 @@
     <dgm:txEffectClrLst/>
   </dgm:styleLbl>
   <dgm:styleLbl name="asst3">
-    <dgm:fillClrLst>
-      <a:schemeClr val="accent2"/>
+    <dgm:fillClrLst meth="repeat">
+      <a:schemeClr val="dk2"/>
     </dgm:fillClrLst>
     <dgm:linClrLst meth="repeat">
-      <a:schemeClr val="lt1"/>
+      <a:schemeClr val="lt2"/>
     </dgm:linClrLst>
     <dgm:effectClrLst/>
     <dgm:txLinClrLst/>
@@ -413,11 +403,11 @@
     <dgm:txEffectClrLst/>
   </dgm:styleLbl>
   <dgm:styleLbl name="asst4">
-    <dgm:fillClrLst>
-      <a:schemeClr val="accent3"/>
+    <dgm:fillClrLst meth="repeat">
+      <a:schemeClr val="dk2"/>
     </dgm:fillClrLst>
     <dgm:linClrLst meth="repeat">
-      <a:schemeClr val="lt1"/>
+      <a:schemeClr val="lt2"/>
     </dgm:linClrLst>
     <dgm:effectClrLst/>
     <dgm:txLinClrLst/>
@@ -426,62 +416,72 @@
   </dgm:styleLbl>
   <dgm:styleLbl name="parChTrans2D1">
     <dgm:fillClrLst meth="repeat">
-      <a:schemeClr val="accent5"/>
+      <a:schemeClr val="dk2">
+        <a:tint val="60000"/>
+      </a:schemeClr>
     </dgm:fillClrLst>
     <dgm:linClrLst meth="repeat">
-      <a:schemeClr val="lt1"/>
+      <a:schemeClr val="dk2">
+        <a:tint val="60000"/>
+      </a:schemeClr>
     </dgm:linClrLst>
     <dgm:effectClrLst/>
     <dgm:txLinClrLst/>
     <dgm:txFillClrLst meth="repeat">
-      <a:schemeClr val="lt1"/>
+      <a:schemeClr val="lt2"/>
     </dgm:txFillClrLst>
     <dgm:txEffectClrLst/>
   </dgm:styleLbl>
   <dgm:styleLbl name="parChTrans2D2">
     <dgm:fillClrLst meth="repeat">
-      <a:schemeClr val="accent6"/>
+      <a:schemeClr val="dk2"/>
     </dgm:fillClrLst>
     <dgm:linClrLst meth="repeat">
-      <a:schemeClr val="lt1"/>
+      <a:schemeClr val="dk2"/>
     </dgm:linClrLst>
     <dgm:effectClrLst/>
     <dgm:txLinClrLst/>
-    <dgm:txFillClrLst/>
+    <dgm:txFillClrLst meth="repeat">
+      <a:schemeClr val="lt2"/>
+    </dgm:txFillClrLst>
     <dgm:txEffectClrLst/>
   </dgm:styleLbl>
   <dgm:styleLbl name="parChTrans2D3">
     <dgm:fillClrLst meth="repeat">
-      <a:schemeClr val="accent6"/>
+      <a:schemeClr val="dk2"/>
     </dgm:fillClrLst>
     <dgm:linClrLst meth="repeat">
-      <a:schemeClr val="lt1"/>
+      <a:schemeClr val="dk2"/>
     </dgm:linClrLst>
     <dgm:effectClrLst/>
     <dgm:txLinClrLst/>
-    <dgm:txFillClrLst/>
+    <dgm:txFillClrLst meth="repeat">
+      <a:schemeClr val="lt2"/>
+    </dgm:txFillClrLst>
     <dgm:txEffectClrLst/>
   </dgm:styleLbl>
   <dgm:styleLbl name="parChTrans2D4">
     <dgm:fillClrLst meth="repeat">
-      <a:schemeClr val="accent1"/>
+      <a:schemeClr val="dk2"/>
     </dgm:fillClrLst>
     <dgm:linClrLst meth="repeat">
-      <a:schemeClr val="lt1"/>
+      <a:schemeClr val="dk2"/>
     </dgm:linClrLst>
     <dgm:effectClrLst/>
     <dgm:txLinClrLst/>
     <dgm:txFillClrLst meth="repeat">
-      <a:schemeClr val="lt1"/>
+      <a:schemeClr val="lt2"/>
     </dgm:txFillClrLst>
     <dgm:txEffectClrLst/>
   </dgm:styleLbl>
   <dgm:styleLbl name="parChTrans1D1">
     <dgm:fillClrLst meth="repeat">
-      <a:schemeClr val="accent5"/>
+      <a:schemeClr val="dk2"/>
     </dgm:fillClrLst>
     <dgm:linClrLst meth="repeat">
-      <a:schemeClr val="accent5"/>
+      <a:schemeClr val="dk2">
+        <a:shade val="60000"/>
+      </a:schemeClr>
     </dgm:linClrLst>
     <dgm:effectClrLst/>
     <dgm:txLinClrLst/>
@@ -492,12 +492,12 @@
   </dgm:styleLbl>
   <dgm:styleLbl name="parChTrans1D2">
     <dgm:fillClrLst meth="repeat">
-      <a:schemeClr val="accent6">
-        <a:tint val="90000"/>
-      </a:schemeClr>
+      <a:schemeClr val="dk2"/>
     </dgm:fillClrLst>
     <dgm:linClrLst meth="repeat">
-      <a:schemeClr val="accent6"/>
+      <a:schemeClr val="dk2">
+        <a:shade val="60000"/>
+      </a:schemeClr>
     </dgm:linClrLst>
     <dgm:effectClrLst/>
     <dgm:txLinClrLst/>
@@ -508,12 +508,12 @@
   </dgm:styleLbl>
   <dgm:styleLbl name="parChTrans1D3">
     <dgm:fillClrLst meth="repeat">
-      <a:schemeClr val="accent6">
-        <a:tint val="70000"/>
-      </a:schemeClr>
+      <a:schemeClr val="dk2"/>
     </dgm:fillClrLst>
     <dgm:linClrLst meth="repeat">
-      <a:schemeClr val="accent1"/>
+      <a:schemeClr val="dk2">
+        <a:shade val="80000"/>
+      </a:schemeClr>
     </dgm:linClrLst>
     <dgm:effectClrLst/>
     <dgm:txLinClrLst/>
@@ -524,12 +524,12 @@
   </dgm:styleLbl>
   <dgm:styleLbl name="parChTrans1D4">
     <dgm:fillClrLst meth="repeat">
-      <a:schemeClr val="accent6">
-        <a:tint val="50000"/>
-      </a:schemeClr>
+      <a:schemeClr val="dk2"/>
     </dgm:fillClrLst>
     <dgm:linClrLst meth="repeat">
-      <a:schemeClr val="accent2"/>
+      <a:schemeClr val="dk2">
+        <a:shade val="80000"/>
+      </a:schemeClr>
     </dgm:linClrLst>
     <dgm:effectClrLst/>
     <dgm:txLinClrLst/>
@@ -540,13 +540,12 @@
   </dgm:styleLbl>
   <dgm:styleLbl name="fgAcc1">
     <dgm:fillClrLst meth="repeat">
-      <a:schemeClr val="lt1">
+      <a:schemeClr val="lt2">
         <a:alpha val="90000"/>
       </a:schemeClr>
     </dgm:fillClrLst>
-    <dgm:linClrLst>
-      <a:schemeClr val="accent5"/>
-      <a:schemeClr val="accent6"/>
+    <dgm:linClrLst meth="repeat">
+      <a:schemeClr val="dk2"/>
     </dgm:linClrLst>
     <dgm:effectClrLst/>
     <dgm:txLinClrLst/>
@@ -557,13 +556,12 @@
   </dgm:styleLbl>
   <dgm:styleLbl name="conFgAcc1">
     <dgm:fillClrLst meth="repeat">
-      <a:schemeClr val="lt1">
+      <a:schemeClr val="lt2">
         <a:alpha val="90000"/>
       </a:schemeClr>
     </dgm:fillClrLst>
-    <dgm:linClrLst>
-      <a:schemeClr val="accent5"/>
-      <a:schemeClr val="accent6"/>
+    <dgm:linClrLst meth="repeat">
+      <a:schemeClr val="dk2"/>
     </dgm:linClrLst>
     <dgm:effectClrLst/>
     <dgm:txLinClrLst/>
@@ -574,13 +572,12 @@
   </dgm:styleLbl>
   <dgm:styleLbl name="alignAcc1">
     <dgm:fillClrLst meth="repeat">
-      <a:schemeClr val="lt1">
+      <a:schemeClr val="lt2">
         <a:alpha val="90000"/>
       </a:schemeClr>
     </dgm:fillClrLst>
-    <dgm:linClrLst>
-      <a:schemeClr val="accent5"/>
-      <a:schemeClr val="accent6"/>
+    <dgm:linClrLst meth="repeat">
+      <a:schemeClr val="dk2"/>
     </dgm:linClrLst>
     <dgm:effectClrLst/>
     <dgm:txLinClrLst/>
@@ -591,12 +588,12 @@
   </dgm:styleLbl>
   <dgm:styleLbl name="trAlignAcc1">
     <dgm:fillClrLst meth="repeat">
-      <a:schemeClr val="lt1">
+      <a:schemeClr val="lt2">
         <a:alpha val="40000"/>
       </a:schemeClr>
     </dgm:fillClrLst>
     <dgm:linClrLst meth="repeat">
-      <a:schemeClr val="accent5"/>
+      <a:schemeClr val="dk2"/>
     </dgm:linClrLst>
     <dgm:effectClrLst/>
     <dgm:txLinClrLst/>
@@ -607,13 +604,12 @@
   </dgm:styleLbl>
   <dgm:styleLbl name="bgAcc1">
     <dgm:fillClrLst meth="repeat">
-      <a:schemeClr val="lt1">
+      <a:schemeClr val="lt2">
         <a:alpha val="90000"/>
       </a:schemeClr>
     </dgm:fillClrLst>
-    <dgm:linClrLst>
-      <a:schemeClr val="accent5"/>
-      <a:schemeClr val="accent6"/>
+    <dgm:linClrLst meth="repeat">
+      <a:schemeClr val="dk2"/>
     </dgm:linClrLst>
     <dgm:effectClrLst/>
     <dgm:txLinClrLst/>
@@ -624,11 +620,10 @@
   </dgm:styleLbl>
   <dgm:styleLbl name="solidFgAcc1">
     <dgm:fillClrLst meth="repeat">
-      <a:schemeClr val="lt1"/>
+      <a:schemeClr val="lt2"/>
     </dgm:fillClrLst>
-    <dgm:linClrLst>
-      <a:schemeClr val="accent5"/>
-      <a:schemeClr val="accent6"/>
+    <dgm:linClrLst meth="repeat">
+      <a:schemeClr val="dk2"/>
     </dgm:linClrLst>
     <dgm:effectClrLst/>
     <dgm:txLinClrLst/>
@@ -639,11 +634,10 @@
   </dgm:styleLbl>
   <dgm:styleLbl name="solidAlignAcc1">
     <dgm:fillClrLst meth="repeat">
-      <a:schemeClr val="lt1"/>
+      <a:schemeClr val="lt2"/>
     </dgm:fillClrLst>
-    <dgm:linClrLst>
-      <a:schemeClr val="accent5"/>
-      <a:schemeClr val="accent6"/>
+    <dgm:linClrLst meth="repeat">
+      <a:schemeClr val="dk2"/>
     </dgm:linClrLst>
     <dgm:effectClrLst/>
     <dgm:txLinClrLst/>
@@ -654,11 +648,10 @@
   </dgm:styleLbl>
   <dgm:styleLbl name="solidBgAcc1">
     <dgm:fillClrLst meth="repeat">
-      <a:schemeClr val="lt1"/>
+      <a:schemeClr val="lt2"/>
     </dgm:fillClrLst>
-    <dgm:linClrLst>
-      <a:schemeClr val="accent5"/>
-      <a:schemeClr val="accent6"/>
+    <dgm:linClrLst meth="repeat">
+      <a:schemeClr val="dk2"/>
     </dgm:linClrLst>
     <dgm:effectClrLst/>
     <dgm:txLinClrLst/>
@@ -668,24 +661,16 @@
     <dgm:txEffectClrLst/>
   </dgm:styleLbl>
   <dgm:styleLbl name="fgAccFollowNode1">
-    <dgm:fillClrLst>
-      <a:schemeClr val="accent5">
+    <dgm:fillClrLst meth="repeat">
+      <a:schemeClr val="dk2">
+        <a:alpha val="90000"/>
         <a:tint val="40000"/>
-        <a:alpha val="90000"/>
-      </a:schemeClr>
-      <a:schemeClr val="accent6">
-        <a:tint val="40000"/>
-        <a:alpha val="90000"/>
       </a:schemeClr>
     </dgm:fillClrLst>
-    <dgm:linClrLst>
-      <a:schemeClr val="accent5">
+    <dgm:linClrLst meth="repeat">
+      <a:schemeClr val="dk2">
+        <a:alpha val="90000"/>
         <a:tint val="40000"/>
-        <a:alpha val="90000"/>
-      </a:schemeClr>
-      <a:schemeClr val="accent5">
-        <a:tint val="40000"/>
-        <a:alpha val="90000"/>
       </a:schemeClr>
     </dgm:linClrLst>
     <dgm:effectClrLst/>
@@ -696,24 +681,16 @@
     <dgm:txEffectClrLst/>
   </dgm:styleLbl>
   <dgm:styleLbl name="alignAccFollowNode1">
-    <dgm:fillClrLst>
-      <a:schemeClr val="accent5">
+    <dgm:fillClrLst meth="repeat">
+      <a:schemeClr val="dk2">
+        <a:alpha val="90000"/>
         <a:tint val="40000"/>
-        <a:alpha val="90000"/>
-      </a:schemeClr>
-      <a:schemeClr val="accent6">
-        <a:tint val="40000"/>
-        <a:alpha val="90000"/>
       </a:schemeClr>
     </dgm:fillClrLst>
-    <dgm:linClrLst>
-      <a:schemeClr val="accent5">
+    <dgm:linClrLst meth="repeat">
+      <a:schemeClr val="dk2">
+        <a:alpha val="90000"/>
         <a:tint val="40000"/>
-        <a:alpha val="90000"/>
-      </a:schemeClr>
-      <a:schemeClr val="accent6">
-        <a:tint val="40000"/>
-        <a:alpha val="90000"/>
       </a:schemeClr>
     </dgm:linClrLst>
     <dgm:effectClrLst/>
@@ -724,24 +701,16 @@
     <dgm:txEffectClrLst/>
   </dgm:styleLbl>
   <dgm:styleLbl name="bgAccFollowNode1">
-    <dgm:fillClrLst>
-      <a:schemeClr val="accent5">
+    <dgm:fillClrLst meth="repeat">
+      <a:schemeClr val="dk2">
+        <a:alpha val="90000"/>
         <a:tint val="40000"/>
-        <a:alpha val="90000"/>
-      </a:schemeClr>
-      <a:schemeClr val="accent6">
-        <a:tint val="40000"/>
-        <a:alpha val="90000"/>
       </a:schemeClr>
     </dgm:fillClrLst>
-    <dgm:linClrLst>
-      <a:schemeClr val="accent5">
+    <dgm:linClrLst meth="repeat">
+      <a:schemeClr val="dk2">
+        <a:alpha val="90000"/>
         <a:tint val="40000"/>
-        <a:alpha val="90000"/>
-      </a:schemeClr>
-      <a:schemeClr val="accent6">
-        <a:tint val="40000"/>
-        <a:alpha val="90000"/>
       </a:schemeClr>
     </dgm:linClrLst>
     <dgm:effectClrLst/>
@@ -753,12 +722,12 @@
   </dgm:styleLbl>
   <dgm:styleLbl name="fgAcc0">
     <dgm:fillClrLst meth="repeat">
-      <a:schemeClr val="lt1">
+      <a:schemeClr val="lt2">
         <a:alpha val="90000"/>
       </a:schemeClr>
     </dgm:fillClrLst>
-    <dgm:linClrLst>
-      <a:schemeClr val="accent4"/>
+    <dgm:linClrLst meth="repeat">
+      <a:schemeClr val="dk2"/>
     </dgm:linClrLst>
     <dgm:effectClrLst/>
     <dgm:txLinClrLst/>
@@ -769,12 +738,12 @@
   </dgm:styleLbl>
   <dgm:styleLbl name="fgAcc2">
     <dgm:fillClrLst meth="repeat">
-      <a:schemeClr val="lt1">
+      <a:schemeClr val="lt2">
         <a:alpha val="90000"/>
       </a:schemeClr>
     </dgm:fillClrLst>
-    <dgm:linClrLst>
-      <a:schemeClr val="accent6"/>
+    <dgm:linClrLst meth="repeat">
+      <a:schemeClr val="dk2"/>
     </dgm:linClrLst>
     <dgm:effectClrLst/>
     <dgm:txLinClrLst/>
@@ -785,12 +754,12 @@
   </dgm:styleLbl>
   <dgm:styleLbl name="fgAcc3">
     <dgm:fillClrLst meth="repeat">
-      <a:schemeClr val="lt1">
+      <a:schemeClr val="lt2">
         <a:alpha val="90000"/>
       </a:schemeClr>
     </dgm:fillClrLst>
-    <dgm:linClrLst>
-      <a:schemeClr val="accent1"/>
+    <dgm:linClrLst meth="repeat">
+      <a:schemeClr val="dk2"/>
     </dgm:linClrLst>
     <dgm:effectClrLst/>
     <dgm:txLinClrLst/>
@@ -801,12 +770,12 @@
   </dgm:styleLbl>
   <dgm:styleLbl name="fgAcc4">
     <dgm:fillClrLst meth="repeat">
-      <a:schemeClr val="lt1">
+      <a:schemeClr val="lt2">
         <a:alpha val="90000"/>
       </a:schemeClr>
     </dgm:fillClrLst>
-    <dgm:linClrLst>
-      <a:schemeClr val="accent2"/>
+    <dgm:linClrLst meth="repeat">
+      <a:schemeClr val="dk2"/>
     </dgm:linClrLst>
     <dgm:effectClrLst/>
     <dgm:txLinClrLst/>
@@ -817,12 +786,12 @@
   </dgm:styleLbl>
   <dgm:styleLbl name="bgShp">
     <dgm:fillClrLst meth="repeat">
-      <a:schemeClr val="accent5">
+      <a:schemeClr val="dk2">
         <a:tint val="40000"/>
       </a:schemeClr>
     </dgm:fillClrLst>
     <dgm:linClrLst meth="repeat">
-      <a:schemeClr val="dk1"/>
+      <a:schemeClr val="dk2"/>
     </dgm:linClrLst>
     <dgm:effectClrLst/>
     <dgm:txLinClrLst/>
@@ -833,12 +802,12 @@
   </dgm:styleLbl>
   <dgm:styleLbl name="dkBgShp">
     <dgm:fillClrLst meth="repeat">
-      <a:schemeClr val="accent5">
-        <a:shade val="90000"/>
+      <a:schemeClr val="dk2">
+        <a:shade val="80000"/>
       </a:schemeClr>
     </dgm:fillClrLst>
     <dgm:linClrLst meth="repeat">
-      <a:schemeClr val="dk1"/>
+      <a:schemeClr val="dk2"/>
     </dgm:linClrLst>
     <dgm:effectClrLst/>
     <dgm:txLinClrLst/>
@@ -849,13 +818,13 @@
   </dgm:styleLbl>
   <dgm:styleLbl name="trBgShp">
     <dgm:fillClrLst meth="repeat">
-      <a:schemeClr val="accent5">
+      <a:schemeClr val="dk2">
         <a:tint val="50000"/>
         <a:alpha val="40000"/>
       </a:schemeClr>
     </dgm:fillClrLst>
     <dgm:linClrLst meth="repeat">
-      <a:schemeClr val="accent5"/>
+      <a:schemeClr val="dk2"/>
     </dgm:linClrLst>
     <dgm:effectClrLst/>
     <dgm:txLinClrLst/>
@@ -866,12 +835,12 @@
   </dgm:styleLbl>
   <dgm:styleLbl name="fgShp">
     <dgm:fillClrLst meth="repeat">
-      <a:schemeClr val="accent5">
-        <a:tint val="40000"/>
+      <a:schemeClr val="dk2">
+        <a:tint val="60000"/>
       </a:schemeClr>
     </dgm:fillClrLst>
     <dgm:linClrLst meth="repeat">
-      <a:schemeClr val="lt1"/>
+      <a:schemeClr val="lt2"/>
     </dgm:linClrLst>
     <dgm:effectClrLst/>
     <dgm:txLinClrLst/>
@@ -882,7 +851,7 @@
   </dgm:styleLbl>
   <dgm:styleLbl name="revTx">
     <dgm:fillClrLst meth="repeat">
-      <a:schemeClr val="lt1">
+      <a:schemeClr val="lt2">
         <a:alpha val="0"/>
       </a:schemeClr>
     </dgm:fillClrLst>
@@ -905,7 +874,7 @@
 <dgm:dataModel xmlns:dgm="http://schemas.openxmlformats.org/drawingml/2006/diagram" xmlns:a="http://schemas.openxmlformats.org/drawingml/2006/main">
   <dgm:ptLst>
     <dgm:pt modelId="{1691608B-B9EF-4B7C-95AE-3D7721A9E0AC}" type="doc">
-      <dgm:prSet loTypeId="urn:microsoft.com/office/officeart/2008/layout/LinedList" loCatId="list" qsTypeId="urn:microsoft.com/office/officeart/2005/8/quickstyle/simple4" qsCatId="simple" csTypeId="urn:microsoft.com/office/officeart/2005/8/colors/colorful5" csCatId="colorful" phldr="1"/>
+      <dgm:prSet loTypeId="urn:microsoft.com/office/officeart/2008/layout/LinedList" loCatId="list" qsTypeId="urn:microsoft.com/office/officeart/2005/8/quickstyle/simple4" qsCatId="simple" csTypeId="urn:microsoft.com/office/officeart/2005/8/colors/accent0_3" csCatId="mainScheme" phldr="1"/>
       <dgm:spPr/>
       <dgm:t>
         <a:bodyPr/>
@@ -916,7 +885,7 @@
       </dgm:t>
     </dgm:pt>
     <dgm:pt modelId="{24CA7AED-5545-4A8E-AE1A-0D6C86D0642B}">
-      <dgm:prSet/>
+      <dgm:prSet custT="1"/>
       <dgm:spPr/>
       <dgm:t>
         <a:bodyPr/>
@@ -924,7 +893,7 @@
         <a:p>
           <a:pPr algn="just"/>
           <a:r>
-            <a:rPr lang="en-US" dirty="0"/>
+            <a:rPr lang="en-US" sz="2000" dirty="0"/>
             <a:t>He faced poverty and hardship as a young migrant in Karachi after the partition of India. He also faced hostility and discrimination from some members of his own community who did not approve of his social work.</a:t>
           </a:r>
         </a:p>
@@ -953,7 +922,7 @@
       </dgm:t>
     </dgm:pt>
     <dgm:pt modelId="{F8381271-A90A-4522-8986-F65AF97E0127}">
-      <dgm:prSet/>
+      <dgm:prSet custT="1"/>
       <dgm:spPr/>
       <dgm:t>
         <a:bodyPr/>
@@ -961,7 +930,7 @@
         <a:p>
           <a:pPr algn="just"/>
           <a:r>
-            <a:rPr lang="en-US" dirty="0"/>
+            <a:rPr lang="en-US" sz="2000" dirty="0"/>
             <a:t>He faced challenges in maintaining and expanding his foundation's services due to the lack of government support, corruption, bureaucracy, and security issues. He often had to sell his personal belongings or borrow money to keep his foundation running.</a:t>
           </a:r>
         </a:p>
@@ -990,7 +959,7 @@
       </dgm:t>
     </dgm:pt>
     <dgm:pt modelId="{19B02E46-73B1-4D7B-B33F-7D37190A99A4}">
-      <dgm:prSet/>
+      <dgm:prSet custT="1"/>
       <dgm:spPr/>
       <dgm:t>
         <a:bodyPr/>
@@ -998,16 +967,10 @@
         <a:p>
           <a:pPr algn="just"/>
           <a:r>
-            <a:rPr lang="en-US" dirty="0"/>
-            <a:t>He faced opposition and threats from some religious extremists and political groups who accused him of being a heretic, a spy, or a </a:t>
-          </a:r>
-          <a:r>
-            <a:rPr lang="en-US" dirty="0" err="1"/>
-            <a:t>traitor.He</a:t>
-          </a:r>
-          <a:r>
-            <a:rPr lang="en-US" dirty="0"/>
-            <a:t> was also attacked several times by armed men who tried to rob or kidnap him or his staff. He survived a bomb blast near his office in 2013 that killed three people.</a:t>
+            <a:rPr lang="en-US" sz="2000" dirty="0">
+              <a:effectLst/>
+            </a:rPr>
+            <a:t>He faced opposition and threats from some religious extremists and political groups who accused him of being a heretic, a spy, or a traitor. He was also attacked several times by armed men who tried to rob or kidnap him or his staff. He survived a bomb blast near his office in 2013 that killed three people.</a:t>
           </a:r>
         </a:p>
       </dgm:t>
@@ -1034,7 +997,7 @@
         </a:p>
       </dgm:t>
     </dgm:pt>
-    <dgm:pt modelId="{890C38F3-17D7-4666-B6E0-76D4EC0F7BE3}" type="pres">
+    <dgm:pt modelId="{0AAB460A-5B56-456B-806E-9FCA64FCBFF7}" type="pres">
       <dgm:prSet presAssocID="{1691608B-B9EF-4B7C-95AE-3D7721A9E0AC}" presName="vert0" presStyleCnt="0">
         <dgm:presLayoutVars>
           <dgm:dir/>
@@ -1044,75 +1007,75 @@
       </dgm:prSet>
       <dgm:spPr/>
     </dgm:pt>
-    <dgm:pt modelId="{583F82C0-2279-490D-9E90-763286F9D803}" type="pres">
+    <dgm:pt modelId="{5FA34A64-945F-458E-B656-3FA91ECC1DAE}" type="pres">
       <dgm:prSet presAssocID="{24CA7AED-5545-4A8E-AE1A-0D6C86D0642B}" presName="thickLine" presStyleLbl="alignNode1" presStyleIdx="0" presStyleCnt="3"/>
       <dgm:spPr/>
     </dgm:pt>
-    <dgm:pt modelId="{860D1D61-2060-4532-A2C0-BEDBFDDE42F9}" type="pres">
+    <dgm:pt modelId="{46925091-D8D7-4958-BA6A-0947CB140114}" type="pres">
       <dgm:prSet presAssocID="{24CA7AED-5545-4A8E-AE1A-0D6C86D0642B}" presName="horz1" presStyleCnt="0"/>
       <dgm:spPr/>
     </dgm:pt>
-    <dgm:pt modelId="{9B265D48-2454-4247-AAD1-CCED2E5D485A}" type="pres">
+    <dgm:pt modelId="{C00C06EE-BD48-4201-BE0B-79FADC1DEBB6}" type="pres">
       <dgm:prSet presAssocID="{24CA7AED-5545-4A8E-AE1A-0D6C86D0642B}" presName="tx1" presStyleLbl="revTx" presStyleIdx="0" presStyleCnt="3"/>
       <dgm:spPr/>
     </dgm:pt>
-    <dgm:pt modelId="{3C31FA5F-9312-42B1-B454-BA9DAA7673DA}" type="pres">
+    <dgm:pt modelId="{A15F4156-35AB-4FE4-8D60-31E22A792938}" type="pres">
       <dgm:prSet presAssocID="{24CA7AED-5545-4A8E-AE1A-0D6C86D0642B}" presName="vert1" presStyleCnt="0"/>
       <dgm:spPr/>
     </dgm:pt>
-    <dgm:pt modelId="{018B3A73-1D96-4846-A5E3-CB2556C8D49F}" type="pres">
+    <dgm:pt modelId="{322FD1A3-B350-4C3C-90B2-44B59AF3E31B}" type="pres">
       <dgm:prSet presAssocID="{F8381271-A90A-4522-8986-F65AF97E0127}" presName="thickLine" presStyleLbl="alignNode1" presStyleIdx="1" presStyleCnt="3"/>
       <dgm:spPr/>
     </dgm:pt>
-    <dgm:pt modelId="{9AFEA385-42CD-463A-8D58-0475835ECAEF}" type="pres">
+    <dgm:pt modelId="{C7502B0B-FBC1-4D39-9041-2E4275667242}" type="pres">
       <dgm:prSet presAssocID="{F8381271-A90A-4522-8986-F65AF97E0127}" presName="horz1" presStyleCnt="0"/>
       <dgm:spPr/>
     </dgm:pt>
-    <dgm:pt modelId="{259E2A24-5461-4C54-9332-D5A607F50739}" type="pres">
+    <dgm:pt modelId="{C40E9A38-7D4C-4776-8B93-0112D8BE4FBA}" type="pres">
       <dgm:prSet presAssocID="{F8381271-A90A-4522-8986-F65AF97E0127}" presName="tx1" presStyleLbl="revTx" presStyleIdx="1" presStyleCnt="3"/>
       <dgm:spPr/>
     </dgm:pt>
-    <dgm:pt modelId="{DF19DDA3-3DB5-4187-9702-0A8373A3A994}" type="pres">
+    <dgm:pt modelId="{D409DC9D-E659-4454-A811-4D8DDD44EC63}" type="pres">
       <dgm:prSet presAssocID="{F8381271-A90A-4522-8986-F65AF97E0127}" presName="vert1" presStyleCnt="0"/>
       <dgm:spPr/>
     </dgm:pt>
-    <dgm:pt modelId="{BE7015E2-BE4B-4E42-8E4A-222CF5F4A157}" type="pres">
+    <dgm:pt modelId="{A6739467-E146-4E62-82A0-E216094AADE8}" type="pres">
       <dgm:prSet presAssocID="{19B02E46-73B1-4D7B-B33F-7D37190A99A4}" presName="thickLine" presStyleLbl="alignNode1" presStyleIdx="2" presStyleCnt="3"/>
       <dgm:spPr/>
     </dgm:pt>
-    <dgm:pt modelId="{76DAF09C-5CCA-459A-B7B0-2A84D506426A}" type="pres">
+    <dgm:pt modelId="{C6202A9F-CC54-4D54-BCC7-9EC3814DB2EC}" type="pres">
       <dgm:prSet presAssocID="{19B02E46-73B1-4D7B-B33F-7D37190A99A4}" presName="horz1" presStyleCnt="0"/>
       <dgm:spPr/>
     </dgm:pt>
-    <dgm:pt modelId="{608572DB-8D3B-4005-9FF9-714F0C2D89A3}" type="pres">
+    <dgm:pt modelId="{AAB76BE3-6A44-47BF-90CA-3C8F675FCB57}" type="pres">
       <dgm:prSet presAssocID="{19B02E46-73B1-4D7B-B33F-7D37190A99A4}" presName="tx1" presStyleLbl="revTx" presStyleIdx="2" presStyleCnt="3"/>
       <dgm:spPr/>
     </dgm:pt>
-    <dgm:pt modelId="{8CCA1CBE-CAD3-40F8-BAC5-2528FAE193BC}" type="pres">
+    <dgm:pt modelId="{5AD58336-76DB-4C97-9178-CB404FCA770E}" type="pres">
       <dgm:prSet presAssocID="{19B02E46-73B1-4D7B-B33F-7D37190A99A4}" presName="vert1" presStyleCnt="0"/>
       <dgm:spPr/>
     </dgm:pt>
   </dgm:ptLst>
   <dgm:cxnLst>
-    <dgm:cxn modelId="{C3B94117-7C8A-4BE7-AFFE-B25AAA5C624B}" type="presOf" srcId="{19B02E46-73B1-4D7B-B33F-7D37190A99A4}" destId="{608572DB-8D3B-4005-9FF9-714F0C2D89A3}" srcOrd="0" destOrd="0" presId="urn:microsoft.com/office/officeart/2008/layout/LinedList"/>
-    <dgm:cxn modelId="{B8623D48-4B54-4BB1-961D-C49EA558DC17}" type="presOf" srcId="{24CA7AED-5545-4A8E-AE1A-0D6C86D0642B}" destId="{9B265D48-2454-4247-AAD1-CCED2E5D485A}" srcOrd="0" destOrd="0" presId="urn:microsoft.com/office/officeart/2008/layout/LinedList"/>
+    <dgm:cxn modelId="{9BD8A910-06FC-455F-A8AD-AFAB231EDBF9}" type="presOf" srcId="{1691608B-B9EF-4B7C-95AE-3D7721A9E0AC}" destId="{0AAB460A-5B56-456B-806E-9FCA64FCBFF7}" srcOrd="0" destOrd="0" presId="urn:microsoft.com/office/officeart/2008/layout/LinedList"/>
+    <dgm:cxn modelId="{393B8568-B57A-47FE-B0F3-03D3182C13EA}" type="presOf" srcId="{F8381271-A90A-4522-8986-F65AF97E0127}" destId="{C40E9A38-7D4C-4776-8B93-0112D8BE4FBA}" srcOrd="0" destOrd="0" presId="urn:microsoft.com/office/officeart/2008/layout/LinedList"/>
     <dgm:cxn modelId="{EEAA2670-0BC6-4211-92C7-41ACE4441D9E}" srcId="{1691608B-B9EF-4B7C-95AE-3D7721A9E0AC}" destId="{19B02E46-73B1-4D7B-B33F-7D37190A99A4}" srcOrd="2" destOrd="0" parTransId="{A24EC015-313F-43D8-B42C-E9869BD25D69}" sibTransId="{D3A7DFEB-5F5F-4793-86E3-444163C7BEC3}"/>
-    <dgm:cxn modelId="{A0EA1C9C-093C-4CB2-8FCF-AB81D333064D}" type="presOf" srcId="{1691608B-B9EF-4B7C-95AE-3D7721A9E0AC}" destId="{890C38F3-17D7-4666-B6E0-76D4EC0F7BE3}" srcOrd="0" destOrd="0" presId="urn:microsoft.com/office/officeart/2008/layout/LinedList"/>
+    <dgm:cxn modelId="{2468FC99-CA31-4372-94CD-B19C918FE256}" type="presOf" srcId="{24CA7AED-5545-4A8E-AE1A-0D6C86D0642B}" destId="{C00C06EE-BD48-4201-BE0B-79FADC1DEBB6}" srcOrd="0" destOrd="0" presId="urn:microsoft.com/office/officeart/2008/layout/LinedList"/>
     <dgm:cxn modelId="{268051AD-AD79-474A-BAC2-15FEA0BF866B}" srcId="{1691608B-B9EF-4B7C-95AE-3D7721A9E0AC}" destId="{24CA7AED-5545-4A8E-AE1A-0D6C86D0642B}" srcOrd="0" destOrd="0" parTransId="{499EA6E7-F40E-4C65-BDAC-5371E54A62EC}" sibTransId="{60C87E7F-8A40-4A7D-97A7-5AE7D5773D6D}"/>
-    <dgm:cxn modelId="{610C01DB-5191-4CD0-84E3-5A5A0C2C28BF}" type="presOf" srcId="{F8381271-A90A-4522-8986-F65AF97E0127}" destId="{259E2A24-5461-4C54-9332-D5A607F50739}" srcOrd="0" destOrd="0" presId="urn:microsoft.com/office/officeart/2008/layout/LinedList"/>
+    <dgm:cxn modelId="{6EA6BAB5-3898-4F0E-8B0F-952A5C048AD2}" type="presOf" srcId="{19B02E46-73B1-4D7B-B33F-7D37190A99A4}" destId="{AAB76BE3-6A44-47BF-90CA-3C8F675FCB57}" srcOrd="0" destOrd="0" presId="urn:microsoft.com/office/officeart/2008/layout/LinedList"/>
     <dgm:cxn modelId="{1CB81EE0-D72A-4A87-B70A-A163B867C1FF}" srcId="{1691608B-B9EF-4B7C-95AE-3D7721A9E0AC}" destId="{F8381271-A90A-4522-8986-F65AF97E0127}" srcOrd="1" destOrd="0" parTransId="{3E6459DD-7211-41A3-BFB3-EC3037D3F44A}" sibTransId="{126F9667-35D6-4B98-AE38-94CB987BC248}"/>
-    <dgm:cxn modelId="{1086BBA4-26A2-4760-9C6F-B90BD87025E6}" type="presParOf" srcId="{890C38F3-17D7-4666-B6E0-76D4EC0F7BE3}" destId="{583F82C0-2279-490D-9E90-763286F9D803}" srcOrd="0" destOrd="0" presId="urn:microsoft.com/office/officeart/2008/layout/LinedList"/>
-    <dgm:cxn modelId="{46592E29-5E66-4FA2-AE42-8164E1465A6C}" type="presParOf" srcId="{890C38F3-17D7-4666-B6E0-76D4EC0F7BE3}" destId="{860D1D61-2060-4532-A2C0-BEDBFDDE42F9}" srcOrd="1" destOrd="0" presId="urn:microsoft.com/office/officeart/2008/layout/LinedList"/>
-    <dgm:cxn modelId="{626E9F79-3CBD-4F86-882D-A05BF7082E0C}" type="presParOf" srcId="{860D1D61-2060-4532-A2C0-BEDBFDDE42F9}" destId="{9B265D48-2454-4247-AAD1-CCED2E5D485A}" srcOrd="0" destOrd="0" presId="urn:microsoft.com/office/officeart/2008/layout/LinedList"/>
-    <dgm:cxn modelId="{A88150E5-88AC-4E8F-8B05-E1F9CB356121}" type="presParOf" srcId="{860D1D61-2060-4532-A2C0-BEDBFDDE42F9}" destId="{3C31FA5F-9312-42B1-B454-BA9DAA7673DA}" srcOrd="1" destOrd="0" presId="urn:microsoft.com/office/officeart/2008/layout/LinedList"/>
-    <dgm:cxn modelId="{79D4A995-A3B8-47B0-98B2-7D966F201430}" type="presParOf" srcId="{890C38F3-17D7-4666-B6E0-76D4EC0F7BE3}" destId="{018B3A73-1D96-4846-A5E3-CB2556C8D49F}" srcOrd="2" destOrd="0" presId="urn:microsoft.com/office/officeart/2008/layout/LinedList"/>
-    <dgm:cxn modelId="{82A6AA66-89BC-4511-AFCD-F6F3C3EE0ED5}" type="presParOf" srcId="{890C38F3-17D7-4666-B6E0-76D4EC0F7BE3}" destId="{9AFEA385-42CD-463A-8D58-0475835ECAEF}" srcOrd="3" destOrd="0" presId="urn:microsoft.com/office/officeart/2008/layout/LinedList"/>
-    <dgm:cxn modelId="{9CA2E2D6-A042-4D4B-9318-948601988D56}" type="presParOf" srcId="{9AFEA385-42CD-463A-8D58-0475835ECAEF}" destId="{259E2A24-5461-4C54-9332-D5A607F50739}" srcOrd="0" destOrd="0" presId="urn:microsoft.com/office/officeart/2008/layout/LinedList"/>
-    <dgm:cxn modelId="{59228089-DE14-44C3-B51C-9F01CE77848F}" type="presParOf" srcId="{9AFEA385-42CD-463A-8D58-0475835ECAEF}" destId="{DF19DDA3-3DB5-4187-9702-0A8373A3A994}" srcOrd="1" destOrd="0" presId="urn:microsoft.com/office/officeart/2008/layout/LinedList"/>
-    <dgm:cxn modelId="{673EC995-8916-43FC-8A24-789341633920}" type="presParOf" srcId="{890C38F3-17D7-4666-B6E0-76D4EC0F7BE3}" destId="{BE7015E2-BE4B-4E42-8E4A-222CF5F4A157}" srcOrd="4" destOrd="0" presId="urn:microsoft.com/office/officeart/2008/layout/LinedList"/>
-    <dgm:cxn modelId="{6D225E61-98CE-4377-B851-2D50E2967DEF}" type="presParOf" srcId="{890C38F3-17D7-4666-B6E0-76D4EC0F7BE3}" destId="{76DAF09C-5CCA-459A-B7B0-2A84D506426A}" srcOrd="5" destOrd="0" presId="urn:microsoft.com/office/officeart/2008/layout/LinedList"/>
-    <dgm:cxn modelId="{003C4339-424F-481D-BC9D-205835398935}" type="presParOf" srcId="{76DAF09C-5CCA-459A-B7B0-2A84D506426A}" destId="{608572DB-8D3B-4005-9FF9-714F0C2D89A3}" srcOrd="0" destOrd="0" presId="urn:microsoft.com/office/officeart/2008/layout/LinedList"/>
-    <dgm:cxn modelId="{C05B6BB6-A382-4519-865E-4ED0562E06A3}" type="presParOf" srcId="{76DAF09C-5CCA-459A-B7B0-2A84D506426A}" destId="{8CCA1CBE-CAD3-40F8-BAC5-2528FAE193BC}" srcOrd="1" destOrd="0" presId="urn:microsoft.com/office/officeart/2008/layout/LinedList"/>
+    <dgm:cxn modelId="{948E2D58-5F53-4187-BD46-0868600FD392}" type="presParOf" srcId="{0AAB460A-5B56-456B-806E-9FCA64FCBFF7}" destId="{5FA34A64-945F-458E-B656-3FA91ECC1DAE}" srcOrd="0" destOrd="0" presId="urn:microsoft.com/office/officeart/2008/layout/LinedList"/>
+    <dgm:cxn modelId="{A7F51D75-9A38-402B-BC11-5BF3976CDA2A}" type="presParOf" srcId="{0AAB460A-5B56-456B-806E-9FCA64FCBFF7}" destId="{46925091-D8D7-4958-BA6A-0947CB140114}" srcOrd="1" destOrd="0" presId="urn:microsoft.com/office/officeart/2008/layout/LinedList"/>
+    <dgm:cxn modelId="{3DC8F8AA-6078-4FBE-BC8E-E5DEA4E4F99D}" type="presParOf" srcId="{46925091-D8D7-4958-BA6A-0947CB140114}" destId="{C00C06EE-BD48-4201-BE0B-79FADC1DEBB6}" srcOrd="0" destOrd="0" presId="urn:microsoft.com/office/officeart/2008/layout/LinedList"/>
+    <dgm:cxn modelId="{7B03F1BA-28BB-487E-9D22-AAE45FFA0F66}" type="presParOf" srcId="{46925091-D8D7-4958-BA6A-0947CB140114}" destId="{A15F4156-35AB-4FE4-8D60-31E22A792938}" srcOrd="1" destOrd="0" presId="urn:microsoft.com/office/officeart/2008/layout/LinedList"/>
+    <dgm:cxn modelId="{EB549761-EC78-417E-A278-A736B62778AA}" type="presParOf" srcId="{0AAB460A-5B56-456B-806E-9FCA64FCBFF7}" destId="{322FD1A3-B350-4C3C-90B2-44B59AF3E31B}" srcOrd="2" destOrd="0" presId="urn:microsoft.com/office/officeart/2008/layout/LinedList"/>
+    <dgm:cxn modelId="{533C6AAD-CFA7-4C15-B59F-A7CD7E2F5033}" type="presParOf" srcId="{0AAB460A-5B56-456B-806E-9FCA64FCBFF7}" destId="{C7502B0B-FBC1-4D39-9041-2E4275667242}" srcOrd="3" destOrd="0" presId="urn:microsoft.com/office/officeart/2008/layout/LinedList"/>
+    <dgm:cxn modelId="{7ED6FF89-9C50-4692-9451-2CB00EE511C7}" type="presParOf" srcId="{C7502B0B-FBC1-4D39-9041-2E4275667242}" destId="{C40E9A38-7D4C-4776-8B93-0112D8BE4FBA}" srcOrd="0" destOrd="0" presId="urn:microsoft.com/office/officeart/2008/layout/LinedList"/>
+    <dgm:cxn modelId="{8646B49F-9573-421B-8FF0-03EA7745C187}" type="presParOf" srcId="{C7502B0B-FBC1-4D39-9041-2E4275667242}" destId="{D409DC9D-E659-4454-A811-4D8DDD44EC63}" srcOrd="1" destOrd="0" presId="urn:microsoft.com/office/officeart/2008/layout/LinedList"/>
+    <dgm:cxn modelId="{6183C5F7-A016-4FEF-94B6-2C64BB101810}" type="presParOf" srcId="{0AAB460A-5B56-456B-806E-9FCA64FCBFF7}" destId="{A6739467-E146-4E62-82A0-E216094AADE8}" srcOrd="4" destOrd="0" presId="urn:microsoft.com/office/officeart/2008/layout/LinedList"/>
+    <dgm:cxn modelId="{9CE3D728-8B7B-4EDE-986C-E5BA17FF7F05}" type="presParOf" srcId="{0AAB460A-5B56-456B-806E-9FCA64FCBFF7}" destId="{C6202A9F-CC54-4D54-BCC7-9EC3814DB2EC}" srcOrd="5" destOrd="0" presId="urn:microsoft.com/office/officeart/2008/layout/LinedList"/>
+    <dgm:cxn modelId="{FA3D62B7-D310-4478-9FD5-C43AED083F0A}" type="presParOf" srcId="{C6202A9F-CC54-4D54-BCC7-9EC3814DB2EC}" destId="{AAB76BE3-6A44-47BF-90CA-3C8F675FCB57}" srcOrd="0" destOrd="0" presId="urn:microsoft.com/office/officeart/2008/layout/LinedList"/>
+    <dgm:cxn modelId="{5731994C-EAF3-4A6E-B7F1-B2284A2243F5}" type="presParOf" srcId="{C6202A9F-CC54-4D54-BCC7-9EC3814DB2EC}" destId="{5AD58336-76DB-4C97-9178-CB404FCA770E}" srcOrd="1" destOrd="0" presId="urn:microsoft.com/office/officeart/2008/layout/LinedList"/>
   </dgm:cxnLst>
   <dgm:bg/>
   <dgm:whole/>
@@ -1132,7 +1095,7 @@
       <dsp:cNvGrpSpPr/>
     </dsp:nvGrpSpPr>
     <dsp:grpSpPr/>
-    <dsp:sp modelId="{583F82C0-2279-490D-9E90-763286F9D803}">
+    <dsp:sp modelId="{5FA34A64-945F-458E-B656-3FA91ECC1DAE}">
       <dsp:nvSpPr>
         <dsp:cNvPr id="0" name=""/>
         <dsp:cNvSpPr/>
@@ -1148,7 +1111,7 @@
         <a:gradFill rotWithShape="0">
           <a:gsLst>
             <a:gs pos="0">
-              <a:schemeClr val="accent5">
+              <a:schemeClr val="dk2">
                 <a:hueOff val="0"/>
                 <a:satOff val="0"/>
                 <a:lumOff val="0"/>
@@ -1158,7 +1121,7 @@
               </a:schemeClr>
             </a:gs>
             <a:gs pos="100000">
-              <a:schemeClr val="accent5">
+              <a:schemeClr val="dk2">
                 <a:hueOff val="0"/>
                 <a:satOff val="0"/>
                 <a:lumOff val="0"/>
@@ -1172,7 +1135,7 @@
         </a:gradFill>
         <a:ln w="9525" cap="rnd" cmpd="sng" algn="ctr">
           <a:solidFill>
-            <a:schemeClr val="accent5">
+            <a:schemeClr val="dk2">
               <a:hueOff val="0"/>
               <a:satOff val="0"/>
               <a:lumOff val="0"/>
@@ -1204,7 +1167,7 @@
         </a:fontRef>
       </dsp:style>
     </dsp:sp>
-    <dsp:sp modelId="{9B265D48-2454-4247-AAD1-CCED2E5D485A}">
+    <dsp:sp modelId="{C00C06EE-BD48-4201-BE0B-79FADC1DEBB6}">
       <dsp:nvSpPr>
         <dsp:cNvPr id="0" name=""/>
         <dsp:cNvSpPr/>
@@ -1236,12 +1199,12 @@
         <a:fontRef idx="minor"/>
       </dsp:style>
       <dsp:txBody>
-        <a:bodyPr spcFirstLastPara="0" vert="horz" wrap="square" lIns="83820" tIns="83820" rIns="83820" bIns="83820" numCol="1" spcCol="1270" anchor="t" anchorCtr="0">
+        <a:bodyPr spcFirstLastPara="0" vert="horz" wrap="square" lIns="76200" tIns="76200" rIns="76200" bIns="76200" numCol="1" spcCol="1270" anchor="t" anchorCtr="0">
           <a:noAutofit/>
         </a:bodyPr>
         <a:lstStyle/>
         <a:p>
-          <a:pPr marL="0" lvl="0" indent="0" algn="just" defTabSz="977900">
+          <a:pPr marL="0" lvl="0" indent="0" algn="just" defTabSz="889000">
             <a:lnSpc>
               <a:spcPct val="90000"/>
             </a:lnSpc>
@@ -1254,7 +1217,7 @@
             <a:buNone/>
           </a:pPr>
           <a:r>
-            <a:rPr lang="en-US" sz="2200" kern="1200" dirty="0"/>
+            <a:rPr lang="en-US" sz="2000" kern="1200" dirty="0"/>
             <a:t>He faced poverty and hardship as a young migrant in Karachi after the partition of India. He also faced hostility and discrimination from some members of his own community who did not approve of his social work.</a:t>
           </a:r>
         </a:p>
@@ -1264,7 +1227,7 @@
         <a:ext cx="10353675" cy="1351757"/>
       </dsp:txXfrm>
     </dsp:sp>
-    <dsp:sp modelId="{018B3A73-1D96-4846-A5E3-CB2556C8D49F}">
+    <dsp:sp modelId="{322FD1A3-B350-4C3C-90B2-44B59AF3E31B}">
       <dsp:nvSpPr>
         <dsp:cNvPr id="0" name=""/>
         <dsp:cNvSpPr/>
@@ -1280,20 +1243,20 @@
         <a:gradFill rotWithShape="0">
           <a:gsLst>
             <a:gs pos="0">
-              <a:schemeClr val="accent5">
-                <a:hueOff val="801524"/>
-                <a:satOff val="-9438"/>
-                <a:lumOff val="6274"/>
+              <a:schemeClr val="dk2">
+                <a:hueOff val="0"/>
+                <a:satOff val="0"/>
+                <a:lumOff val="0"/>
                 <a:alphaOff val="0"/>
                 <a:tint val="96000"/>
                 <a:lumMod val="104000"/>
               </a:schemeClr>
             </a:gs>
             <a:gs pos="100000">
-              <a:schemeClr val="accent5">
-                <a:hueOff val="801524"/>
-                <a:satOff val="-9438"/>
-                <a:lumOff val="6274"/>
+              <a:schemeClr val="dk2">
+                <a:hueOff val="0"/>
+                <a:satOff val="0"/>
+                <a:lumOff val="0"/>
                 <a:alphaOff val="0"/>
                 <a:shade val="90000"/>
                 <a:lumMod val="90000"/>
@@ -1304,10 +1267,10 @@
         </a:gradFill>
         <a:ln w="9525" cap="rnd" cmpd="sng" algn="ctr">
           <a:solidFill>
-            <a:schemeClr val="accent5">
-              <a:hueOff val="801524"/>
-              <a:satOff val="-9438"/>
-              <a:lumOff val="6274"/>
+            <a:schemeClr val="dk2">
+              <a:hueOff val="0"/>
+              <a:satOff val="0"/>
+              <a:lumOff val="0"/>
               <a:alphaOff val="0"/>
             </a:schemeClr>
           </a:solidFill>
@@ -1336,7 +1299,7 @@
         </a:fontRef>
       </dsp:style>
     </dsp:sp>
-    <dsp:sp modelId="{259E2A24-5461-4C54-9332-D5A607F50739}">
+    <dsp:sp modelId="{C40E9A38-7D4C-4776-8B93-0112D8BE4FBA}">
       <dsp:nvSpPr>
         <dsp:cNvPr id="0" name=""/>
         <dsp:cNvSpPr/>
@@ -1368,12 +1331,12 @@
         <a:fontRef idx="minor"/>
       </dsp:style>
       <dsp:txBody>
-        <a:bodyPr spcFirstLastPara="0" vert="horz" wrap="square" lIns="83820" tIns="83820" rIns="83820" bIns="83820" numCol="1" spcCol="1270" anchor="t" anchorCtr="0">
+        <a:bodyPr spcFirstLastPara="0" vert="horz" wrap="square" lIns="76200" tIns="76200" rIns="76200" bIns="76200" numCol="1" spcCol="1270" anchor="t" anchorCtr="0">
           <a:noAutofit/>
         </a:bodyPr>
         <a:lstStyle/>
         <a:p>
-          <a:pPr marL="0" lvl="0" indent="0" algn="just" defTabSz="977900">
+          <a:pPr marL="0" lvl="0" indent="0" algn="just" defTabSz="889000">
             <a:lnSpc>
               <a:spcPct val="90000"/>
             </a:lnSpc>
@@ -1386,7 +1349,7 @@
             <a:buNone/>
           </a:pPr>
           <a:r>
-            <a:rPr lang="en-US" sz="2200" kern="1200" dirty="0"/>
+            <a:rPr lang="en-US" sz="2000" kern="1200" dirty="0"/>
             <a:t>He faced challenges in maintaining and expanding his foundation's services due to the lack of government support, corruption, bureaucracy, and security issues. He often had to sell his personal belongings or borrow money to keep his foundation running.</a:t>
           </a:r>
         </a:p>
@@ -1396,7 +1359,7 @@
         <a:ext cx="10353675" cy="1351757"/>
       </dsp:txXfrm>
     </dsp:sp>
-    <dsp:sp modelId="{BE7015E2-BE4B-4E42-8E4A-222CF5F4A157}">
+    <dsp:sp modelId="{A6739467-E146-4E62-82A0-E216094AADE8}">
       <dsp:nvSpPr>
         <dsp:cNvPr id="0" name=""/>
         <dsp:cNvSpPr/>
@@ -1412,20 +1375,20 @@
         <a:gradFill rotWithShape="0">
           <a:gsLst>
             <a:gs pos="0">
-              <a:schemeClr val="accent5">
-                <a:hueOff val="1603047"/>
-                <a:satOff val="-18876"/>
-                <a:lumOff val="12549"/>
+              <a:schemeClr val="dk2">
+                <a:hueOff val="0"/>
+                <a:satOff val="0"/>
+                <a:lumOff val="0"/>
                 <a:alphaOff val="0"/>
                 <a:tint val="96000"/>
                 <a:lumMod val="104000"/>
               </a:schemeClr>
             </a:gs>
             <a:gs pos="100000">
-              <a:schemeClr val="accent5">
-                <a:hueOff val="1603047"/>
-                <a:satOff val="-18876"/>
-                <a:lumOff val="12549"/>
+              <a:schemeClr val="dk2">
+                <a:hueOff val="0"/>
+                <a:satOff val="0"/>
+                <a:lumOff val="0"/>
                 <a:alphaOff val="0"/>
                 <a:shade val="90000"/>
                 <a:lumMod val="90000"/>
@@ -1436,10 +1399,10 @@
         </a:gradFill>
         <a:ln w="9525" cap="rnd" cmpd="sng" algn="ctr">
           <a:solidFill>
-            <a:schemeClr val="accent5">
-              <a:hueOff val="1603047"/>
-              <a:satOff val="-18876"/>
-              <a:lumOff val="12549"/>
+            <a:schemeClr val="dk2">
+              <a:hueOff val="0"/>
+              <a:satOff val="0"/>
+              <a:lumOff val="0"/>
               <a:alphaOff val="0"/>
             </a:schemeClr>
           </a:solidFill>
@@ -1468,7 +1431,7 @@
         </a:fontRef>
       </dsp:style>
     </dsp:sp>
-    <dsp:sp modelId="{608572DB-8D3B-4005-9FF9-714F0C2D89A3}">
+    <dsp:sp modelId="{AAB76BE3-6A44-47BF-90CA-3C8F675FCB57}">
       <dsp:nvSpPr>
         <dsp:cNvPr id="0" name=""/>
         <dsp:cNvSpPr/>
@@ -1500,12 +1463,12 @@
         <a:fontRef idx="minor"/>
       </dsp:style>
       <dsp:txBody>
-        <a:bodyPr spcFirstLastPara="0" vert="horz" wrap="square" lIns="83820" tIns="83820" rIns="83820" bIns="83820" numCol="1" spcCol="1270" anchor="t" anchorCtr="0">
+        <a:bodyPr spcFirstLastPara="0" vert="horz" wrap="square" lIns="76200" tIns="76200" rIns="76200" bIns="76200" numCol="1" spcCol="1270" anchor="t" anchorCtr="0">
           <a:noAutofit/>
         </a:bodyPr>
         <a:lstStyle/>
         <a:p>
-          <a:pPr marL="0" lvl="0" indent="0" algn="just" defTabSz="977900">
+          <a:pPr marL="0" lvl="0" indent="0" algn="just" defTabSz="889000">
             <a:lnSpc>
               <a:spcPct val="90000"/>
             </a:lnSpc>
@@ -1518,16 +1481,10 @@
             <a:buNone/>
           </a:pPr>
           <a:r>
-            <a:rPr lang="en-US" sz="2200" kern="1200" dirty="0"/>
-            <a:t>He faced opposition and threats from some religious extremists and political groups who accused him of being a heretic, a spy, or a </a:t>
-          </a:r>
-          <a:r>
-            <a:rPr lang="en-US" sz="2200" kern="1200" dirty="0" err="1"/>
-            <a:t>traitor.He</a:t>
-          </a:r>
-          <a:r>
-            <a:rPr lang="en-US" sz="2200" kern="1200" dirty="0"/>
-            <a:t> was also attacked several times by armed men who tried to rob or kidnap him or his staff. He survived a bomb blast near his office in 2013 that killed three people.</a:t>
+            <a:rPr lang="en-US" sz="2000" kern="1200" dirty="0">
+              <a:effectLst/>
+            </a:rPr>
+            <a:t>He faced opposition and threats from some religious extremists and political groups who accused him of being a heretic, a spy, or a traitor. He was also attacked several times by armed men who tried to rob or kidnap him or his staff. He survived a bomb blast near his office in 2013 that killed three people.</a:t>
           </a:r>
         </a:p>
       </dsp:txBody>
@@ -3225,7 +3182,7 @@
           <a:p>
             <a:fld id="{B3D81ED4-19E2-4D3F-8BF2-219E7C9B5F97}" type="datetimeFigureOut">
               <a:rPr lang="en-US" smtClean="0"/>
-              <a:t>06-Oct-23</a:t>
+              <a:t>15-Oct-23</a:t>
             </a:fld>
             <a:endParaRPr lang="en-US"/>
           </a:p>
@@ -3523,7 +3480,7 @@
           <a:p>
             <a:fld id="{B3D81ED4-19E2-4D3F-8BF2-219E7C9B5F97}" type="datetimeFigureOut">
               <a:rPr lang="en-US" smtClean="0"/>
-              <a:t>06-Oct-23</a:t>
+              <a:t>15-Oct-23</a:t>
             </a:fld>
             <a:endParaRPr lang="en-US"/>
           </a:p>
@@ -3715,7 +3672,7 @@
           <a:p>
             <a:fld id="{B3D81ED4-19E2-4D3F-8BF2-219E7C9B5F97}" type="datetimeFigureOut">
               <a:rPr lang="en-US" smtClean="0"/>
-              <a:t>06-Oct-23</a:t>
+              <a:t>15-Oct-23</a:t>
             </a:fld>
             <a:endParaRPr lang="en-US"/>
           </a:p>
@@ -3976,7 +3933,7 @@
           <a:p>
             <a:fld id="{B3D81ED4-19E2-4D3F-8BF2-219E7C9B5F97}" type="datetimeFigureOut">
               <a:rPr lang="en-US" smtClean="0"/>
-              <a:t>06-Oct-23</a:t>
+              <a:t>15-Oct-23</a:t>
             </a:fld>
             <a:endParaRPr lang="en-US"/>
           </a:p>
@@ -4400,7 +4357,7 @@
           <a:p>
             <a:fld id="{B3D81ED4-19E2-4D3F-8BF2-219E7C9B5F97}" type="datetimeFigureOut">
               <a:rPr lang="en-US" smtClean="0"/>
-              <a:t>06-Oct-23</a:t>
+              <a:t>15-Oct-23</a:t>
             </a:fld>
             <a:endParaRPr lang="en-US"/>
           </a:p>
@@ -4937,7 +4894,7 @@
           <a:p>
             <a:fld id="{B3D81ED4-19E2-4D3F-8BF2-219E7C9B5F97}" type="datetimeFigureOut">
               <a:rPr lang="en-US" smtClean="0"/>
-              <a:t>06-Oct-23</a:t>
+              <a:t>15-Oct-23</a:t>
             </a:fld>
             <a:endParaRPr lang="en-US"/>
           </a:p>
@@ -5801,7 +5758,7 @@
           <a:p>
             <a:fld id="{B3D81ED4-19E2-4D3F-8BF2-219E7C9B5F97}" type="datetimeFigureOut">
               <a:rPr lang="en-US" smtClean="0"/>
-              <a:t>06-Oct-23</a:t>
+              <a:t>15-Oct-23</a:t>
             </a:fld>
             <a:endParaRPr lang="en-US"/>
           </a:p>
@@ -5971,7 +5928,7 @@
           <a:p>
             <a:fld id="{B3D81ED4-19E2-4D3F-8BF2-219E7C9B5F97}" type="datetimeFigureOut">
               <a:rPr lang="en-US" smtClean="0"/>
-              <a:t>06-Oct-23</a:t>
+              <a:t>15-Oct-23</a:t>
             </a:fld>
             <a:endParaRPr lang="en-US"/>
           </a:p>
@@ -6155,7 +6112,7 @@
           <a:p>
             <a:fld id="{B3D81ED4-19E2-4D3F-8BF2-219E7C9B5F97}" type="datetimeFigureOut">
               <a:rPr lang="en-US" smtClean="0"/>
-              <a:t>06-Oct-23</a:t>
+              <a:t>15-Oct-23</a:t>
             </a:fld>
             <a:endParaRPr lang="en-US"/>
           </a:p>
@@ -6325,7 +6282,7 @@
           <a:p>
             <a:fld id="{B3D81ED4-19E2-4D3F-8BF2-219E7C9B5F97}" type="datetimeFigureOut">
               <a:rPr lang="en-US" smtClean="0"/>
-              <a:t>06-Oct-23</a:t>
+              <a:t>15-Oct-23</a:t>
             </a:fld>
             <a:endParaRPr lang="en-US"/>
           </a:p>
@@ -6569,7 +6526,7 @@
           <a:p>
             <a:fld id="{B3D81ED4-19E2-4D3F-8BF2-219E7C9B5F97}" type="datetimeFigureOut">
               <a:rPr lang="en-US" smtClean="0"/>
-              <a:t>06-Oct-23</a:t>
+              <a:t>15-Oct-23</a:t>
             </a:fld>
             <a:endParaRPr lang="en-US"/>
           </a:p>
@@ -6805,7 +6762,7 @@
           <a:p>
             <a:fld id="{B3D81ED4-19E2-4D3F-8BF2-219E7C9B5F97}" type="datetimeFigureOut">
               <a:rPr lang="en-US" smtClean="0"/>
-              <a:t>06-Oct-23</a:t>
+              <a:t>15-Oct-23</a:t>
             </a:fld>
             <a:endParaRPr lang="en-US"/>
           </a:p>
@@ -7271,7 +7228,7 @@
           <a:p>
             <a:fld id="{B3D81ED4-19E2-4D3F-8BF2-219E7C9B5F97}" type="datetimeFigureOut">
               <a:rPr lang="en-US" smtClean="0"/>
-              <a:t>06-Oct-23</a:t>
+              <a:t>15-Oct-23</a:t>
             </a:fld>
             <a:endParaRPr lang="en-US"/>
           </a:p>
@@ -7389,7 +7346,7 @@
           <a:p>
             <a:fld id="{B3D81ED4-19E2-4D3F-8BF2-219E7C9B5F97}" type="datetimeFigureOut">
               <a:rPr lang="en-US" smtClean="0"/>
-              <a:t>06-Oct-23</a:t>
+              <a:t>15-Oct-23</a:t>
             </a:fld>
             <a:endParaRPr lang="en-US"/>
           </a:p>
@@ -7484,7 +7441,7 @@
           <a:p>
             <a:fld id="{B3D81ED4-19E2-4D3F-8BF2-219E7C9B5F97}" type="datetimeFigureOut">
               <a:rPr lang="en-US" smtClean="0"/>
-              <a:t>06-Oct-23</a:t>
+              <a:t>15-Oct-23</a:t>
             </a:fld>
             <a:endParaRPr lang="en-US"/>
           </a:p>
@@ -7739,7 +7696,7 @@
           <a:p>
             <a:fld id="{B3D81ED4-19E2-4D3F-8BF2-219E7C9B5F97}" type="datetimeFigureOut">
               <a:rPr lang="en-US" smtClean="0"/>
-              <a:t>06-Oct-23</a:t>
+              <a:t>15-Oct-23</a:t>
             </a:fld>
             <a:endParaRPr lang="en-US"/>
           </a:p>
@@ -8039,7 +7996,7 @@
           <a:p>
             <a:fld id="{B3D81ED4-19E2-4D3F-8BF2-219E7C9B5F97}" type="datetimeFigureOut">
               <a:rPr lang="en-US" smtClean="0"/>
-              <a:t>06-Oct-23</a:t>
+              <a:t>15-Oct-23</a:t>
             </a:fld>
             <a:endParaRPr lang="en-US"/>
           </a:p>
@@ -8273,7 +8230,7 @@
           <a:p>
             <a:fld id="{B3D81ED4-19E2-4D3F-8BF2-219E7C9B5F97}" type="datetimeFigureOut">
               <a:rPr lang="en-US" smtClean="0"/>
-              <a:t>06-Oct-23</a:t>
+              <a:t>15-Oct-23</a:t>
             </a:fld>
             <a:endParaRPr lang="en-US"/>
           </a:p>
@@ -9141,9 +9098,20 @@
   <p:cSld>
     <p:bg>
       <p:bgPr>
-        <a:solidFill>
-          <a:schemeClr val="bg1"/>
-        </a:solidFill>
+        <a:blipFill rotWithShape="1">
+          <a:blip r:embed="rId2">
+            <a:duotone>
+              <a:schemeClr val="bg2">
+                <a:shade val="80000"/>
+                <a:lumMod val="80000"/>
+              </a:schemeClr>
+              <a:schemeClr val="bg2">
+                <a:tint val="98000"/>
+              </a:schemeClr>
+            </a:duotone>
+          </a:blip>
+          <a:stretch/>
+        </a:blipFill>
         <a:effectLst/>
       </p:bgPr>
     </p:bg>
@@ -9161,6 +9129,233 @@
           <a:chExt cx="0" cy="0"/>
         </a:xfrm>
       </p:grpSpPr>
+      <p:sp>
+        <p:nvSpPr>
+          <p:cNvPr id="2" name="Title 1">
+            <a:extLst>
+              <a:ext uri="{FF2B5EF4-FFF2-40B4-BE49-F238E27FC236}">
+                <a16:creationId xmlns:a16="http://schemas.microsoft.com/office/drawing/2014/main" id="{DEA9FF2A-1549-0D55-7C3E-6F4CA91CF0E0}"/>
+              </a:ext>
+            </a:extLst>
+          </p:cNvPr>
+          <p:cNvSpPr>
+            <a:spLocks noGrp="1"/>
+          </p:cNvSpPr>
+          <p:nvPr>
+            <p:ph type="title"/>
+          </p:nvPr>
+        </p:nvSpPr>
+        <p:spPr>
+          <a:xfrm>
+            <a:off x="733042" y="448806"/>
+            <a:ext cx="6199386" cy="970450"/>
+          </a:xfrm>
+        </p:spPr>
+        <p:txBody>
+          <a:bodyPr>
+            <a:noAutofit/>
+          </a:bodyPr>
+          <a:lstStyle/>
+          <a:p>
+            <a:r>
+              <a:rPr lang="en-US" sz="3800" dirty="0">
+                <a:solidFill>
+                  <a:schemeClr val="tx1"/>
+                </a:solidFill>
+              </a:rPr>
+              <a:t>Who was Abdul Sattar Edhi?</a:t>
+            </a:r>
+          </a:p>
+        </p:txBody>
+      </p:sp>
+      <p:sp>
+        <p:nvSpPr>
+          <p:cNvPr id="3" name="Content Placeholder 2">
+            <a:extLst>
+              <a:ext uri="{FF2B5EF4-FFF2-40B4-BE49-F238E27FC236}">
+                <a16:creationId xmlns:a16="http://schemas.microsoft.com/office/drawing/2014/main" id="{32065B73-3534-937B-F191-5D1A865A6A58}"/>
+              </a:ext>
+            </a:extLst>
+          </p:cNvPr>
+          <p:cNvSpPr>
+            <a:spLocks noGrp="1"/>
+          </p:cNvSpPr>
+          <p:nvPr>
+            <p:ph idx="1"/>
+          </p:nvPr>
+        </p:nvSpPr>
+        <p:spPr>
+          <a:xfrm>
+            <a:off x="605450" y="1419256"/>
+            <a:ext cx="5978072" cy="4829144"/>
+          </a:xfrm>
+        </p:spPr>
+        <p:txBody>
+          <a:bodyPr anchor="ctr">
+            <a:normAutofit/>
+          </a:bodyPr>
+          <a:lstStyle/>
+          <a:p>
+            <a:pPr marL="285750" indent="-285750" algn="just">
+              <a:lnSpc>
+                <a:spcPct val="90000"/>
+              </a:lnSpc>
+              <a:spcBef>
+                <a:spcPts val="0"/>
+              </a:spcBef>
+              <a:spcAft>
+                <a:spcPts val="800"/>
+              </a:spcAft>
+              <a:buClr>
+                <a:srgbClr val="D5745B"/>
+              </a:buClr>
+              <a:buFont typeface="Arial" panose="020B0604020202020204" pitchFamily="34" charset="0"/>
+              <a:buChar char="•"/>
+            </a:pPr>
+            <a:r>
+              <a:rPr lang="en-US" sz="1900" kern="100" dirty="0">
+                <a:solidFill>
+                  <a:schemeClr val="tx1"/>
+                </a:solidFill>
+                <a:effectLst/>
+                <a:ea typeface="Calibri" panose="020F0502020204030204" pitchFamily="34" charset="0"/>
+                <a:cs typeface="Times New Roman" panose="02020603050405020304" pitchFamily="18" charset="0"/>
+              </a:rPr>
+              <a:t>Abdul Sattar Edhi was a renowned humanitarians in Pakistan's history.</a:t>
+            </a:r>
+          </a:p>
+          <a:p>
+            <a:pPr marL="285750" indent="-285750" algn="just">
+              <a:lnSpc>
+                <a:spcPct val="90000"/>
+              </a:lnSpc>
+              <a:spcBef>
+                <a:spcPts val="0"/>
+              </a:spcBef>
+              <a:spcAft>
+                <a:spcPts val="800"/>
+              </a:spcAft>
+              <a:buClr>
+                <a:srgbClr val="D5745B"/>
+              </a:buClr>
+              <a:buFont typeface="Arial" panose="020B0604020202020204" pitchFamily="34" charset="0"/>
+              <a:buChar char="•"/>
+            </a:pPr>
+            <a:r>
+              <a:rPr lang="en-US" sz="1900" dirty="0">
+                <a:solidFill>
+                  <a:schemeClr val="tx1"/>
+                </a:solidFill>
+                <a:effectLst/>
+                <a:ea typeface="Calibri" panose="020F0502020204030204" pitchFamily="34" charset="0"/>
+              </a:rPr>
+              <a:t>He is known amongst Pakistanis as the "Angel of Mercy"</a:t>
+            </a:r>
+            <a:endParaRPr lang="en-US" sz="1900" kern="100" dirty="0">
+              <a:solidFill>
+                <a:schemeClr val="tx1"/>
+              </a:solidFill>
+              <a:effectLst/>
+              <a:ea typeface="Calibri" panose="020F0502020204030204" pitchFamily="34" charset="0"/>
+              <a:cs typeface="Times New Roman" panose="02020603050405020304" pitchFamily="18" charset="0"/>
+            </a:endParaRPr>
+          </a:p>
+          <a:p>
+            <a:pPr marL="285750" indent="-285750" algn="just">
+              <a:lnSpc>
+                <a:spcPct val="90000"/>
+              </a:lnSpc>
+              <a:spcBef>
+                <a:spcPts val="0"/>
+              </a:spcBef>
+              <a:spcAft>
+                <a:spcPts val="800"/>
+              </a:spcAft>
+              <a:buClr>
+                <a:srgbClr val="D5745B"/>
+              </a:buClr>
+              <a:buFont typeface="Arial" panose="020B0604020202020204" pitchFamily="34" charset="0"/>
+              <a:buChar char="•"/>
+            </a:pPr>
+            <a:r>
+              <a:rPr lang="en-US" sz="1900" kern="100" dirty="0">
+                <a:solidFill>
+                  <a:schemeClr val="tx1"/>
+                </a:solidFill>
+                <a:effectLst/>
+                <a:ea typeface="Calibri" panose="020F0502020204030204" pitchFamily="34" charset="0"/>
+                <a:cs typeface="Times New Roman" panose="02020603050405020304" pitchFamily="18" charset="0"/>
+              </a:rPr>
+              <a:t>He was born on February 28, 1928, in Gujarat, British India, and passed away on July 8, 2016, in Karachi, Pakistan.</a:t>
+            </a:r>
+          </a:p>
+          <a:p>
+            <a:pPr marL="285750" indent="-285750" algn="just">
+              <a:lnSpc>
+                <a:spcPct val="90000"/>
+              </a:lnSpc>
+              <a:spcBef>
+                <a:spcPts val="0"/>
+              </a:spcBef>
+              <a:spcAft>
+                <a:spcPts val="800"/>
+              </a:spcAft>
+              <a:buClr>
+                <a:srgbClr val="D5745B"/>
+              </a:buClr>
+              <a:buFont typeface="Arial" panose="020B0604020202020204" pitchFamily="34" charset="0"/>
+              <a:buChar char="•"/>
+            </a:pPr>
+            <a:r>
+              <a:rPr lang="en-US" sz="1900" kern="100" dirty="0">
+                <a:solidFill>
+                  <a:schemeClr val="tx1"/>
+                </a:solidFill>
+                <a:effectLst/>
+                <a:ea typeface="Calibri" panose="020F0502020204030204" pitchFamily="34" charset="0"/>
+                <a:cs typeface="Times New Roman" panose="02020603050405020304" pitchFamily="18" charset="0"/>
+              </a:rPr>
+              <a:t>He founded the Edhi Foundation, which runs the world's largest ambulance network, along with rehabilitation centers, and orphanages across Pakistan.</a:t>
+            </a:r>
+          </a:p>
+          <a:p>
+            <a:pPr marL="285750" indent="-285750" algn="just">
+              <a:lnSpc>
+                <a:spcPct val="90000"/>
+              </a:lnSpc>
+              <a:spcBef>
+                <a:spcPts val="0"/>
+              </a:spcBef>
+              <a:spcAft>
+                <a:spcPts val="800"/>
+              </a:spcAft>
+              <a:buClr>
+                <a:srgbClr val="D5745B"/>
+              </a:buClr>
+              <a:buFont typeface="Arial" panose="020B0604020202020204" pitchFamily="34" charset="0"/>
+              <a:buChar char="•"/>
+            </a:pPr>
+            <a:r>
+              <a:rPr lang="en-US" sz="1900" kern="0" dirty="0">
+                <a:solidFill>
+                  <a:schemeClr val="tx1"/>
+                </a:solidFill>
+                <a:effectLst/>
+                <a:ea typeface="Times New Roman" panose="02020603050405020304" pitchFamily="18" charset="0"/>
+              </a:rPr>
+              <a:t>Abdul Sattar Edhi was a person who had a deep sense of empathy and kindness for the suffering of others. He never discriminated against anyone based on their religion, ethnicity, or nationality.</a:t>
+            </a:r>
+            <a:endParaRPr lang="en-US" sz="1900" kern="100" dirty="0">
+              <a:solidFill>
+                <a:schemeClr val="tx1"/>
+              </a:solidFill>
+              <a:effectLst/>
+              <a:ea typeface="Calibri" panose="020F0502020204030204" pitchFamily="34" charset="0"/>
+              <a:cs typeface="Times New Roman" panose="02020603050405020304" pitchFamily="18" charset="0"/>
+            </a:endParaRPr>
+          </a:p>
+        </p:txBody>
+      </p:sp>
       <p:pic>
         <p:nvPicPr>
           <p:cNvPr id="7" name="Picture 6" descr="A person hugging a child&#10;&#10;Description automatically generated">
@@ -9176,240 +9371,73 @@
           <p:nvPr/>
         </p:nvPicPr>
         <p:blipFill rotWithShape="1">
-          <a:blip r:embed="rId2">
-            <a:alphaModFix amt="25000"/>
+          <a:blip r:embed="rId3">
             <a:extLst>
               <a:ext uri="{28A0092B-C50C-407E-A947-70E740481C1C}">
                 <a14:useLocalDpi xmlns:a14="http://schemas.microsoft.com/office/drawing/2010/main" val="0"/>
               </a:ext>
               <a:ext uri="{837473B0-CC2E-450A-ABE3-18F120FF3D39}">
-                <a1611:picAttrSrcUrl xmlns:a1611="http://schemas.microsoft.com/office/drawing/2016/11/main" r:id="rId3"/>
+                <a1611:picAttrSrcUrl xmlns:a1611="http://schemas.microsoft.com/office/drawing/2016/11/main" r:id="rId4"/>
               </a:ext>
             </a:extLst>
           </a:blip>
-          <a:srcRect l="948" r="7496" b="-1"/>
+          <a:srcRect l="29560" r="36109" b="-1"/>
           <a:stretch/>
         </p:blipFill>
         <p:spPr>
           <a:xfrm>
-            <a:off x="20" y="10"/>
-            <a:ext cx="12191980" cy="6857990"/>
+            <a:off x="7620351" y="10"/>
+            <a:ext cx="4571649" cy="6857990"/>
           </a:xfrm>
           <a:prstGeom prst="rect">
             <a:avLst/>
           </a:prstGeom>
         </p:spPr>
       </p:pic>
-      <p:sp>
-        <p:nvSpPr>
-          <p:cNvPr id="2" name="Title 1">
+      <p:pic>
+        <p:nvPicPr>
+          <p:cNvPr id="13" name="Picture 12">
             <a:extLst>
               <a:ext uri="{FF2B5EF4-FFF2-40B4-BE49-F238E27FC236}">
-                <a16:creationId xmlns:a16="http://schemas.microsoft.com/office/drawing/2014/main" id="{DEA9FF2A-1549-0D55-7C3E-6F4CA91CF0E0}"/>
+                <a16:creationId xmlns:a16="http://schemas.microsoft.com/office/drawing/2014/main" id="{E0BE7827-5B1A-4F37-BF70-19F7C5C6BDEB}"/>
+              </a:ext>
+              <a:ext uri="{C183D7F6-B498-43B3-948B-1728B52AA6E4}">
+                <adec:decorative xmlns:adec="http://schemas.microsoft.com/office/drawing/2017/decorative" val="1"/>
               </a:ext>
             </a:extLst>
           </p:cNvPr>
-          <p:cNvSpPr>
-            <a:spLocks noGrp="1"/>
-          </p:cNvSpPr>
-          <p:nvPr>
-            <p:ph type="title"/>
-          </p:nvPr>
-        </p:nvSpPr>
+          <p:cNvPicPr>
+            <a:picLocks noGrp="1" noRot="1" noChangeAspect="1" noMove="1" noResize="1" noEditPoints="1" noAdjustHandles="1" noChangeArrowheads="1" noChangeShapeType="1" noCrop="1"/>
+          </p:cNvPicPr>
+          <p:nvPr>
+            <p:extLst>
+              <p:ext uri="{386F3935-93C4-4BCD-93E2-E3B085C9AB24}">
+                <p16:designElem xmlns:p16="http://schemas.microsoft.com/office/powerpoint/2015/main" val="1"/>
+              </p:ext>
+            </p:extLst>
+          </p:nvPr>
+        </p:nvPicPr>
+        <p:blipFill rotWithShape="1">
+          <a:blip r:embed="rId5">
+            <a:extLst>
+              <a:ext uri="{28A0092B-C50C-407E-A947-70E740481C1C}">
+                <a14:useLocalDpi xmlns:a14="http://schemas.microsoft.com/office/drawing/2010/main" val="0"/>
+              </a:ext>
+            </a:extLst>
+          </a:blip>
+          <a:srcRect t="964" r="2807" b="1446"/>
+          <a:stretch/>
+        </p:blipFill>
         <p:spPr>
           <a:xfrm>
-            <a:off x="913795" y="733974"/>
-            <a:ext cx="10353762" cy="970450"/>
-          </a:xfrm>
-        </p:spPr>
-        <p:txBody>
-          <a:bodyPr>
-            <a:normAutofit/>
-          </a:bodyPr>
-          <a:lstStyle/>
-          <a:p>
-            <a:r>
-              <a:rPr lang="en-US" dirty="0">
-                <a:solidFill>
-                  <a:schemeClr val="tx1"/>
-                </a:solidFill>
-              </a:rPr>
-              <a:t>Who was Abdul Sattar Edhi?</a:t>
-            </a:r>
-          </a:p>
-        </p:txBody>
-      </p:sp>
-      <p:sp>
-        <p:nvSpPr>
-          <p:cNvPr id="3" name="Content Placeholder 2">
-            <a:extLst>
-              <a:ext uri="{FF2B5EF4-FFF2-40B4-BE49-F238E27FC236}">
-                <a16:creationId xmlns:a16="http://schemas.microsoft.com/office/drawing/2014/main" id="{32065B73-3534-937B-F191-5D1A865A6A58}"/>
-              </a:ext>
-            </a:extLst>
-          </p:cNvPr>
-          <p:cNvSpPr>
-            <a:spLocks noGrp="1"/>
-          </p:cNvSpPr>
-          <p:nvPr>
-            <p:ph idx="1"/>
-          </p:nvPr>
-        </p:nvSpPr>
-        <p:spPr>
-          <a:xfrm>
-            <a:off x="913795" y="1580050"/>
-            <a:ext cx="10353762" cy="4058751"/>
-          </a:xfrm>
-        </p:spPr>
-        <p:txBody>
-          <a:bodyPr anchor="ctr">
-            <a:normAutofit/>
-          </a:bodyPr>
-          <a:lstStyle/>
-          <a:p>
-            <a:pPr marL="0" indent="0" algn="just">
-              <a:spcBef>
-                <a:spcPts val="0"/>
-              </a:spcBef>
-              <a:spcAft>
-                <a:spcPts val="800"/>
-              </a:spcAft>
-              <a:buNone/>
-            </a:pPr>
-            <a:r>
-              <a:rPr lang="en-US" sz="2200" kern="100" dirty="0">
-                <a:solidFill>
-                  <a:schemeClr val="tx1"/>
-                </a:solidFill>
-                <a:effectLst/>
-                <a:ea typeface="Calibri" panose="020F0502020204030204" pitchFamily="34" charset="0"/>
-                <a:cs typeface="Times New Roman" panose="02020603050405020304" pitchFamily="18" charset="0"/>
-              </a:rPr>
-              <a:t>Abdul Sattar Edhi was a renowned Pakistani philanthropist who is widely regarded as one of the greatest humanitarians in Pakistan's history. He was born on February 28, 1928, in Gujarat, British India, and passed away on July 8, 2016, in Karachi, Pakistan. He founded the Edhi Foundation, which runs the world's largest ambulance network, along with homeless shelters, animal shelters, rehabilitation centers, and orphanages across Pakistan. </a:t>
-            </a:r>
-            <a:r>
-              <a:rPr lang="en-US" sz="2200" dirty="0">
-                <a:solidFill>
-                  <a:schemeClr val="tx1"/>
-                </a:solidFill>
-                <a:effectLst/>
-                <a:ea typeface="Calibri" panose="020F0502020204030204" pitchFamily="34" charset="0"/>
-              </a:rPr>
-              <a:t>He is known amongst Pakistanis as the "Angel of Mercy"</a:t>
-            </a:r>
-            <a:r>
-              <a:rPr lang="en-US" sz="2200" kern="100" dirty="0">
-                <a:solidFill>
-                  <a:schemeClr val="tx1"/>
-                </a:solidFill>
-                <a:effectLst/>
-                <a:ea typeface="Calibri" panose="020F0502020204030204" pitchFamily="34" charset="0"/>
-                <a:cs typeface="Times New Roman" panose="02020603050405020304" pitchFamily="18" charset="0"/>
-              </a:rPr>
-              <a:t> </a:t>
-            </a:r>
-            <a:r>
-              <a:rPr lang="en-US" sz="2200" kern="0" dirty="0">
-                <a:solidFill>
-                  <a:schemeClr val="tx1"/>
-                </a:solidFill>
-                <a:effectLst/>
-                <a:ea typeface="Times New Roman" panose="02020603050405020304" pitchFamily="18" charset="0"/>
-              </a:rPr>
-              <a:t>Abdul Sattar Edhi was a person who had a deep sense of empathy and kindness for the suffering of others. He gave away most of his wealth and possessions to help others. He never discriminated against anyone based on their religion, ethnicity, or nationality. He treated everyone with respect and dignity.</a:t>
-            </a:r>
-            <a:endParaRPr lang="en-US" sz="2200" kern="100" dirty="0">
-              <a:solidFill>
-                <a:schemeClr val="tx1"/>
-              </a:solidFill>
-              <a:effectLst/>
-              <a:ea typeface="Calibri" panose="020F0502020204030204" pitchFamily="34" charset="0"/>
-              <a:cs typeface="Times New Roman" panose="02020603050405020304" pitchFamily="18" charset="0"/>
-            </a:endParaRPr>
-          </a:p>
-        </p:txBody>
-      </p:sp>
-      <p:sp>
-        <p:nvSpPr>
-          <p:cNvPr id="8" name="TextBox 7">
-            <a:extLst>
-              <a:ext uri="{FF2B5EF4-FFF2-40B4-BE49-F238E27FC236}">
-                <a16:creationId xmlns:a16="http://schemas.microsoft.com/office/drawing/2014/main" id="{587CEC0D-B7B8-2114-2CC7-1E712F36766D}"/>
-              </a:ext>
-            </a:extLst>
-          </p:cNvPr>
-          <p:cNvSpPr txBox="1"/>
-          <p:nvPr/>
-        </p:nvSpPr>
-        <p:spPr>
-          <a:xfrm>
-            <a:off x="9476193" y="6657945"/>
-            <a:ext cx="2715807" cy="200055"/>
+            <a:off x="7501468" y="1"/>
+            <a:ext cx="4690532" cy="6858000"/>
           </a:xfrm>
           <a:prstGeom prst="rect">
             <a:avLst/>
           </a:prstGeom>
-          <a:solidFill>
-            <a:srgbClr val="000000"/>
-          </a:solidFill>
         </p:spPr>
-        <p:txBody>
-          <a:bodyPr wrap="none" rtlCol="0">
-            <a:spAutoFit/>
-          </a:bodyPr>
-          <a:lstStyle/>
-          <a:p>
-            <a:pPr algn="r">
-              <a:spcAft>
-                <a:spcPts val="600"/>
-              </a:spcAft>
-            </a:pPr>
-            <a:r>
-              <a:rPr lang="en-US" sz="700">
-                <a:solidFill>
-                  <a:srgbClr val="FFFFFF"/>
-                </a:solidFill>
-                <a:hlinkClick r:id="rId3" tooltip="https://www.samdailytimes.org/2016_07_13_archive.html">
-                  <a:extLst>
-                    <a:ext uri="{A12FA001-AC4F-418D-AE19-62706E023703}">
-                      <ahyp:hlinkClr xmlns:ahyp="http://schemas.microsoft.com/office/drawing/2018/hyperlinkcolor" val="tx"/>
-                    </a:ext>
-                  </a:extLst>
-                </a:hlinkClick>
-              </a:rPr>
-              <a:t>This Photo</a:t>
-            </a:r>
-            <a:r>
-              <a:rPr lang="en-US" sz="700">
-                <a:solidFill>
-                  <a:srgbClr val="FFFFFF"/>
-                </a:solidFill>
-              </a:rPr>
-              <a:t> by Unknown Author is licensed under </a:t>
-            </a:r>
-            <a:r>
-              <a:rPr lang="en-US" sz="700">
-                <a:solidFill>
-                  <a:srgbClr val="FFFFFF"/>
-                </a:solidFill>
-                <a:hlinkClick r:id="rId4" tooltip="https://creativecommons.org/licenses/by-nc-nd/3.0/">
-                  <a:extLst>
-                    <a:ext uri="{A12FA001-AC4F-418D-AE19-62706E023703}">
-                      <ahyp:hlinkClr xmlns:ahyp="http://schemas.microsoft.com/office/drawing/2018/hyperlinkcolor" val="tx"/>
-                    </a:ext>
-                  </a:extLst>
-                </a:hlinkClick>
-              </a:rPr>
-              <a:t>CC BY-NC-ND</a:t>
-            </a:r>
-            <a:endParaRPr lang="en-US" sz="700">
-              <a:solidFill>
-                <a:srgbClr val="FFFFFF"/>
-              </a:solidFill>
-            </a:endParaRPr>
-          </a:p>
-        </p:txBody>
-      </p:sp>
+      </p:pic>
     </p:spTree>
     <p:extLst>
       <p:ext uri="{BB962C8B-B14F-4D97-AF65-F5344CB8AC3E}">
@@ -9440,9 +9468,20 @@
   <p:cSld>
     <p:bg>
       <p:bgPr>
-        <a:solidFill>
-          <a:schemeClr val="bg1"/>
-        </a:solidFill>
+        <a:blipFill rotWithShape="1">
+          <a:blip r:embed="rId2">
+            <a:duotone>
+              <a:schemeClr val="bg2">
+                <a:shade val="80000"/>
+                <a:lumMod val="80000"/>
+              </a:schemeClr>
+              <a:schemeClr val="bg2">
+                <a:tint val="98000"/>
+              </a:schemeClr>
+            </a:duotone>
+          </a:blip>
+          <a:stretch/>
+        </a:blipFill>
         <a:effectLst/>
       </p:bgPr>
     </p:bg>
@@ -9460,6 +9499,243 @@
           <a:chExt cx="0" cy="0"/>
         </a:xfrm>
       </p:grpSpPr>
+      <p:sp>
+        <p:nvSpPr>
+          <p:cNvPr id="2" name="Title 1">
+            <a:extLst>
+              <a:ext uri="{FF2B5EF4-FFF2-40B4-BE49-F238E27FC236}">
+                <a16:creationId xmlns:a16="http://schemas.microsoft.com/office/drawing/2014/main" id="{E75BC5F1-07C6-AB92-1D1B-5634E266BCB4}"/>
+              </a:ext>
+            </a:extLst>
+          </p:cNvPr>
+          <p:cNvSpPr>
+            <a:spLocks noGrp="1"/>
+          </p:cNvSpPr>
+          <p:nvPr>
+            <p:ph type="title"/>
+          </p:nvPr>
+        </p:nvSpPr>
+        <p:spPr>
+          <a:xfrm>
+            <a:off x="914070" y="496722"/>
+            <a:ext cx="10353762" cy="970450"/>
+          </a:xfrm>
+        </p:spPr>
+        <p:txBody>
+          <a:bodyPr>
+            <a:normAutofit/>
+          </a:bodyPr>
+          <a:lstStyle/>
+          <a:p>
+            <a:r>
+              <a:rPr lang="en-US" sz="4400" dirty="0">
+                <a:solidFill>
+                  <a:schemeClr val="tx1"/>
+                </a:solidFill>
+              </a:rPr>
+              <a:t>Career Highlights</a:t>
+            </a:r>
+          </a:p>
+        </p:txBody>
+      </p:sp>
+      <p:sp>
+        <p:nvSpPr>
+          <p:cNvPr id="3" name="Content Placeholder 2">
+            <a:extLst>
+              <a:ext uri="{FF2B5EF4-FFF2-40B4-BE49-F238E27FC236}">
+                <a16:creationId xmlns:a16="http://schemas.microsoft.com/office/drawing/2014/main" id="{8F619088-F1E6-63EB-4148-17DA661AF3D1}"/>
+              </a:ext>
+            </a:extLst>
+          </p:cNvPr>
+          <p:cNvSpPr>
+            <a:spLocks noGrp="1"/>
+          </p:cNvSpPr>
+          <p:nvPr>
+            <p:ph idx="1"/>
+          </p:nvPr>
+        </p:nvSpPr>
+        <p:spPr>
+          <a:xfrm>
+            <a:off x="233917" y="1881305"/>
+            <a:ext cx="6696836" cy="4058751"/>
+          </a:xfrm>
+        </p:spPr>
+        <p:txBody>
+          <a:bodyPr anchor="ctr">
+            <a:noAutofit/>
+          </a:bodyPr>
+          <a:lstStyle/>
+          <a:p>
+            <a:pPr algn="just">
+              <a:lnSpc>
+                <a:spcPct val="90000"/>
+              </a:lnSpc>
+              <a:buClr>
+                <a:srgbClr val="DCE14A"/>
+              </a:buClr>
+              <a:buFont typeface="Arial" panose="020B0604020202020204" pitchFamily="34" charset="0"/>
+              <a:buChar char="•"/>
+            </a:pPr>
+            <a:r>
+              <a:rPr lang="en-US" sz="1800" dirty="0">
+                <a:solidFill>
+                  <a:schemeClr val="tx1"/>
+                </a:solidFill>
+              </a:rPr>
+              <a:t>Started his career as a street hawker in Karachi, Pakistan, then became a commission agent selling cloth in the wholesale market.</a:t>
+            </a:r>
+          </a:p>
+          <a:p>
+            <a:pPr algn="just">
+              <a:lnSpc>
+                <a:spcPct val="90000"/>
+              </a:lnSpc>
+              <a:buClr>
+                <a:srgbClr val="DCE14A"/>
+              </a:buClr>
+              <a:buFont typeface="Arial" panose="020B0604020202020204" pitchFamily="34" charset="0"/>
+              <a:buChar char="•"/>
+            </a:pPr>
+            <a:r>
+              <a:rPr lang="en-US" sz="1800" dirty="0">
+                <a:solidFill>
+                  <a:schemeClr val="tx1"/>
+                </a:solidFill>
+              </a:rPr>
+              <a:t>After a few years, he decided to establish a dispensary with the help of his community and began providing emergency services to the people in need.</a:t>
+            </a:r>
+          </a:p>
+          <a:p>
+            <a:pPr algn="just">
+              <a:lnSpc>
+                <a:spcPct val="90000"/>
+              </a:lnSpc>
+              <a:buClr>
+                <a:srgbClr val="DCE14A"/>
+              </a:buClr>
+              <a:buFont typeface="Arial" panose="020B0604020202020204" pitchFamily="34" charset="0"/>
+              <a:buChar char="•"/>
+            </a:pPr>
+            <a:r>
+              <a:rPr lang="en-US" sz="1800" dirty="0">
+                <a:solidFill>
+                  <a:schemeClr val="tx1"/>
+                </a:solidFill>
+              </a:rPr>
+              <a:t>His </a:t>
+            </a:r>
+            <a:r>
+              <a:rPr lang="en-US" sz="1800" kern="100" dirty="0">
+                <a:solidFill>
+                  <a:schemeClr val="tx1"/>
+                </a:solidFill>
+                <a:effectLst/>
+                <a:ea typeface="Calibri" panose="020F0502020204030204" pitchFamily="34" charset="0"/>
+                <a:cs typeface="Times New Roman" panose="02020603050405020304" pitchFamily="18" charset="0"/>
+              </a:rPr>
+              <a:t>charitable activities expanded in 1957 when an Asian flu epidemic swept through Pakistan and the rest of the world.</a:t>
+            </a:r>
+          </a:p>
+          <a:p>
+            <a:pPr algn="just">
+              <a:lnSpc>
+                <a:spcPct val="90000"/>
+              </a:lnSpc>
+              <a:buClr>
+                <a:srgbClr val="DCE14A"/>
+              </a:buClr>
+              <a:buFont typeface="Arial" panose="020B0604020202020204" pitchFamily="34" charset="0"/>
+              <a:buChar char="•"/>
+            </a:pPr>
+            <a:r>
+              <a:rPr lang="en-US" sz="1800" dirty="0">
+                <a:solidFill>
+                  <a:schemeClr val="tx1"/>
+                </a:solidFill>
+                <a:effectLst/>
+                <a:ea typeface="Calibri" panose="020F0502020204030204" pitchFamily="34" charset="0"/>
+              </a:rPr>
+              <a:t>He participated in many rescue and relief operations such as the 1970 cyclone and the 1974 famine in Ethiopia, the 1985 earthquake in Mexico, the 2005 earthquake and the 2010 floods in Pakistan.</a:t>
+            </a:r>
+            <a:endParaRPr lang="en-US" sz="1800" kern="100" dirty="0">
+              <a:solidFill>
+                <a:schemeClr val="tx1"/>
+              </a:solidFill>
+              <a:effectLst/>
+              <a:ea typeface="Calibri" panose="020F0502020204030204" pitchFamily="34" charset="0"/>
+              <a:cs typeface="Times New Roman" panose="02020603050405020304" pitchFamily="18" charset="0"/>
+            </a:endParaRPr>
+          </a:p>
+          <a:p>
+            <a:pPr algn="just">
+              <a:lnSpc>
+                <a:spcPct val="90000"/>
+              </a:lnSpc>
+              <a:buClr>
+                <a:srgbClr val="DCE14A"/>
+              </a:buClr>
+              <a:buFont typeface="Arial" panose="020B0604020202020204" pitchFamily="34" charset="0"/>
+              <a:buChar char="•"/>
+            </a:pPr>
+            <a:r>
+              <a:rPr lang="en-US" sz="1800" kern="100" dirty="0">
+                <a:solidFill>
+                  <a:schemeClr val="tx1"/>
+                </a:solidFill>
+                <a:effectLst/>
+                <a:ea typeface="Calibri" panose="020F0502020204030204" pitchFamily="34" charset="0"/>
+                <a:cs typeface="Times New Roman" panose="02020603050405020304" pitchFamily="18" charset="0"/>
+              </a:rPr>
+              <a:t>The Edhi Foundation expanded, backed by donations from Pakistani citizens which included establishing a network of 1,800 ambulances. By the time of his death, Edhi was registered as guardian of nearly 20,000 adopted children.</a:t>
+            </a:r>
+          </a:p>
+        </p:txBody>
+      </p:sp>
+      <p:pic>
+        <p:nvPicPr>
+          <p:cNvPr id="11" name="Picture 10">
+            <a:extLst>
+              <a:ext uri="{FF2B5EF4-FFF2-40B4-BE49-F238E27FC236}">
+                <a16:creationId xmlns:a16="http://schemas.microsoft.com/office/drawing/2014/main" id="{AD661026-DE64-47F1-9F88-0847B5FB3560}"/>
+              </a:ext>
+              <a:ext uri="{C183D7F6-B498-43B3-948B-1728B52AA6E4}">
+                <adec:decorative xmlns:adec="http://schemas.microsoft.com/office/drawing/2017/decorative" val="1"/>
+              </a:ext>
+            </a:extLst>
+          </p:cNvPr>
+          <p:cNvPicPr>
+            <a:picLocks noGrp="1" noRot="1" noChangeAspect="1" noMove="1" noResize="1" noEditPoints="1" noAdjustHandles="1" noChangeArrowheads="1" noChangeShapeType="1" noCrop="1"/>
+          </p:cNvPicPr>
+          <p:nvPr>
+            <p:extLst>
+              <p:ext uri="{386F3935-93C4-4BCD-93E2-E3B085C9AB24}">
+                <p16:designElem xmlns:p16="http://schemas.microsoft.com/office/powerpoint/2015/main" val="1"/>
+              </p:ext>
+            </p:extLst>
+          </p:nvPr>
+        </p:nvPicPr>
+        <p:blipFill>
+          <a:blip r:embed="rId3">
+            <a:extLst>
+              <a:ext uri="{28A0092B-C50C-407E-A947-70E740481C1C}">
+                <a14:useLocalDpi xmlns:a14="http://schemas.microsoft.com/office/drawing/2010/main" val="0"/>
+              </a:ext>
+            </a:extLst>
+          </a:blip>
+          <a:stretch>
+            <a:fillRect/>
+          </a:stretch>
+        </p:blipFill>
+        <p:spPr>
+          <a:xfrm>
+            <a:off x="6934200" y="1998132"/>
+            <a:ext cx="4333632" cy="3521077"/>
+          </a:xfrm>
+          <a:prstGeom prst="rect">
+            <a:avLst/>
+          </a:prstGeom>
+        </p:spPr>
+      </p:pic>
       <p:pic>
         <p:nvPicPr>
           <p:cNvPr id="5" name="Picture 4" descr="Several ambulances parked on the street&#10;&#10;Description automatically generated">
@@ -9475,251 +9751,29 @@
           <p:nvPr/>
         </p:nvPicPr>
         <p:blipFill rotWithShape="1">
-          <a:blip r:embed="rId2">
-            <a:alphaModFix amt="25000"/>
+          <a:blip r:embed="rId4">
             <a:extLst>
               <a:ext uri="{28A0092B-C50C-407E-A947-70E740481C1C}">
                 <a14:useLocalDpi xmlns:a14="http://schemas.microsoft.com/office/drawing/2010/main" val="0"/>
               </a:ext>
               <a:ext uri="{837473B0-CC2E-450A-ABE3-18F120FF3D39}">
-                <a1611:picAttrSrcUrl xmlns:a1611="http://schemas.microsoft.com/office/drawing/2016/11/main" r:id="rId3"/>
+                <a1611:picAttrSrcUrl xmlns:a1611="http://schemas.microsoft.com/office/drawing/2016/11/main" r:id="rId5"/>
               </a:ext>
             </a:extLst>
           </a:blip>
-          <a:srcRect t="6250"/>
+          <a:srcRect l="7067" r="18063"/>
           <a:stretch/>
         </p:blipFill>
         <p:spPr>
           <a:xfrm>
-            <a:off x="20" y="10"/>
-            <a:ext cx="12191980" cy="6857990"/>
+            <a:off x="7066560" y="2132822"/>
+            <a:ext cx="4065464" cy="3258006"/>
           </a:xfrm>
           <a:prstGeom prst="rect">
             <a:avLst/>
           </a:prstGeom>
         </p:spPr>
       </p:pic>
-      <p:sp>
-        <p:nvSpPr>
-          <p:cNvPr id="2" name="Title 1">
-            <a:extLst>
-              <a:ext uri="{FF2B5EF4-FFF2-40B4-BE49-F238E27FC236}">
-                <a16:creationId xmlns:a16="http://schemas.microsoft.com/office/drawing/2014/main" id="{E75BC5F1-07C6-AB92-1D1B-5634E266BCB4}"/>
-              </a:ext>
-            </a:extLst>
-          </p:cNvPr>
-          <p:cNvSpPr>
-            <a:spLocks noGrp="1"/>
-          </p:cNvSpPr>
-          <p:nvPr>
-            <p:ph type="title"/>
-          </p:nvPr>
-        </p:nvSpPr>
-        <p:spPr>
-          <a:xfrm>
-            <a:off x="913795" y="96350"/>
-            <a:ext cx="10353762" cy="970450"/>
-          </a:xfrm>
-        </p:spPr>
-        <p:txBody>
-          <a:bodyPr>
-            <a:normAutofit/>
-          </a:bodyPr>
-          <a:lstStyle/>
-          <a:p>
-            <a:r>
-              <a:rPr lang="en-US" dirty="0">
-                <a:solidFill>
-                  <a:schemeClr val="tx1"/>
-                </a:solidFill>
-              </a:rPr>
-              <a:t>Career Highlights</a:t>
-            </a:r>
-          </a:p>
-        </p:txBody>
-      </p:sp>
-      <p:sp>
-        <p:nvSpPr>
-          <p:cNvPr id="3" name="Content Placeholder 2">
-            <a:extLst>
-              <a:ext uri="{FF2B5EF4-FFF2-40B4-BE49-F238E27FC236}">
-                <a16:creationId xmlns:a16="http://schemas.microsoft.com/office/drawing/2014/main" id="{8F619088-F1E6-63EB-4148-17DA661AF3D1}"/>
-              </a:ext>
-            </a:extLst>
-          </p:cNvPr>
-          <p:cNvSpPr>
-            <a:spLocks noGrp="1"/>
-          </p:cNvSpPr>
-          <p:nvPr>
-            <p:ph idx="1"/>
-          </p:nvPr>
-        </p:nvSpPr>
-        <p:spPr>
-          <a:xfrm>
-            <a:off x="913795" y="1732449"/>
-            <a:ext cx="10353762" cy="4058751"/>
-          </a:xfrm>
-        </p:spPr>
-        <p:txBody>
-          <a:bodyPr anchor="ctr">
-            <a:noAutofit/>
-          </a:bodyPr>
-          <a:lstStyle/>
-          <a:p>
-            <a:pPr marL="36900" indent="0" algn="just">
-              <a:lnSpc>
-                <a:spcPct val="90000"/>
-              </a:lnSpc>
-              <a:buNone/>
-            </a:pPr>
-            <a:r>
-              <a:rPr lang="en-US" sz="2200" dirty="0">
-                <a:solidFill>
-                  <a:schemeClr val="tx1"/>
-                </a:solidFill>
-              </a:rPr>
-              <a:t>Abdul Sattar Edhi started his career as a street hawker, selling pencils and matchboxes in Karachi, Pakistan. He then became a commission agent selling cloth in the wholesale market. After a few years, he left this occupation and decided to establish a free dispensary with the help of some members of his community and began providing emergency services to the people in need. His </a:t>
-            </a:r>
-            <a:r>
-              <a:rPr lang="en-US" sz="2200" kern="100" dirty="0">
-                <a:solidFill>
-                  <a:schemeClr val="tx1"/>
-                </a:solidFill>
-                <a:effectLst/>
-                <a:ea typeface="Calibri" panose="020F0502020204030204" pitchFamily="34" charset="0"/>
-                <a:cs typeface="Times New Roman" panose="02020603050405020304" pitchFamily="18" charset="0"/>
-              </a:rPr>
-              <a:t>charitable activities expanded greatly in 1957 when an Asian flu epidemic (originating in China) swept through Pakistan and the rest of the world.</a:t>
-            </a:r>
-          </a:p>
-          <a:p>
-            <a:pPr marL="36900" indent="0" algn="just">
-              <a:lnSpc>
-                <a:spcPct val="90000"/>
-              </a:lnSpc>
-              <a:buNone/>
-            </a:pPr>
-            <a:r>
-              <a:rPr lang="en-US" sz="2200" kern="100" dirty="0">
-                <a:solidFill>
-                  <a:schemeClr val="tx1"/>
-                </a:solidFill>
-                <a:effectLst/>
-                <a:ea typeface="Calibri" panose="020F0502020204030204" pitchFamily="34" charset="0"/>
-                <a:cs typeface="Times New Roman" panose="02020603050405020304" pitchFamily="18" charset="0"/>
-              </a:rPr>
-              <a:t>Over his lifetime, the Edhi Foundation expanded, backed entirely by private donations from Pakistani citizens across class, which included establishing a network of 1,800 ambulances. By the time of his death, Edhi was registered as a parent or guardian of nearly 20,000 adopted children.</a:t>
-            </a:r>
-          </a:p>
-          <a:p>
-            <a:pPr marL="36900" indent="0" algn="just">
-              <a:lnSpc>
-                <a:spcPct val="90000"/>
-              </a:lnSpc>
-              <a:buNone/>
-            </a:pPr>
-            <a:r>
-              <a:rPr lang="en-US" sz="2200" dirty="0">
-                <a:solidFill>
-                  <a:schemeClr val="tx1"/>
-                </a:solidFill>
-                <a:effectLst/>
-                <a:ea typeface="Calibri" panose="020F0502020204030204" pitchFamily="34" charset="0"/>
-              </a:rPr>
-              <a:t>He personally participated in many rescue and relief operations during natural disasters and wars, such as the 1970 Bhola cyclone, the 1974 famine in Ethiopia, the 1985 earthquake in Mexico, the 2005 earthquake in Pakistan, and the 2010 floods in Pakistan. </a:t>
-            </a:r>
-            <a:endParaRPr lang="en-US" sz="2200" kern="100" dirty="0">
-              <a:solidFill>
-                <a:schemeClr val="tx1"/>
-              </a:solidFill>
-              <a:effectLst/>
-              <a:ea typeface="Calibri" panose="020F0502020204030204" pitchFamily="34" charset="0"/>
-              <a:cs typeface="Times New Roman" panose="02020603050405020304" pitchFamily="18" charset="0"/>
-            </a:endParaRPr>
-          </a:p>
-        </p:txBody>
-      </p:sp>
-      <p:sp>
-        <p:nvSpPr>
-          <p:cNvPr id="6" name="TextBox 5">
-            <a:extLst>
-              <a:ext uri="{FF2B5EF4-FFF2-40B4-BE49-F238E27FC236}">
-                <a16:creationId xmlns:a16="http://schemas.microsoft.com/office/drawing/2014/main" id="{E4679B43-C5AB-2B4B-2A9A-FD250C7AC2EF}"/>
-              </a:ext>
-            </a:extLst>
-          </p:cNvPr>
-          <p:cNvSpPr txBox="1"/>
-          <p:nvPr/>
-        </p:nvSpPr>
-        <p:spPr>
-          <a:xfrm>
-            <a:off x="9812824" y="6657945"/>
-            <a:ext cx="2379176" cy="200055"/>
-          </a:xfrm>
-          <a:prstGeom prst="rect">
-            <a:avLst/>
-          </a:prstGeom>
-          <a:solidFill>
-            <a:srgbClr val="000000"/>
-          </a:solidFill>
-        </p:spPr>
-        <p:txBody>
-          <a:bodyPr wrap="none" rtlCol="0">
-            <a:spAutoFit/>
-          </a:bodyPr>
-          <a:lstStyle/>
-          <a:p>
-            <a:pPr algn="r">
-              <a:spcAft>
-                <a:spcPts val="600"/>
-              </a:spcAft>
-            </a:pPr>
-            <a:r>
-              <a:rPr lang="en-US" sz="700">
-                <a:solidFill>
-                  <a:srgbClr val="FFFFFF"/>
-                </a:solidFill>
-                <a:hlinkClick r:id="rId3" tooltip="https://thecognate.com/pakistans-edhi-foundation-offers-to-send-50-ambulances-to-help-india-fight-covid-19-surge/">
-                  <a:extLst>
-                    <a:ext uri="{A12FA001-AC4F-418D-AE19-62706E023703}">
-                      <ahyp:hlinkClr xmlns:ahyp="http://schemas.microsoft.com/office/drawing/2018/hyperlinkcolor" val="tx"/>
-                    </a:ext>
-                  </a:extLst>
-                </a:hlinkClick>
-              </a:rPr>
-              <a:t>This Photo</a:t>
-            </a:r>
-            <a:r>
-              <a:rPr lang="en-US" sz="700">
-                <a:solidFill>
-                  <a:srgbClr val="FFFFFF"/>
-                </a:solidFill>
-              </a:rPr>
-              <a:t> by Unknown Author is licensed under </a:t>
-            </a:r>
-            <a:r>
-              <a:rPr lang="en-US" sz="700">
-                <a:solidFill>
-                  <a:srgbClr val="FFFFFF"/>
-                </a:solidFill>
-                <a:hlinkClick r:id="rId4" tooltip="https://creativecommons.org/licenses/by/3.0/">
-                  <a:extLst>
-                    <a:ext uri="{A12FA001-AC4F-418D-AE19-62706E023703}">
-                      <ahyp:hlinkClr xmlns:ahyp="http://schemas.microsoft.com/office/drawing/2018/hyperlinkcolor" val="tx"/>
-                    </a:ext>
-                  </a:extLst>
-                </a:hlinkClick>
-              </a:rPr>
-              <a:t>CC BY</a:t>
-            </a:r>
-            <a:endParaRPr lang="en-US" sz="700">
-              <a:solidFill>
-                <a:srgbClr val="FFFFFF"/>
-              </a:solidFill>
-            </a:endParaRPr>
-          </a:p>
-        </p:txBody>
-      </p:sp>
     </p:spTree>
     <p:extLst>
       <p:ext uri="{BB962C8B-B14F-4D97-AF65-F5344CB8AC3E}">
@@ -9814,6 +9868,7 @@
                 <a:solidFill>
                   <a:schemeClr val="tx1"/>
                 </a:solidFill>
+                <a:effectLst/>
               </a:rPr>
               <a:t>Obstacles</a:t>
             </a:r>
@@ -9836,7 +9891,7 @@
             <p:ph idx="1"/>
             <p:extLst>
               <p:ext uri="{D42A27DB-BD31-4B8C-83A1-F6EECF244321}">
-                <p14:modId xmlns:p14="http://schemas.microsoft.com/office/powerpoint/2010/main" val="4067079184"/>
+                <p14:modId xmlns:p14="http://schemas.microsoft.com/office/powerpoint/2010/main" val="2116371391"/>
               </p:ext>
             </p:extLst>
           </p:nvPr>
@@ -9881,9 +9936,20 @@
   <p:cSld>
     <p:bg>
       <p:bgPr>
-        <a:solidFill>
-          <a:schemeClr val="bg1"/>
-        </a:solidFill>
+        <a:blipFill rotWithShape="1">
+          <a:blip r:embed="rId2">
+            <a:duotone>
+              <a:schemeClr val="bg2">
+                <a:shade val="80000"/>
+                <a:lumMod val="80000"/>
+              </a:schemeClr>
+              <a:schemeClr val="bg2">
+                <a:tint val="98000"/>
+              </a:schemeClr>
+            </a:duotone>
+          </a:blip>
+          <a:stretch/>
+        </a:blipFill>
         <a:effectLst/>
       </p:bgPr>
     </p:bg>
@@ -9901,6 +9967,144 @@
           <a:chExt cx="0" cy="0"/>
         </a:xfrm>
       </p:grpSpPr>
+      <p:sp>
+        <p:nvSpPr>
+          <p:cNvPr id="2" name="Title 1">
+            <a:extLst>
+              <a:ext uri="{FF2B5EF4-FFF2-40B4-BE49-F238E27FC236}">
+                <a16:creationId xmlns:a16="http://schemas.microsoft.com/office/drawing/2014/main" id="{8A9A2E53-0857-2606-7865-D3655259F500}"/>
+              </a:ext>
+            </a:extLst>
+          </p:cNvPr>
+          <p:cNvSpPr>
+            <a:spLocks noGrp="1"/>
+          </p:cNvSpPr>
+          <p:nvPr>
+            <p:ph type="title"/>
+          </p:nvPr>
+        </p:nvSpPr>
+        <p:spPr>
+          <a:xfrm>
+            <a:off x="919119" y="237461"/>
+            <a:ext cx="10353762" cy="970450"/>
+          </a:xfrm>
+        </p:spPr>
+        <p:txBody>
+          <a:bodyPr>
+            <a:normAutofit/>
+          </a:bodyPr>
+          <a:lstStyle/>
+          <a:p>
+            <a:r>
+              <a:rPr lang="en-US" dirty="0">
+                <a:solidFill>
+                  <a:schemeClr val="tx1"/>
+                </a:solidFill>
+              </a:rPr>
+              <a:t>What inspired him?</a:t>
+            </a:r>
+          </a:p>
+        </p:txBody>
+      </p:sp>
+      <p:sp>
+        <p:nvSpPr>
+          <p:cNvPr id="3" name="Content Placeholder 2">
+            <a:extLst>
+              <a:ext uri="{FF2B5EF4-FFF2-40B4-BE49-F238E27FC236}">
+                <a16:creationId xmlns:a16="http://schemas.microsoft.com/office/drawing/2014/main" id="{88BEF33D-76D8-B4E2-2032-0BA40F2F89F5}"/>
+              </a:ext>
+            </a:extLst>
+          </p:cNvPr>
+          <p:cNvSpPr>
+            <a:spLocks noGrp="1"/>
+          </p:cNvSpPr>
+          <p:nvPr>
+            <p:ph idx="1"/>
+          </p:nvPr>
+        </p:nvSpPr>
+        <p:spPr>
+          <a:xfrm>
+            <a:off x="627321" y="1955734"/>
+            <a:ext cx="6475228" cy="3541300"/>
+          </a:xfrm>
+        </p:spPr>
+        <p:txBody>
+          <a:bodyPr anchor="ctr">
+            <a:noAutofit/>
+          </a:bodyPr>
+          <a:lstStyle/>
+          <a:p>
+            <a:pPr algn="just">
+              <a:lnSpc>
+                <a:spcPct val="90000"/>
+              </a:lnSpc>
+              <a:buClr>
+                <a:srgbClr val="9B7665"/>
+              </a:buClr>
+              <a:buFont typeface="Arial" panose="020B0604020202020204" pitchFamily="34" charset="0"/>
+              <a:buChar char="•"/>
+            </a:pPr>
+            <a:r>
+              <a:rPr lang="en-US" sz="1800" dirty="0">
+                <a:solidFill>
+                  <a:schemeClr val="tx1"/>
+                </a:solidFill>
+                <a:effectLst/>
+              </a:rPr>
+              <a:t>His mother was his first inspiration. She taught him to be kind and generous. She gave him some money every day to help someone in need. She suffered from paralysis for eight years before she died, which made him more compassionate towards the sick and disabled.</a:t>
+            </a:r>
+          </a:p>
+          <a:p>
+            <a:pPr algn="just">
+              <a:lnSpc>
+                <a:spcPct val="90000"/>
+              </a:lnSpc>
+              <a:buClr>
+                <a:srgbClr val="9B7665"/>
+              </a:buClr>
+              <a:buFont typeface="Arial" panose="020B0604020202020204" pitchFamily="34" charset="0"/>
+              <a:buChar char="•"/>
+            </a:pPr>
+            <a:r>
+              <a:rPr lang="en-US" sz="1800" dirty="0">
+                <a:solidFill>
+                  <a:schemeClr val="tx1"/>
+                </a:solidFill>
+                <a:effectLst/>
+              </a:rPr>
+              <a:t>His wife Bilquis Edhi supported him in his mission and shared his vision. She helped him run the maternity homes, adoption centers, women's shelters, and nursing homes. She helped him in many rescue missions and relief operations. She was awarded the Mother Teresa Award for Social Justice in 2015 for her humanitarian work.</a:t>
+            </a:r>
+          </a:p>
+          <a:p>
+            <a:pPr algn="just">
+              <a:lnSpc>
+                <a:spcPct val="90000"/>
+              </a:lnSpc>
+              <a:buClr>
+                <a:srgbClr val="9B7665"/>
+              </a:buClr>
+              <a:buFont typeface="Arial" panose="020B0604020202020204" pitchFamily="34" charset="0"/>
+              <a:buChar char="•"/>
+            </a:pPr>
+            <a:r>
+              <a:rPr lang="en-US" sz="1800" dirty="0">
+                <a:solidFill>
+                  <a:schemeClr val="tx1"/>
+                </a:solidFill>
+                <a:effectLst/>
+                <a:ea typeface="Calibri" panose="020F0502020204030204" pitchFamily="34" charset="0"/>
+              </a:rPr>
+              <a:t>He followed the principle of "service to humanity is service to God“ He believed that all human beings are equal and deserve respect and dignity regardless of their religion or caste. </a:t>
+            </a:r>
+            <a:endParaRPr lang="en-US" sz="1800" dirty="0">
+              <a:solidFill>
+                <a:schemeClr val="tx1"/>
+              </a:solidFill>
+              <a:effectLst/>
+            </a:endParaRPr>
+          </a:p>
+        </p:txBody>
+      </p:sp>
       <p:pic>
         <p:nvPicPr>
           <p:cNvPr id="8" name="Picture 7" descr="A brown cardboard with white text&#10;&#10;Description automatically generated">
@@ -9916,14 +10120,13 @@
           <p:nvPr/>
         </p:nvPicPr>
         <p:blipFill rotWithShape="1">
-          <a:blip r:embed="rId2">
-            <a:alphaModFix amt="25000"/>
+          <a:blip r:embed="rId3">
             <a:extLst>
               <a:ext uri="{28A0092B-C50C-407E-A947-70E740481C1C}">
                 <a14:useLocalDpi xmlns:a14="http://schemas.microsoft.com/office/drawing/2010/main" val="0"/>
               </a:ext>
               <a:ext uri="{837473B0-CC2E-450A-ABE3-18F120FF3D39}">
-                <a1611:picAttrSrcUrl xmlns:a1611="http://schemas.microsoft.com/office/drawing/2016/11/main" r:id="rId3"/>
+                <a1611:picAttrSrcUrl xmlns:a1611="http://schemas.microsoft.com/office/drawing/2016/11/main" r:id="rId4"/>
               </a:ext>
             </a:extLst>
           </a:blip>
@@ -9932,237 +10135,14 @@
         </p:blipFill>
         <p:spPr>
           <a:xfrm>
-            <a:off x="20" y="10"/>
-            <a:ext cx="12191980" cy="6857990"/>
+            <a:off x="7396170" y="2363233"/>
+            <a:ext cx="4065464" cy="2286821"/>
           </a:xfrm>
           <a:prstGeom prst="rect">
             <a:avLst/>
           </a:prstGeom>
         </p:spPr>
       </p:pic>
-      <p:sp>
-        <p:nvSpPr>
-          <p:cNvPr id="2" name="Title 1">
-            <a:extLst>
-              <a:ext uri="{FF2B5EF4-FFF2-40B4-BE49-F238E27FC236}">
-                <a16:creationId xmlns:a16="http://schemas.microsoft.com/office/drawing/2014/main" id="{8A9A2E53-0857-2606-7865-D3655259F500}"/>
-              </a:ext>
-            </a:extLst>
-          </p:cNvPr>
-          <p:cNvSpPr>
-            <a:spLocks noGrp="1"/>
-          </p:cNvSpPr>
-          <p:nvPr>
-            <p:ph type="title"/>
-          </p:nvPr>
-        </p:nvSpPr>
-        <p:spPr>
-          <a:xfrm>
-            <a:off x="913795" y="488446"/>
-            <a:ext cx="10353762" cy="970450"/>
-          </a:xfrm>
-        </p:spPr>
-        <p:txBody>
-          <a:bodyPr>
-            <a:normAutofit/>
-          </a:bodyPr>
-          <a:lstStyle/>
-          <a:p>
-            <a:r>
-              <a:rPr lang="en-US" dirty="0">
-                <a:solidFill>
-                  <a:schemeClr val="tx1"/>
-                </a:solidFill>
-              </a:rPr>
-              <a:t>What inspired him?</a:t>
-            </a:r>
-          </a:p>
-        </p:txBody>
-      </p:sp>
-      <p:sp>
-        <p:nvSpPr>
-          <p:cNvPr id="3" name="Content Placeholder 2">
-            <a:extLst>
-              <a:ext uri="{FF2B5EF4-FFF2-40B4-BE49-F238E27FC236}">
-                <a16:creationId xmlns:a16="http://schemas.microsoft.com/office/drawing/2014/main" id="{88BEF33D-76D8-B4E2-2032-0BA40F2F89F5}"/>
-              </a:ext>
-            </a:extLst>
-          </p:cNvPr>
-          <p:cNvSpPr>
-            <a:spLocks noGrp="1"/>
-          </p:cNvSpPr>
-          <p:nvPr>
-            <p:ph idx="1"/>
-          </p:nvPr>
-        </p:nvSpPr>
-        <p:spPr>
-          <a:xfrm>
-            <a:off x="913795" y="2029045"/>
-            <a:ext cx="10353762" cy="4058751"/>
-          </a:xfrm>
-        </p:spPr>
-        <p:txBody>
-          <a:bodyPr anchor="ctr">
-            <a:noAutofit/>
-          </a:bodyPr>
-          <a:lstStyle/>
-          <a:p>
-            <a:pPr marL="36900" indent="0" algn="just">
-              <a:lnSpc>
-                <a:spcPct val="90000"/>
-              </a:lnSpc>
-              <a:buNone/>
-            </a:pPr>
-            <a:r>
-              <a:rPr lang="en-US" dirty="0">
-                <a:solidFill>
-                  <a:schemeClr val="tx1"/>
-                </a:solidFill>
-                <a:effectLst/>
-              </a:rPr>
-              <a:t>His mother was his first inspiration who taught him to be kind and generous towards the poor and needy. She also gave him a small amount of money every day to help someone in need. She suffered from paralysis and mental illness for eight years before she died, which made him more compassionate towards the sick and disabled.</a:t>
-            </a:r>
-          </a:p>
-          <a:p>
-            <a:pPr marL="36900" indent="0" algn="just">
-              <a:lnSpc>
-                <a:spcPct val="90000"/>
-              </a:lnSpc>
-              <a:buNone/>
-            </a:pPr>
-            <a:r>
-              <a:rPr lang="en-US" dirty="0">
-                <a:solidFill>
-                  <a:schemeClr val="tx1"/>
-                </a:solidFill>
-                <a:effectLst/>
-              </a:rPr>
-              <a:t>His wife Bilquis Edhi supported him in his mission and shared his vision. She was a nurse who joined his foundation as a volunteer and later became his partner in life and work. She helped him run the maternity homes, adoption centers, women's shelters, and nursing homes that catered to women and children. She also accompanied him on many rescue missions and relief operations. She was awarded the Mother Teresa Award for Social Justice in 2015 for her humanitarian work.</a:t>
-            </a:r>
-          </a:p>
-          <a:p>
-            <a:pPr marL="36900" indent="0" algn="just">
-              <a:lnSpc>
-                <a:spcPct val="90000"/>
-              </a:lnSpc>
-              <a:buNone/>
-            </a:pPr>
-            <a:r>
-              <a:rPr lang="en-US" dirty="0">
-                <a:solidFill>
-                  <a:schemeClr val="tx1"/>
-                </a:solidFill>
-                <a:effectLst/>
-                <a:ea typeface="Calibri" panose="020F0502020204030204" pitchFamily="34" charset="0"/>
-              </a:rPr>
-              <a:t>He believed that all human beings are equal and deserve respect and dignity regardless of their religion, caste, or creed. He followed the principle of "service to humanity is service to God" and considered himself a "practical Muslim". He said that he did not need any mosque or temple to pray; he prayed with his actions by helping others. </a:t>
-            </a:r>
-            <a:endParaRPr lang="en-US" kern="100" dirty="0">
-              <a:solidFill>
-                <a:schemeClr val="tx1"/>
-              </a:solidFill>
-              <a:effectLst/>
-              <a:ea typeface="Calibri" panose="020F0502020204030204" pitchFamily="34" charset="0"/>
-              <a:cs typeface="Times New Roman" panose="02020603050405020304" pitchFamily="18" charset="0"/>
-            </a:endParaRPr>
-          </a:p>
-          <a:p>
-            <a:pPr marL="36900" indent="0">
-              <a:lnSpc>
-                <a:spcPct val="90000"/>
-              </a:lnSpc>
-              <a:buNone/>
-            </a:pPr>
-            <a:endParaRPr lang="en-US" dirty="0">
-              <a:solidFill>
-                <a:schemeClr val="tx1"/>
-              </a:solidFill>
-              <a:effectLst/>
-            </a:endParaRPr>
-          </a:p>
-        </p:txBody>
-      </p:sp>
-      <p:sp>
-        <p:nvSpPr>
-          <p:cNvPr id="9" name="TextBox 8">
-            <a:extLst>
-              <a:ext uri="{FF2B5EF4-FFF2-40B4-BE49-F238E27FC236}">
-                <a16:creationId xmlns:a16="http://schemas.microsoft.com/office/drawing/2014/main" id="{199189AE-1C4A-AA1C-E847-2CF02F1C72A5}"/>
-              </a:ext>
-            </a:extLst>
-          </p:cNvPr>
-          <p:cNvSpPr txBox="1"/>
-          <p:nvPr/>
-        </p:nvSpPr>
-        <p:spPr>
-          <a:xfrm>
-            <a:off x="9476193" y="6657945"/>
-            <a:ext cx="2715807" cy="200055"/>
-          </a:xfrm>
-          <a:prstGeom prst="rect">
-            <a:avLst/>
-          </a:prstGeom>
-          <a:solidFill>
-            <a:srgbClr val="000000"/>
-          </a:solidFill>
-        </p:spPr>
-        <p:txBody>
-          <a:bodyPr wrap="none" rtlCol="0">
-            <a:spAutoFit/>
-          </a:bodyPr>
-          <a:lstStyle/>
-          <a:p>
-            <a:pPr algn="r">
-              <a:spcAft>
-                <a:spcPts val="600"/>
-              </a:spcAft>
-            </a:pPr>
-            <a:r>
-              <a:rPr lang="en-US" sz="700">
-                <a:solidFill>
-                  <a:srgbClr val="FFFFFF"/>
-                </a:solidFill>
-                <a:hlinkClick r:id="rId3" tooltip="https://theworldofrandomthings.blogspot.com/2015/06/lets-just-preach-humanity.html">
-                  <a:extLst>
-                    <a:ext uri="{A12FA001-AC4F-418D-AE19-62706E023703}">
-                      <ahyp:hlinkClr xmlns:ahyp="http://schemas.microsoft.com/office/drawing/2018/hyperlinkcolor" val="tx"/>
-                    </a:ext>
-                  </a:extLst>
-                </a:hlinkClick>
-              </a:rPr>
-              <a:t>This Photo</a:t>
-            </a:r>
-            <a:r>
-              <a:rPr lang="en-US" sz="700">
-                <a:solidFill>
-                  <a:srgbClr val="FFFFFF"/>
-                </a:solidFill>
-              </a:rPr>
-              <a:t> by Unknown Author is licensed under </a:t>
-            </a:r>
-            <a:r>
-              <a:rPr lang="en-US" sz="700">
-                <a:solidFill>
-                  <a:srgbClr val="FFFFFF"/>
-                </a:solidFill>
-                <a:hlinkClick r:id="rId4" tooltip="https://creativecommons.org/licenses/by-nc-nd/3.0/">
-                  <a:extLst>
-                    <a:ext uri="{A12FA001-AC4F-418D-AE19-62706E023703}">
-                      <ahyp:hlinkClr xmlns:ahyp="http://schemas.microsoft.com/office/drawing/2018/hyperlinkcolor" val="tx"/>
-                    </a:ext>
-                  </a:extLst>
-                </a:hlinkClick>
-              </a:rPr>
-              <a:t>CC BY-NC-ND</a:t>
-            </a:r>
-            <a:endParaRPr lang="en-US" sz="700">
-              <a:solidFill>
-                <a:srgbClr val="FFFFFF"/>
-              </a:solidFill>
-            </a:endParaRPr>
-          </a:p>
-        </p:txBody>
-      </p:sp>
     </p:spTree>
     <p:extLst>
       <p:ext uri="{BB962C8B-B14F-4D97-AF65-F5344CB8AC3E}">
@@ -10299,7 +10279,7 @@
           </a:bodyPr>
           <a:lstStyle/>
           <a:p>
-            <a:pPr marL="36900" indent="0">
+            <a:pPr marL="36900" indent="0" algn="just">
               <a:lnSpc>
                 <a:spcPct val="90000"/>
               </a:lnSpc>
@@ -10318,7 +10298,7 @@
                 <a:ea typeface="Calibri" panose="020F0502020204030204" pitchFamily="34" charset="0"/>
                 <a:cs typeface="Times New Roman" panose="02020603050405020304" pitchFamily="18" charset="0"/>
               </a:rPr>
-              <a:t>He received many awards and honors for his humanitarian services, both nationally and internationally. Some of them are:</a:t>
+              <a:t>He received many awards and honors for his humanitarian services. Some of them are:</a:t>
             </a:r>
           </a:p>
           <a:p>
